--- a/02_Milensteine/Meilenstein III/Gruppe3_MeilensteinIII_Prototyp.pptx
+++ b/02_Milensteine/Meilenstein III/Gruppe3_MeilensteinIII_Prototyp.pptx
@@ -4,17 +4,25 @@
   <p:sldMasterIdLst>
     <p:sldMasterId id="2147483706" r:id="rId1"/>
   </p:sldMasterIdLst>
+  <p:notesMasterIdLst>
+    <p:notesMasterId r:id="rId17"/>
+  </p:notesMasterIdLst>
   <p:sldIdLst>
     <p:sldId id="256" r:id="rId2"/>
     <p:sldId id="257" r:id="rId3"/>
-    <p:sldId id="258" r:id="rId4"/>
+    <p:sldId id="267" r:id="rId4"/>
     <p:sldId id="259" r:id="rId5"/>
     <p:sldId id="260" r:id="rId6"/>
     <p:sldId id="261" r:id="rId7"/>
-    <p:sldId id="264" r:id="rId8"/>
+    <p:sldId id="268" r:id="rId8"/>
     <p:sldId id="263" r:id="rId9"/>
-    <p:sldId id="265" r:id="rId10"/>
-    <p:sldId id="266" r:id="rId11"/>
+    <p:sldId id="274" r:id="rId10"/>
+    <p:sldId id="270" r:id="rId11"/>
+    <p:sldId id="273" r:id="rId12"/>
+    <p:sldId id="271" r:id="rId13"/>
+    <p:sldId id="272" r:id="rId14"/>
+    <p:sldId id="269" r:id="rId15"/>
+    <p:sldId id="266" r:id="rId16"/>
   </p:sldIdLst>
   <p:sldSz cx="12192000" cy="6858000"/>
   <p:notesSz cx="6858000" cy="9144000"/>
@@ -113,7 +121,361 @@
       </a:defRPr>
     </a:lvl9pPr>
   </p:defaultTextStyle>
+  <p:extLst>
+    <p:ext uri="{EFAFB233-063F-42B5-8137-9DF3F51BA10A}">
+      <p15:sldGuideLst xmlns:p15="http://schemas.microsoft.com/office/powerpoint/2012/main"/>
+    </p:ext>
+  </p:extLst>
 </p:presentation>
+</file>
+
+<file path=ppt/notesMasters/notesMaster1.xml><?xml version="1.0" encoding="utf-8"?>
+<p:notesMaster xmlns:a="http://schemas.openxmlformats.org/drawingml/2006/main" xmlns:r="http://schemas.openxmlformats.org/officeDocument/2006/relationships" xmlns:p="http://schemas.openxmlformats.org/presentationml/2006/main">
+  <p:cSld>
+    <p:bg>
+      <p:bgRef idx="1001">
+        <a:schemeClr val="bg1"/>
+      </p:bgRef>
+    </p:bg>
+    <p:spTree>
+      <p:nvGrpSpPr>
+        <p:cNvPr id="1" name=""/>
+        <p:cNvGrpSpPr/>
+        <p:nvPr/>
+      </p:nvGrpSpPr>
+      <p:grpSpPr>
+        <a:xfrm>
+          <a:off x="0" y="0"/>
+          <a:ext cx="0" cy="0"/>
+          <a:chOff x="0" y="0"/>
+          <a:chExt cx="0" cy="0"/>
+        </a:xfrm>
+      </p:grpSpPr>
+      <p:sp>
+        <p:nvSpPr>
+          <p:cNvPr id="2" name="Kopfzeilenplatzhalter 1"/>
+          <p:cNvSpPr>
+            <a:spLocks noGrp="1"/>
+          </p:cNvSpPr>
+          <p:nvPr>
+            <p:ph type="hdr" sz="quarter"/>
+          </p:nvPr>
+        </p:nvSpPr>
+        <p:spPr>
+          <a:xfrm>
+            <a:off x="0" y="0"/>
+            <a:ext cx="2971800" cy="458788"/>
+          </a:xfrm>
+          <a:prstGeom prst="rect">
+            <a:avLst/>
+          </a:prstGeom>
+        </p:spPr>
+        <p:txBody>
+          <a:bodyPr vert="horz" lIns="91440" tIns="45720" rIns="91440" bIns="45720" rtlCol="0"/>
+          <a:lstStyle>
+            <a:lvl1pPr algn="l">
+              <a:defRPr sz="1200"/>
+            </a:lvl1pPr>
+          </a:lstStyle>
+          <a:p>
+            <a:endParaRPr lang="de-DE"/>
+          </a:p>
+        </p:txBody>
+      </p:sp>
+      <p:sp>
+        <p:nvSpPr>
+          <p:cNvPr id="3" name="Datumsplatzhalter 2"/>
+          <p:cNvSpPr>
+            <a:spLocks noGrp="1"/>
+          </p:cNvSpPr>
+          <p:nvPr>
+            <p:ph type="dt" idx="1"/>
+          </p:nvPr>
+        </p:nvSpPr>
+        <p:spPr>
+          <a:xfrm>
+            <a:off x="3884613" y="0"/>
+            <a:ext cx="2971800" cy="458788"/>
+          </a:xfrm>
+          <a:prstGeom prst="rect">
+            <a:avLst/>
+          </a:prstGeom>
+        </p:spPr>
+        <p:txBody>
+          <a:bodyPr vert="horz" lIns="91440" tIns="45720" rIns="91440" bIns="45720" rtlCol="0"/>
+          <a:lstStyle>
+            <a:lvl1pPr algn="r">
+              <a:defRPr sz="1200"/>
+            </a:lvl1pPr>
+          </a:lstStyle>
+          <a:p>
+            <a:fld id="{444493A5-ECA6-441C-8B28-8E6CAC1065A2}" type="datetimeFigureOut">
+              <a:rPr lang="de-DE" smtClean="0"/>
+              <a:t>28.02.2023</a:t>
+            </a:fld>
+            <a:endParaRPr lang="de-DE"/>
+          </a:p>
+        </p:txBody>
+      </p:sp>
+      <p:sp>
+        <p:nvSpPr>
+          <p:cNvPr id="4" name="Folienbildplatzhalter 3"/>
+          <p:cNvSpPr>
+            <a:spLocks noGrp="1" noRot="1" noChangeAspect="1"/>
+          </p:cNvSpPr>
+          <p:nvPr>
+            <p:ph type="sldImg" idx="2"/>
+          </p:nvPr>
+        </p:nvSpPr>
+        <p:spPr>
+          <a:xfrm>
+            <a:off x="685800" y="1143000"/>
+            <a:ext cx="5486400" cy="3086100"/>
+          </a:xfrm>
+          <a:prstGeom prst="rect">
+            <a:avLst/>
+          </a:prstGeom>
+          <a:noFill/>
+          <a:ln w="12700">
+            <a:solidFill>
+              <a:prstClr val="black"/>
+            </a:solidFill>
+          </a:ln>
+        </p:spPr>
+        <p:txBody>
+          <a:bodyPr vert="horz" lIns="91440" tIns="45720" rIns="91440" bIns="45720" rtlCol="0" anchor="ctr"/>
+          <a:lstStyle/>
+          <a:p>
+            <a:endParaRPr lang="de-DE"/>
+          </a:p>
+        </p:txBody>
+      </p:sp>
+      <p:sp>
+        <p:nvSpPr>
+          <p:cNvPr id="5" name="Notizenplatzhalter 4"/>
+          <p:cNvSpPr>
+            <a:spLocks noGrp="1"/>
+          </p:cNvSpPr>
+          <p:nvPr>
+            <p:ph type="body" sz="quarter" idx="3"/>
+          </p:nvPr>
+        </p:nvSpPr>
+        <p:spPr>
+          <a:xfrm>
+            <a:off x="685800" y="4400550"/>
+            <a:ext cx="5486400" cy="3600450"/>
+          </a:xfrm>
+          <a:prstGeom prst="rect">
+            <a:avLst/>
+          </a:prstGeom>
+        </p:spPr>
+        <p:txBody>
+          <a:bodyPr vert="horz" lIns="91440" tIns="45720" rIns="91440" bIns="45720" rtlCol="0"/>
+          <a:lstStyle/>
+          <a:p>
+            <a:pPr lvl="0"/>
+            <a:r>
+              <a:rPr lang="de-DE"/>
+              <a:t>Mastertextformat bearbeiten</a:t>
+            </a:r>
+          </a:p>
+          <a:p>
+            <a:pPr lvl="1"/>
+            <a:r>
+              <a:rPr lang="de-DE"/>
+              <a:t>Zweite Ebene</a:t>
+            </a:r>
+          </a:p>
+          <a:p>
+            <a:pPr lvl="2"/>
+            <a:r>
+              <a:rPr lang="de-DE"/>
+              <a:t>Dritte Ebene</a:t>
+            </a:r>
+          </a:p>
+          <a:p>
+            <a:pPr lvl="3"/>
+            <a:r>
+              <a:rPr lang="de-DE"/>
+              <a:t>Vierte Ebene</a:t>
+            </a:r>
+          </a:p>
+          <a:p>
+            <a:pPr lvl="4"/>
+            <a:r>
+              <a:rPr lang="de-DE"/>
+              <a:t>Fünfte Ebene</a:t>
+            </a:r>
+          </a:p>
+        </p:txBody>
+      </p:sp>
+      <p:sp>
+        <p:nvSpPr>
+          <p:cNvPr id="6" name="Fußzeilenplatzhalter 5"/>
+          <p:cNvSpPr>
+            <a:spLocks noGrp="1"/>
+          </p:cNvSpPr>
+          <p:nvPr>
+            <p:ph type="ftr" sz="quarter" idx="4"/>
+          </p:nvPr>
+        </p:nvSpPr>
+        <p:spPr>
+          <a:xfrm>
+            <a:off x="0" y="8685213"/>
+            <a:ext cx="2971800" cy="458787"/>
+          </a:xfrm>
+          <a:prstGeom prst="rect">
+            <a:avLst/>
+          </a:prstGeom>
+        </p:spPr>
+        <p:txBody>
+          <a:bodyPr vert="horz" lIns="91440" tIns="45720" rIns="91440" bIns="45720" rtlCol="0" anchor="b"/>
+          <a:lstStyle>
+            <a:lvl1pPr algn="l">
+              <a:defRPr sz="1200"/>
+            </a:lvl1pPr>
+          </a:lstStyle>
+          <a:p>
+            <a:endParaRPr lang="de-DE"/>
+          </a:p>
+        </p:txBody>
+      </p:sp>
+      <p:sp>
+        <p:nvSpPr>
+          <p:cNvPr id="7" name="Foliennummernplatzhalter 6"/>
+          <p:cNvSpPr>
+            <a:spLocks noGrp="1"/>
+          </p:cNvSpPr>
+          <p:nvPr>
+            <p:ph type="sldNum" sz="quarter" idx="5"/>
+          </p:nvPr>
+        </p:nvSpPr>
+        <p:spPr>
+          <a:xfrm>
+            <a:off x="3884613" y="8685213"/>
+            <a:ext cx="2971800" cy="458787"/>
+          </a:xfrm>
+          <a:prstGeom prst="rect">
+            <a:avLst/>
+          </a:prstGeom>
+        </p:spPr>
+        <p:txBody>
+          <a:bodyPr vert="horz" lIns="91440" tIns="45720" rIns="91440" bIns="45720" rtlCol="0" anchor="b"/>
+          <a:lstStyle>
+            <a:lvl1pPr algn="r">
+              <a:defRPr sz="1200"/>
+            </a:lvl1pPr>
+          </a:lstStyle>
+          <a:p>
+            <a:fld id="{4732B7D8-8568-4AC4-B0AE-05C095FD0684}" type="slidenum">
+              <a:rPr lang="de-DE" smtClean="0"/>
+              <a:t>‹Nr.›</a:t>
+            </a:fld>
+            <a:endParaRPr lang="de-DE"/>
+          </a:p>
+        </p:txBody>
+      </p:sp>
+    </p:spTree>
+    <p:extLst>
+      <p:ext uri="{BB962C8B-B14F-4D97-AF65-F5344CB8AC3E}">
+        <p14:creationId xmlns:p14="http://schemas.microsoft.com/office/powerpoint/2010/main" val="4045337815"/>
+      </p:ext>
+    </p:extLst>
+  </p:cSld>
+  <p:clrMap bg1="lt1" tx1="dk1" bg2="lt2" tx2="dk2" accent1="accent1" accent2="accent2" accent3="accent3" accent4="accent4" accent5="accent5" accent6="accent6" hlink="hlink" folHlink="folHlink"/>
+  <p:notesStyle>
+    <a:lvl1pPr marL="0" algn="l" defTabSz="914400" rtl="0" eaLnBrk="1" latinLnBrk="0" hangingPunct="1">
+      <a:defRPr sz="1200" kern="1200">
+        <a:solidFill>
+          <a:schemeClr val="tx1"/>
+        </a:solidFill>
+        <a:latin typeface="+mn-lt"/>
+        <a:ea typeface="+mn-ea"/>
+        <a:cs typeface="+mn-cs"/>
+      </a:defRPr>
+    </a:lvl1pPr>
+    <a:lvl2pPr marL="457200" algn="l" defTabSz="914400" rtl="0" eaLnBrk="1" latinLnBrk="0" hangingPunct="1">
+      <a:defRPr sz="1200" kern="1200">
+        <a:solidFill>
+          <a:schemeClr val="tx1"/>
+        </a:solidFill>
+        <a:latin typeface="+mn-lt"/>
+        <a:ea typeface="+mn-ea"/>
+        <a:cs typeface="+mn-cs"/>
+      </a:defRPr>
+    </a:lvl2pPr>
+    <a:lvl3pPr marL="914400" algn="l" defTabSz="914400" rtl="0" eaLnBrk="1" latinLnBrk="0" hangingPunct="1">
+      <a:defRPr sz="1200" kern="1200">
+        <a:solidFill>
+          <a:schemeClr val="tx1"/>
+        </a:solidFill>
+        <a:latin typeface="+mn-lt"/>
+        <a:ea typeface="+mn-ea"/>
+        <a:cs typeface="+mn-cs"/>
+      </a:defRPr>
+    </a:lvl3pPr>
+    <a:lvl4pPr marL="1371600" algn="l" defTabSz="914400" rtl="0" eaLnBrk="1" latinLnBrk="0" hangingPunct="1">
+      <a:defRPr sz="1200" kern="1200">
+        <a:solidFill>
+          <a:schemeClr val="tx1"/>
+        </a:solidFill>
+        <a:latin typeface="+mn-lt"/>
+        <a:ea typeface="+mn-ea"/>
+        <a:cs typeface="+mn-cs"/>
+      </a:defRPr>
+    </a:lvl4pPr>
+    <a:lvl5pPr marL="1828800" algn="l" defTabSz="914400" rtl="0" eaLnBrk="1" latinLnBrk="0" hangingPunct="1">
+      <a:defRPr sz="1200" kern="1200">
+        <a:solidFill>
+          <a:schemeClr val="tx1"/>
+        </a:solidFill>
+        <a:latin typeface="+mn-lt"/>
+        <a:ea typeface="+mn-ea"/>
+        <a:cs typeface="+mn-cs"/>
+      </a:defRPr>
+    </a:lvl5pPr>
+    <a:lvl6pPr marL="2286000" algn="l" defTabSz="914400" rtl="0" eaLnBrk="1" latinLnBrk="0" hangingPunct="1">
+      <a:defRPr sz="1200" kern="1200">
+        <a:solidFill>
+          <a:schemeClr val="tx1"/>
+        </a:solidFill>
+        <a:latin typeface="+mn-lt"/>
+        <a:ea typeface="+mn-ea"/>
+        <a:cs typeface="+mn-cs"/>
+      </a:defRPr>
+    </a:lvl6pPr>
+    <a:lvl7pPr marL="2743200" algn="l" defTabSz="914400" rtl="0" eaLnBrk="1" latinLnBrk="0" hangingPunct="1">
+      <a:defRPr sz="1200" kern="1200">
+        <a:solidFill>
+          <a:schemeClr val="tx1"/>
+        </a:solidFill>
+        <a:latin typeface="+mn-lt"/>
+        <a:ea typeface="+mn-ea"/>
+        <a:cs typeface="+mn-cs"/>
+      </a:defRPr>
+    </a:lvl7pPr>
+    <a:lvl8pPr marL="3200400" algn="l" defTabSz="914400" rtl="0" eaLnBrk="1" latinLnBrk="0" hangingPunct="1">
+      <a:defRPr sz="1200" kern="1200">
+        <a:solidFill>
+          <a:schemeClr val="tx1"/>
+        </a:solidFill>
+        <a:latin typeface="+mn-lt"/>
+        <a:ea typeface="+mn-ea"/>
+        <a:cs typeface="+mn-cs"/>
+      </a:defRPr>
+    </a:lvl8pPr>
+    <a:lvl9pPr marL="3657600" algn="l" defTabSz="914400" rtl="0" eaLnBrk="1" latinLnBrk="0" hangingPunct="1">
+      <a:defRPr sz="1200" kern="1200">
+        <a:solidFill>
+          <a:schemeClr val="tx1"/>
+        </a:solidFill>
+        <a:latin typeface="+mn-lt"/>
+        <a:ea typeface="+mn-ea"/>
+        <a:cs typeface="+mn-cs"/>
+      </a:defRPr>
+    </a:lvl9pPr>
+  </p:notesStyle>
+</p:notesMaster>
 </file>
 
 <file path=ppt/slideLayouts/slideLayout1.xml><?xml version="1.0" encoding="utf-8"?>
@@ -257,24 +619,24 @@
       </p:sp>
       <p:sp>
         <p:nvSpPr>
-          <p:cNvPr id="4" name="Date Placeholder 3"/>
-          <p:cNvSpPr>
-            <a:spLocks noGrp="1"/>
-          </p:cNvSpPr>
-          <p:nvPr>
-            <p:ph type="dt" sz="half" idx="10"/>
-          </p:nvPr>
-        </p:nvSpPr>
-        <p:spPr>
-          <a:xfrm>
-            <a:off x="752858" y="6453386"/>
-            <a:ext cx="1607944" cy="404614"/>
+          <p:cNvPr id="5" name="Footer Placeholder 4"/>
+          <p:cNvSpPr>
+            <a:spLocks noGrp="1"/>
+          </p:cNvSpPr>
+          <p:nvPr>
+            <p:ph type="ftr" sz="quarter" idx="11"/>
+          </p:nvPr>
+        </p:nvSpPr>
+        <p:spPr>
+          <a:xfrm>
+            <a:off x="1371600" y="6453386"/>
+            <a:ext cx="8235830" cy="404614"/>
           </a:xfrm>
         </p:spPr>
         <p:txBody>
           <a:bodyPr/>
           <a:lstStyle>
-            <a:lvl1pPr>
+            <a:lvl1pPr algn="l">
               <a:defRPr baseline="0">
                 <a:solidFill>
                   <a:schemeClr val="tx2"/>
@@ -283,43 +645,10 @@
             </a:lvl1pPr>
           </a:lstStyle>
           <a:p>
-            <a:fld id="{6556875C-71FA-4FBD-8002-4DDEB6033D8E}" type="datetimeFigureOut">
-              <a:rPr lang="de-DE" smtClean="0"/>
-              <a:t>27.02.2023</a:t>
-            </a:fld>
-            <a:endParaRPr lang="de-DE"/>
-          </a:p>
-        </p:txBody>
-      </p:sp>
-      <p:sp>
-        <p:nvSpPr>
-          <p:cNvPr id="5" name="Footer Placeholder 4"/>
-          <p:cNvSpPr>
-            <a:spLocks noGrp="1"/>
-          </p:cNvSpPr>
-          <p:nvPr>
-            <p:ph type="ftr" sz="quarter" idx="11"/>
-          </p:nvPr>
-        </p:nvSpPr>
-        <p:spPr>
-          <a:xfrm>
-            <a:off x="2584054" y="6453386"/>
-            <a:ext cx="7023377" cy="404614"/>
-          </a:xfrm>
-        </p:spPr>
-        <p:txBody>
-          <a:bodyPr/>
-          <a:lstStyle>
-            <a:lvl1pPr algn="ctr">
-              <a:defRPr baseline="0">
-                <a:solidFill>
-                  <a:schemeClr val="tx2"/>
-                </a:solidFill>
-              </a:defRPr>
-            </a:lvl1pPr>
-          </a:lstStyle>
-          <a:p>
-            <a:endParaRPr lang="de-DE"/>
+            <a:r>
+              <a:rPr lang="de-DE" dirty="0"/>
+              <a:t>28.02.2023 | Prototyp Gruppe 4 | Maksim Hermann</a:t>
+            </a:r>
           </a:p>
         </p:txBody>
       </p:sp>
@@ -608,14 +937,22 @@
             <p:ph type="dt" sz="half" idx="10"/>
           </p:nvPr>
         </p:nvSpPr>
-        <p:spPr/>
+        <p:spPr>
+          <a:xfrm>
+            <a:off x="1390649" y="6453386"/>
+            <a:ext cx="3498591" cy="404614"/>
+          </a:xfrm>
+          <a:prstGeom prst="rect">
+            <a:avLst/>
+          </a:prstGeom>
+        </p:spPr>
         <p:txBody>
           <a:bodyPr/>
           <a:lstStyle/>
           <a:p>
             <a:fld id="{6556875C-71FA-4FBD-8002-4DDEB6033D8E}" type="datetimeFigureOut">
               <a:rPr lang="de-DE" smtClean="0"/>
-              <a:t>27.02.2023</a:t>
+              <a:t>28.02.2023</a:t>
             </a:fld>
             <a:endParaRPr lang="de-DE"/>
           </a:p>
@@ -636,7 +973,10 @@
           <a:bodyPr/>
           <a:lstStyle/>
           <a:p>
-            <a:endParaRPr lang="de-DE"/>
+            <a:r>
+              <a:rPr lang="de-DE"/>
+              <a:t>28.02.2023 | Prototyp Gruppe 3 | Maksim Hermann</a:t>
+            </a:r>
           </a:p>
         </p:txBody>
       </p:sp>
@@ -788,14 +1128,22 @@
             <p:ph type="dt" sz="half" idx="10"/>
           </p:nvPr>
         </p:nvSpPr>
-        <p:spPr/>
+        <p:spPr>
+          <a:xfrm>
+            <a:off x="1390649" y="6453386"/>
+            <a:ext cx="3498591" cy="404614"/>
+          </a:xfrm>
+          <a:prstGeom prst="rect">
+            <a:avLst/>
+          </a:prstGeom>
+        </p:spPr>
         <p:txBody>
           <a:bodyPr/>
           <a:lstStyle/>
           <a:p>
             <a:fld id="{6556875C-71FA-4FBD-8002-4DDEB6033D8E}" type="datetimeFigureOut">
               <a:rPr lang="de-DE" smtClean="0"/>
-              <a:t>27.02.2023</a:t>
+              <a:t>28.02.2023</a:t>
             </a:fld>
             <a:endParaRPr lang="de-DE"/>
           </a:p>
@@ -816,7 +1164,10 @@
           <a:bodyPr/>
           <a:lstStyle/>
           <a:p>
-            <a:endParaRPr lang="de-DE"/>
+            <a:r>
+              <a:rPr lang="de-DE"/>
+              <a:t>28.02.2023 | Prototyp Gruppe 3 | Maksim Hermann</a:t>
+            </a:r>
           </a:p>
         </p:txBody>
       </p:sp>
@@ -958,14 +1309,22 @@
             <p:ph type="dt" sz="half" idx="10"/>
           </p:nvPr>
         </p:nvSpPr>
-        <p:spPr/>
+        <p:spPr>
+          <a:xfrm>
+            <a:off x="1390649" y="6453386"/>
+            <a:ext cx="3498591" cy="404614"/>
+          </a:xfrm>
+          <a:prstGeom prst="rect">
+            <a:avLst/>
+          </a:prstGeom>
+        </p:spPr>
         <p:txBody>
           <a:bodyPr/>
           <a:lstStyle/>
           <a:p>
             <a:fld id="{6556875C-71FA-4FBD-8002-4DDEB6033D8E}" type="datetimeFigureOut">
               <a:rPr lang="de-DE" smtClean="0"/>
-              <a:t>27.02.2023</a:t>
+              <a:t>28.02.2023</a:t>
             </a:fld>
             <a:endParaRPr lang="de-DE"/>
           </a:p>
@@ -986,7 +1345,10 @@
           <a:bodyPr/>
           <a:lstStyle/>
           <a:p>
-            <a:endParaRPr lang="de-DE"/>
+            <a:r>
+              <a:rPr lang="de-DE"/>
+              <a:t>28.02.2023 | Prototyp Gruppe 3 | Maksim Hermann</a:t>
+            </a:r>
           </a:p>
         </p:txBody>
       </p:sp>
@@ -1227,6 +1589,9 @@
             <a:off x="738908" y="6453386"/>
             <a:ext cx="1622409" cy="404614"/>
           </a:xfrm>
+          <a:prstGeom prst="rect">
+            <a:avLst/>
+          </a:prstGeom>
         </p:spPr>
         <p:txBody>
           <a:bodyPr/>
@@ -1242,7 +1607,7 @@
           <a:p>
             <a:fld id="{6556875C-71FA-4FBD-8002-4DDEB6033D8E}" type="datetimeFigureOut">
               <a:rPr lang="de-DE" smtClean="0"/>
-              <a:t>27.02.2023</a:t>
+              <a:t>28.02.2023</a:t>
             </a:fld>
             <a:endParaRPr lang="de-DE"/>
           </a:p>
@@ -1276,7 +1641,10 @@
             </a:lvl1pPr>
           </a:lstStyle>
           <a:p>
-            <a:endParaRPr lang="de-DE"/>
+            <a:r>
+              <a:rPr lang="de-DE"/>
+              <a:t>28.02.2023 | Prototyp Gruppe 3 | Maksim Hermann</a:t>
+            </a:r>
           </a:p>
         </p:txBody>
       </p:sp>
@@ -1629,14 +1997,22 @@
             <p:ph type="dt" sz="half" idx="10"/>
           </p:nvPr>
         </p:nvSpPr>
-        <p:spPr/>
+        <p:spPr>
+          <a:xfrm>
+            <a:off x="1390649" y="6453386"/>
+            <a:ext cx="3498591" cy="404614"/>
+          </a:xfrm>
+          <a:prstGeom prst="rect">
+            <a:avLst/>
+          </a:prstGeom>
+        </p:spPr>
         <p:txBody>
           <a:bodyPr/>
           <a:lstStyle/>
           <a:p>
             <a:fld id="{6556875C-71FA-4FBD-8002-4DDEB6033D8E}" type="datetimeFigureOut">
               <a:rPr lang="de-DE" smtClean="0"/>
-              <a:t>27.02.2023</a:t>
+              <a:t>28.02.2023</a:t>
             </a:fld>
             <a:endParaRPr lang="de-DE"/>
           </a:p>
@@ -1657,7 +2033,10 @@
           <a:bodyPr/>
           <a:lstStyle/>
           <a:p>
-            <a:endParaRPr lang="de-DE"/>
+            <a:r>
+              <a:rPr lang="de-DE"/>
+              <a:t>28.02.2023 | Prototyp Gruppe 3 | Maksim Hermann</a:t>
+            </a:r>
           </a:p>
         </p:txBody>
       </p:sp>
@@ -2106,14 +2485,22 @@
             <p:ph type="dt" sz="half" idx="10"/>
           </p:nvPr>
         </p:nvSpPr>
-        <p:spPr/>
+        <p:spPr>
+          <a:xfrm>
+            <a:off x="1390649" y="6453386"/>
+            <a:ext cx="3498591" cy="404614"/>
+          </a:xfrm>
+          <a:prstGeom prst="rect">
+            <a:avLst/>
+          </a:prstGeom>
+        </p:spPr>
         <p:txBody>
           <a:bodyPr/>
           <a:lstStyle/>
           <a:p>
             <a:fld id="{6556875C-71FA-4FBD-8002-4DDEB6033D8E}" type="datetimeFigureOut">
               <a:rPr lang="de-DE" smtClean="0"/>
-              <a:t>27.02.2023</a:t>
+              <a:t>28.02.2023</a:t>
             </a:fld>
             <a:endParaRPr lang="de-DE"/>
           </a:p>
@@ -2134,7 +2521,10 @@
           <a:bodyPr/>
           <a:lstStyle/>
           <a:p>
-            <a:endParaRPr lang="de-DE"/>
+            <a:r>
+              <a:rPr lang="de-DE"/>
+              <a:t>28.02.2023 | Prototyp Gruppe 3 | Maksim Hermann</a:t>
+            </a:r>
           </a:p>
         </p:txBody>
       </p:sp>
@@ -2224,14 +2614,22 @@
             <p:ph type="dt" sz="half" idx="10"/>
           </p:nvPr>
         </p:nvSpPr>
-        <p:spPr/>
+        <p:spPr>
+          <a:xfrm>
+            <a:off x="1390649" y="6453386"/>
+            <a:ext cx="3498591" cy="404614"/>
+          </a:xfrm>
+          <a:prstGeom prst="rect">
+            <a:avLst/>
+          </a:prstGeom>
+        </p:spPr>
         <p:txBody>
           <a:bodyPr/>
           <a:lstStyle/>
           <a:p>
             <a:fld id="{6556875C-71FA-4FBD-8002-4DDEB6033D8E}" type="datetimeFigureOut">
               <a:rPr lang="de-DE" smtClean="0"/>
-              <a:t>27.02.2023</a:t>
+              <a:t>28.02.2023</a:t>
             </a:fld>
             <a:endParaRPr lang="de-DE"/>
           </a:p>
@@ -2252,7 +2650,10 @@
           <a:bodyPr/>
           <a:lstStyle/>
           <a:p>
-            <a:endParaRPr lang="de-DE"/>
+            <a:r>
+              <a:rPr lang="de-DE"/>
+              <a:t>28.02.2023 | Prototyp Gruppe 3 | Maksim Hermann</a:t>
+            </a:r>
           </a:p>
         </p:txBody>
       </p:sp>
@@ -2319,14 +2720,22 @@
             <p:ph type="dt" sz="half" idx="10"/>
           </p:nvPr>
         </p:nvSpPr>
-        <p:spPr/>
+        <p:spPr>
+          <a:xfrm>
+            <a:off x="1390649" y="6453386"/>
+            <a:ext cx="3498591" cy="404614"/>
+          </a:xfrm>
+          <a:prstGeom prst="rect">
+            <a:avLst/>
+          </a:prstGeom>
+        </p:spPr>
         <p:txBody>
           <a:bodyPr/>
           <a:lstStyle/>
           <a:p>
             <a:fld id="{6556875C-71FA-4FBD-8002-4DDEB6033D8E}" type="datetimeFigureOut">
               <a:rPr lang="de-DE" smtClean="0"/>
-              <a:t>27.02.2023</a:t>
+              <a:t>28.02.2023</a:t>
             </a:fld>
             <a:endParaRPr lang="de-DE"/>
           </a:p>
@@ -2347,7 +2756,10 @@
           <a:bodyPr/>
           <a:lstStyle/>
           <a:p>
-            <a:endParaRPr lang="de-DE"/>
+            <a:r>
+              <a:rPr lang="de-DE"/>
+              <a:t>28.02.2023 | Prototyp Gruppe 3 | Maksim Hermann</a:t>
+            </a:r>
           </a:p>
         </p:txBody>
       </p:sp>
@@ -2657,6 +3069,9 @@
             <a:off x="723900" y="6453386"/>
             <a:ext cx="1204572" cy="404614"/>
           </a:xfrm>
+          <a:prstGeom prst="rect">
+            <a:avLst/>
+          </a:prstGeom>
         </p:spPr>
         <p:txBody>
           <a:bodyPr/>
@@ -2672,7 +3087,7 @@
           <a:p>
             <a:fld id="{6556875C-71FA-4FBD-8002-4DDEB6033D8E}" type="datetimeFigureOut">
               <a:rPr lang="de-DE" smtClean="0"/>
-              <a:t>27.02.2023</a:t>
+              <a:t>28.02.2023</a:t>
             </a:fld>
             <a:endParaRPr lang="de-DE"/>
           </a:p>
@@ -2706,7 +3121,10 @@
             </a:lvl1pPr>
           </a:lstStyle>
           <a:p>
-            <a:endParaRPr lang="de-DE"/>
+            <a:r>
+              <a:rPr lang="de-DE"/>
+              <a:t>28.02.2023 | Prototyp Gruppe 3 | Maksim Hermann</a:t>
+            </a:r>
           </a:p>
         </p:txBody>
       </p:sp>
@@ -3045,6 +3463,9 @@
             <a:off x="723900" y="6453386"/>
             <a:ext cx="1204572" cy="404614"/>
           </a:xfrm>
+          <a:prstGeom prst="rect">
+            <a:avLst/>
+          </a:prstGeom>
         </p:spPr>
         <p:txBody>
           <a:bodyPr/>
@@ -3060,7 +3481,7 @@
           <a:p>
             <a:fld id="{6556875C-71FA-4FBD-8002-4DDEB6033D8E}" type="datetimeFigureOut">
               <a:rPr lang="de-DE" smtClean="0"/>
-              <a:t>27.02.2023</a:t>
+              <a:t>28.02.2023</a:t>
             </a:fld>
             <a:endParaRPr lang="de-DE"/>
           </a:p>
@@ -3094,7 +3515,10 @@
             </a:lvl1pPr>
           </a:lstStyle>
           <a:p>
-            <a:endParaRPr lang="de-DE"/>
+            <a:r>
+              <a:rPr lang="de-DE"/>
+              <a:t>28.02.2023 | Prototyp Gruppe 3 | Maksim Hermann</a:t>
+            </a:r>
           </a:p>
         </p:txBody>
       </p:sp>
@@ -3307,18 +3731,18 @@
       </p:sp>
       <p:sp>
         <p:nvSpPr>
-          <p:cNvPr id="4" name="Date Placeholder 3"/>
-          <p:cNvSpPr>
-            <a:spLocks noGrp="1"/>
-          </p:cNvSpPr>
-          <p:nvPr>
-            <p:ph type="dt" sz="half" idx="2"/>
-          </p:nvPr>
-        </p:nvSpPr>
-        <p:spPr>
-          <a:xfrm>
-            <a:off x="1390650" y="6453386"/>
-            <a:ext cx="1204572" cy="404614"/>
+          <p:cNvPr id="5" name="Footer Placeholder 4"/>
+          <p:cNvSpPr>
+            <a:spLocks noGrp="1"/>
+          </p:cNvSpPr>
+          <p:nvPr>
+            <p:ph type="ftr" sz="quarter" idx="3"/>
+          </p:nvPr>
+        </p:nvSpPr>
+        <p:spPr>
+          <a:xfrm>
+            <a:off x="1371600" y="6453386"/>
+            <a:ext cx="7802794" cy="404614"/>
           </a:xfrm>
           <a:prstGeom prst="rect">
             <a:avLst/>
@@ -3336,46 +3760,10 @@
             </a:lvl1pPr>
           </a:lstStyle>
           <a:p>
-            <a:fld id="{6556875C-71FA-4FBD-8002-4DDEB6033D8E}" type="datetimeFigureOut">
-              <a:rPr lang="de-DE" smtClean="0"/>
-              <a:t>27.02.2023</a:t>
-            </a:fld>
-            <a:endParaRPr lang="de-DE"/>
-          </a:p>
-        </p:txBody>
-      </p:sp>
-      <p:sp>
-        <p:nvSpPr>
-          <p:cNvPr id="5" name="Footer Placeholder 4"/>
-          <p:cNvSpPr>
-            <a:spLocks noGrp="1"/>
-          </p:cNvSpPr>
-          <p:nvPr>
-            <p:ph type="ftr" sz="quarter" idx="3"/>
-          </p:nvPr>
-        </p:nvSpPr>
-        <p:spPr>
-          <a:xfrm>
-            <a:off x="2893564" y="6453386"/>
-            <a:ext cx="6280830" cy="404614"/>
-          </a:xfrm>
-          <a:prstGeom prst="rect">
-            <a:avLst/>
-          </a:prstGeom>
-        </p:spPr>
-        <p:txBody>
-          <a:bodyPr vert="horz" lIns="91440" tIns="45720" rIns="91440" bIns="45720" rtlCol="0" anchor="ctr"/>
-          <a:lstStyle>
-            <a:lvl1pPr algn="l">
-              <a:defRPr sz="1200" baseline="0">
-                <a:solidFill>
-                  <a:schemeClr val="tx2"/>
-                </a:solidFill>
-              </a:defRPr>
-            </a:lvl1pPr>
-          </a:lstStyle>
-          <a:p>
-            <a:endParaRPr lang="de-DE"/>
+            <a:r>
+              <a:rPr lang="de-DE" dirty="0"/>
+              <a:t>28.02.2023 | Prototyp Gruppe 4 | Maksim Hermann</a:t>
+            </a:r>
           </a:p>
         </p:txBody>
       </p:sp>
@@ -3477,6 +3865,7 @@
     <p:sldLayoutId id="2147483716" r:id="rId10"/>
     <p:sldLayoutId id="2147483717" r:id="rId11"/>
   </p:sldLayoutIdLst>
+  <p:hf sldNum="0" hdr="0" dt="0"/>
   <p:txStyles>
     <p:titleStyle>
       <a:lvl1pPr algn="l" defTabSz="914400" rtl="0" eaLnBrk="1" latinLnBrk="0" hangingPunct="1">
@@ -3850,6 +4239,42 @@
           <a:chExt cx="0" cy="0"/>
         </a:xfrm>
       </p:grpSpPr>
+      <p:pic>
+        <p:nvPicPr>
+          <p:cNvPr id="6" name="Grafik 5">
+            <a:extLst>
+              <a:ext uri="{FF2B5EF4-FFF2-40B4-BE49-F238E27FC236}">
+                <a16:creationId xmlns:a16="http://schemas.microsoft.com/office/drawing/2014/main" id="{EF70773D-C5B4-7C40-3E50-90349A417A85}"/>
+              </a:ext>
+            </a:extLst>
+          </p:cNvPr>
+          <p:cNvPicPr>
+            <a:picLocks noChangeAspect="1"/>
+          </p:cNvPicPr>
+          <p:nvPr/>
+        </p:nvPicPr>
+        <p:blipFill>
+          <a:blip r:embed="rId2">
+            <a:extLst>
+              <a:ext uri="{28A0092B-C50C-407E-A947-70E740481C1C}">
+                <a14:useLocalDpi xmlns:a14="http://schemas.microsoft.com/office/drawing/2010/main" val="0"/>
+              </a:ext>
+            </a:extLst>
+          </a:blip>
+          <a:stretch>
+            <a:fillRect/>
+          </a:stretch>
+        </p:blipFill>
+        <p:spPr>
+          <a:xfrm>
+            <a:off x="8118990" y="4326903"/>
+            <a:ext cx="3307529" cy="2300509"/>
+          </a:xfrm>
+          <a:prstGeom prst="rect">
+            <a:avLst/>
+          </a:prstGeom>
+        </p:spPr>
+      </p:pic>
       <p:sp>
         <p:nvSpPr>
           <p:cNvPr id="2" name="Titel 1">
@@ -3872,7 +4297,7 @@
           <a:lstStyle/>
           <a:p>
             <a:r>
-              <a:rPr lang="de-DE" dirty="0"/>
+              <a:rPr lang="de-DE" sz="8000" dirty="0"/>
               <a:t>Meilenstein III</a:t>
             </a:r>
           </a:p>
@@ -3896,13 +4321,151 @@
         </p:nvSpPr>
         <p:spPr/>
         <p:txBody>
+          <a:bodyPr>
+            <a:normAutofit/>
+          </a:bodyPr>
+          <a:lstStyle/>
+          <a:p>
+            <a:r>
+              <a:rPr lang="de-DE" sz="2400" dirty="0"/>
+              <a:t>Vorstellung des Prototypens</a:t>
+            </a:r>
+          </a:p>
+        </p:txBody>
+      </p:sp>
+      <p:sp>
+        <p:nvSpPr>
+          <p:cNvPr id="4" name="Fußzeilenplatzhalter 3">
+            <a:extLst>
+              <a:ext uri="{FF2B5EF4-FFF2-40B4-BE49-F238E27FC236}">
+                <a16:creationId xmlns:a16="http://schemas.microsoft.com/office/drawing/2014/main" id="{420C4C45-9C43-AC00-C4F3-3C85AC4252D7}"/>
+              </a:ext>
+            </a:extLst>
+          </p:cNvPr>
+          <p:cNvSpPr>
+            <a:spLocks noGrp="1"/>
+          </p:cNvSpPr>
+          <p:nvPr>
+            <p:ph type="ftr" sz="quarter" idx="11"/>
+          </p:nvPr>
+        </p:nvSpPr>
+        <p:spPr/>
+        <p:txBody>
           <a:bodyPr/>
           <a:lstStyle/>
           <a:p>
             <a:r>
               <a:rPr lang="de-DE" dirty="0"/>
-              <a:t>Vorstellung des Prototypens</a:t>
-            </a:r>
+              <a:t>28.02.2023 | Prototyp Gruppe 4 | Maksim Hermann</a:t>
+            </a:r>
+          </a:p>
+        </p:txBody>
+      </p:sp>
+      <p:sp>
+        <p:nvSpPr>
+          <p:cNvPr id="7" name="Rechteck 6">
+            <a:extLst>
+              <a:ext uri="{FF2B5EF4-FFF2-40B4-BE49-F238E27FC236}">
+                <a16:creationId xmlns:a16="http://schemas.microsoft.com/office/drawing/2014/main" id="{3CA27402-13A3-A421-2943-7D0E3D351FC8}"/>
+              </a:ext>
+            </a:extLst>
+          </p:cNvPr>
+          <p:cNvSpPr/>
+          <p:nvPr/>
+        </p:nvSpPr>
+        <p:spPr>
+          <a:xfrm>
+            <a:off x="8165309" y="5717879"/>
+            <a:ext cx="2526384" cy="311085"/>
+          </a:xfrm>
+          <a:prstGeom prst="rect">
+            <a:avLst/>
+          </a:prstGeom>
+          <a:solidFill>
+            <a:srgbClr val="44546A"/>
+          </a:solidFill>
+          <a:ln>
+            <a:solidFill>
+              <a:srgbClr val="44546A"/>
+            </a:solidFill>
+          </a:ln>
+        </p:spPr>
+        <p:style>
+          <a:lnRef idx="2">
+            <a:schemeClr val="accent1">
+              <a:shade val="50000"/>
+            </a:schemeClr>
+          </a:lnRef>
+          <a:fillRef idx="1">
+            <a:schemeClr val="accent1"/>
+          </a:fillRef>
+          <a:effectRef idx="0">
+            <a:schemeClr val="accent1"/>
+          </a:effectRef>
+          <a:fontRef idx="minor">
+            <a:schemeClr val="lt1"/>
+          </a:fontRef>
+        </p:style>
+        <p:txBody>
+          <a:bodyPr rtlCol="0" anchor="ctr"/>
+          <a:lstStyle/>
+          <a:p>
+            <a:pPr algn="ctr"/>
+            <a:endParaRPr lang="de-DE"/>
+          </a:p>
+        </p:txBody>
+      </p:sp>
+      <p:sp>
+        <p:nvSpPr>
+          <p:cNvPr id="8" name="Rechteck 7">
+            <a:extLst>
+              <a:ext uri="{FF2B5EF4-FFF2-40B4-BE49-F238E27FC236}">
+                <a16:creationId xmlns:a16="http://schemas.microsoft.com/office/drawing/2014/main" id="{98B094ED-FDC0-66DC-C391-5BDDBB883067}"/>
+              </a:ext>
+            </a:extLst>
+          </p:cNvPr>
+          <p:cNvSpPr/>
+          <p:nvPr/>
+        </p:nvSpPr>
+        <p:spPr>
+          <a:xfrm rot="16200000">
+            <a:off x="9927054" y="4610229"/>
+            <a:ext cx="2526384" cy="311085"/>
+          </a:xfrm>
+          <a:prstGeom prst="rect">
+            <a:avLst/>
+          </a:prstGeom>
+          <a:solidFill>
+            <a:srgbClr val="44546A"/>
+          </a:solidFill>
+          <a:ln>
+            <a:solidFill>
+              <a:srgbClr val="44546A"/>
+            </a:solidFill>
+          </a:ln>
+        </p:spPr>
+        <p:style>
+          <a:lnRef idx="2">
+            <a:schemeClr val="accent1">
+              <a:shade val="50000"/>
+            </a:schemeClr>
+          </a:lnRef>
+          <a:fillRef idx="1">
+            <a:schemeClr val="accent1"/>
+          </a:fillRef>
+          <a:effectRef idx="0">
+            <a:schemeClr val="accent1"/>
+          </a:effectRef>
+          <a:fontRef idx="minor">
+            <a:schemeClr val="lt1"/>
+          </a:fontRef>
+        </p:style>
+        <p:txBody>
+          <a:bodyPr rtlCol="0" anchor="ctr"/>
+          <a:lstStyle/>
+          <a:p>
+            <a:pPr algn="ctr"/>
+            <a:endParaRPr lang="de-DE"/>
           </a:p>
         </p:txBody>
       </p:sp>
@@ -3944,7 +4507,7 @@
           <p:cNvPr id="2" name="Titel 1">
             <a:extLst>
               <a:ext uri="{FF2B5EF4-FFF2-40B4-BE49-F238E27FC236}">
-                <a16:creationId xmlns:a16="http://schemas.microsoft.com/office/drawing/2014/main" id="{B5467E21-98A3-3B06-59F0-FB1237556A19}"/>
+                <a16:creationId xmlns:a16="http://schemas.microsoft.com/office/drawing/2014/main" id="{2C1497C9-0FF2-834F-2950-EE438F5513E8}"/>
               </a:ext>
             </a:extLst>
           </p:cNvPr>
@@ -3962,7 +4525,158 @@
           <a:p>
             <a:r>
               <a:rPr lang="de-DE" dirty="0"/>
-              <a:t>VIELEN DANK!</a:t>
+              <a:t>2.2 Sketch</a:t>
+            </a:r>
+          </a:p>
+        </p:txBody>
+      </p:sp>
+      <p:pic>
+        <p:nvPicPr>
+          <p:cNvPr id="6" name="Inhaltsplatzhalter 5">
+            <a:extLst>
+              <a:ext uri="{FF2B5EF4-FFF2-40B4-BE49-F238E27FC236}">
+                <a16:creationId xmlns:a16="http://schemas.microsoft.com/office/drawing/2014/main" id="{DEF9E3C1-5203-652B-75F1-D9CFDF9F21E3}"/>
+              </a:ext>
+            </a:extLst>
+          </p:cNvPr>
+          <p:cNvPicPr>
+            <a:picLocks noGrp="1" noChangeAspect="1"/>
+          </p:cNvPicPr>
+          <p:nvPr>
+            <p:ph idx="1"/>
+          </p:nvPr>
+        </p:nvPicPr>
+        <p:blipFill rotWithShape="1">
+          <a:blip r:embed="rId2">
+            <a:extLst>
+              <a:ext uri="{28A0092B-C50C-407E-A947-70E740481C1C}">
+                <a14:useLocalDpi xmlns:a14="http://schemas.microsoft.com/office/drawing/2010/main" val="0"/>
+              </a:ext>
+            </a:extLst>
+          </a:blip>
+          <a:srcRect l="7560" t="1831" r="12178" b="69001"/>
+          <a:stretch/>
+        </p:blipFill>
+        <p:spPr>
+          <a:xfrm>
+            <a:off x="1003954" y="1593718"/>
+            <a:ext cx="6254685" cy="3921551"/>
+          </a:xfrm>
+        </p:spPr>
+      </p:pic>
+      <p:sp>
+        <p:nvSpPr>
+          <p:cNvPr id="4" name="Rechteck 3">
+            <a:extLst>
+              <a:ext uri="{FF2B5EF4-FFF2-40B4-BE49-F238E27FC236}">
+                <a16:creationId xmlns:a16="http://schemas.microsoft.com/office/drawing/2014/main" id="{5D6C6590-99B3-8D6F-DB3A-12130F956AE3}"/>
+              </a:ext>
+            </a:extLst>
+          </p:cNvPr>
+          <p:cNvSpPr/>
+          <p:nvPr/>
+        </p:nvSpPr>
+        <p:spPr>
+          <a:xfrm>
+            <a:off x="641022" y="1400471"/>
+            <a:ext cx="11550978" cy="70112"/>
+          </a:xfrm>
+          <a:prstGeom prst="rect">
+            <a:avLst/>
+          </a:prstGeom>
+          <a:solidFill>
+            <a:srgbClr val="44546A"/>
+          </a:solidFill>
+          <a:ln>
+            <a:solidFill>
+              <a:srgbClr val="44546A"/>
+            </a:solidFill>
+          </a:ln>
+        </p:spPr>
+        <p:style>
+          <a:lnRef idx="2">
+            <a:schemeClr val="accent1">
+              <a:shade val="50000"/>
+            </a:schemeClr>
+          </a:lnRef>
+          <a:fillRef idx="1">
+            <a:schemeClr val="accent1"/>
+          </a:fillRef>
+          <a:effectRef idx="0">
+            <a:schemeClr val="accent1"/>
+          </a:effectRef>
+          <a:fontRef idx="minor">
+            <a:schemeClr val="lt1"/>
+          </a:fontRef>
+        </p:style>
+        <p:txBody>
+          <a:bodyPr rtlCol="0" anchor="ctr"/>
+          <a:lstStyle/>
+          <a:p>
+            <a:pPr algn="ctr"/>
+            <a:endParaRPr lang="de-DE"/>
+          </a:p>
+        </p:txBody>
+      </p:sp>
+      <p:pic>
+        <p:nvPicPr>
+          <p:cNvPr id="8" name="Grafik 7">
+            <a:extLst>
+              <a:ext uri="{FF2B5EF4-FFF2-40B4-BE49-F238E27FC236}">
+                <a16:creationId xmlns:a16="http://schemas.microsoft.com/office/drawing/2014/main" id="{3832F70C-F7DA-1F0F-1D24-47A667954C69}"/>
+              </a:ext>
+            </a:extLst>
+          </p:cNvPr>
+          <p:cNvPicPr>
+            <a:picLocks noChangeAspect="1"/>
+          </p:cNvPicPr>
+          <p:nvPr/>
+        </p:nvPicPr>
+        <p:blipFill rotWithShape="1">
+          <a:blip r:embed="rId3">
+            <a:extLst>
+              <a:ext uri="{28A0092B-C50C-407E-A947-70E740481C1C}">
+                <a14:useLocalDpi xmlns:a14="http://schemas.microsoft.com/office/drawing/2010/main" val="0"/>
+              </a:ext>
+            </a:extLst>
+          </a:blip>
+          <a:srcRect l="4309" t="31667" r="7947" b="34080"/>
+          <a:stretch/>
+        </p:blipFill>
+        <p:spPr>
+          <a:xfrm>
+            <a:off x="5623088" y="2479523"/>
+            <a:ext cx="6254685" cy="4212403"/>
+          </a:xfrm>
+          <a:prstGeom prst="rect">
+            <a:avLst/>
+          </a:prstGeom>
+        </p:spPr>
+      </p:pic>
+      <p:sp>
+        <p:nvSpPr>
+          <p:cNvPr id="9" name="Fußzeilenplatzhalter 8">
+            <a:extLst>
+              <a:ext uri="{FF2B5EF4-FFF2-40B4-BE49-F238E27FC236}">
+                <a16:creationId xmlns:a16="http://schemas.microsoft.com/office/drawing/2014/main" id="{B77A1B79-C4FF-633C-CA45-CABEEF1EDF5B}"/>
+              </a:ext>
+            </a:extLst>
+          </p:cNvPr>
+          <p:cNvSpPr>
+            <a:spLocks noGrp="1"/>
+          </p:cNvSpPr>
+          <p:nvPr>
+            <p:ph type="ftr" sz="quarter" idx="11"/>
+          </p:nvPr>
+        </p:nvSpPr>
+        <p:spPr/>
+        <p:txBody>
+          <a:bodyPr/>
+          <a:lstStyle/>
+          <a:p>
+            <a:r>
+              <a:rPr lang="de-DE" dirty="0"/>
+              <a:t>28.02.2023 | Prototyp Gruppe 4 | Maksim Hermann</a:t>
             </a:r>
           </a:p>
         </p:txBody>
@@ -3970,7 +4684,7 @@
     </p:spTree>
     <p:extLst>
       <p:ext uri="{BB962C8B-B14F-4D97-AF65-F5344CB8AC3E}">
-        <p14:creationId xmlns:p14="http://schemas.microsoft.com/office/powerpoint/2010/main" val="2936095406"/>
+        <p14:creationId xmlns:p14="http://schemas.microsoft.com/office/powerpoint/2010/main" val="1990797682"/>
       </p:ext>
     </p:extLst>
   </p:cSld>
@@ -3983,7 +4697,7 @@
 </p:sld>
 </file>
 
-<file path=ppt/slides/slide2.xml><?xml version="1.0" encoding="utf-8"?>
+<file path=ppt/slides/slide11.xml><?xml version="1.0" encoding="utf-8"?>
 <p:sld xmlns:a="http://schemas.openxmlformats.org/drawingml/2006/main" xmlns:r="http://schemas.openxmlformats.org/officeDocument/2006/relationships" xmlns:p="http://schemas.openxmlformats.org/presentationml/2006/main">
   <p:cSld>
     <p:spTree>
@@ -4005,7 +4719,7 @@
           <p:cNvPr id="2" name="Titel 1">
             <a:extLst>
               <a:ext uri="{FF2B5EF4-FFF2-40B4-BE49-F238E27FC236}">
-                <a16:creationId xmlns:a16="http://schemas.microsoft.com/office/drawing/2014/main" id="{2517C278-9907-D5CA-128B-2C8EA1C67E8C}"/>
+                <a16:creationId xmlns:a16="http://schemas.microsoft.com/office/drawing/2014/main" id="{2C1497C9-0FF2-834F-2950-EE438F5513E8}"/>
               </a:ext>
             </a:extLst>
           </p:cNvPr>
@@ -4023,96 +4737,131 @@
           <a:p>
             <a:r>
               <a:rPr lang="de-DE" dirty="0"/>
-              <a:t>Inhaltsverzeichnis</a:t>
-            </a:r>
-          </a:p>
-        </p:txBody>
-      </p:sp>
-      <p:sp>
-        <p:nvSpPr>
-          <p:cNvPr id="3" name="Inhaltsplatzhalter 2">
+              <a:t>2.2 Sketch</a:t>
+            </a:r>
+          </a:p>
+        </p:txBody>
+      </p:sp>
+      <p:sp>
+        <p:nvSpPr>
+          <p:cNvPr id="4" name="Rechteck 3">
             <a:extLst>
               <a:ext uri="{FF2B5EF4-FFF2-40B4-BE49-F238E27FC236}">
-                <a16:creationId xmlns:a16="http://schemas.microsoft.com/office/drawing/2014/main" id="{770778E3-77F7-B10A-265F-E591E9E536E4}"/>
+                <a16:creationId xmlns:a16="http://schemas.microsoft.com/office/drawing/2014/main" id="{5D6C6590-99B3-8D6F-DB3A-12130F956AE3}"/>
               </a:ext>
             </a:extLst>
           </p:cNvPr>
-          <p:cNvSpPr>
-            <a:spLocks noGrp="1"/>
-          </p:cNvSpPr>
+          <p:cNvSpPr/>
+          <p:nvPr/>
+        </p:nvSpPr>
+        <p:spPr>
+          <a:xfrm>
+            <a:off x="641022" y="1400471"/>
+            <a:ext cx="11550978" cy="70112"/>
+          </a:xfrm>
+          <a:prstGeom prst="rect">
+            <a:avLst/>
+          </a:prstGeom>
+          <a:solidFill>
+            <a:srgbClr val="44546A"/>
+          </a:solidFill>
+          <a:ln>
+            <a:solidFill>
+              <a:srgbClr val="44546A"/>
+            </a:solidFill>
+          </a:ln>
+        </p:spPr>
+        <p:style>
+          <a:lnRef idx="2">
+            <a:schemeClr val="accent1">
+              <a:shade val="50000"/>
+            </a:schemeClr>
+          </a:lnRef>
+          <a:fillRef idx="1">
+            <a:schemeClr val="accent1"/>
+          </a:fillRef>
+          <a:effectRef idx="0">
+            <a:schemeClr val="accent1"/>
+          </a:effectRef>
+          <a:fontRef idx="minor">
+            <a:schemeClr val="lt1"/>
+          </a:fontRef>
+        </p:style>
+        <p:txBody>
+          <a:bodyPr rtlCol="0" anchor="ctr"/>
+          <a:lstStyle/>
+          <a:p>
+            <a:pPr algn="ctr"/>
+            <a:endParaRPr lang="de-DE"/>
+          </a:p>
+        </p:txBody>
+      </p:sp>
+      <p:pic>
+        <p:nvPicPr>
+          <p:cNvPr id="10" name="Inhaltsplatzhalter 9">
+            <a:extLst>
+              <a:ext uri="{FF2B5EF4-FFF2-40B4-BE49-F238E27FC236}">
+                <a16:creationId xmlns:a16="http://schemas.microsoft.com/office/drawing/2014/main" id="{1DCA4F80-128B-89A7-477C-72E98D5B20BF}"/>
+              </a:ext>
+            </a:extLst>
+          </p:cNvPr>
+          <p:cNvPicPr>
+            <a:picLocks noGrp="1" noChangeAspect="1"/>
+          </p:cNvPicPr>
           <p:nvPr>
             <p:ph idx="1"/>
           </p:nvPr>
+        </p:nvPicPr>
+        <p:blipFill rotWithShape="1">
+          <a:blip r:embed="rId2">
+            <a:extLst>
+              <a:ext uri="{28A0092B-C50C-407E-A947-70E740481C1C}">
+                <a14:useLocalDpi xmlns:a14="http://schemas.microsoft.com/office/drawing/2010/main" val="0"/>
+              </a:ext>
+            </a:extLst>
+          </a:blip>
+          <a:srcRect l="5343" t="66441" r="7298" b="32"/>
+          <a:stretch/>
+        </p:blipFill>
+        <p:spPr>
+          <a:xfrm>
+            <a:off x="2535712" y="1738656"/>
+            <a:ext cx="7120576" cy="4714889"/>
+          </a:xfrm>
+        </p:spPr>
+      </p:pic>
+      <p:sp>
+        <p:nvSpPr>
+          <p:cNvPr id="11" name="Fußzeilenplatzhalter 10">
+            <a:extLst>
+              <a:ext uri="{FF2B5EF4-FFF2-40B4-BE49-F238E27FC236}">
+                <a16:creationId xmlns:a16="http://schemas.microsoft.com/office/drawing/2014/main" id="{6B539D65-430D-0CF1-B108-BB6F1BEC6C33}"/>
+              </a:ext>
+            </a:extLst>
+          </p:cNvPr>
+          <p:cNvSpPr>
+            <a:spLocks noGrp="1"/>
+          </p:cNvSpPr>
+          <p:nvPr>
+            <p:ph type="ftr" sz="quarter" idx="11"/>
+          </p:nvPr>
         </p:nvSpPr>
         <p:spPr/>
         <p:txBody>
-          <a:bodyPr>
-            <a:normAutofit/>
-          </a:bodyPr>
+          <a:bodyPr/>
           <a:lstStyle/>
           <a:p>
-            <a:pPr marL="0" indent="0">
-              <a:buNone/>
-            </a:pPr>
-            <a:r>
-              <a:rPr lang="de-DE" sz="2400" dirty="0"/>
-              <a:t>1.   Vorwissen</a:t>
-            </a:r>
-          </a:p>
-          <a:p>
-            <a:pPr marL="530352" lvl="1" indent="0">
-              <a:buNone/>
-            </a:pPr>
-            <a:r>
-              <a:rPr lang="de-DE" sz="2400" dirty="0"/>
-              <a:t>1.1    Was ist ein Prototyp?</a:t>
-            </a:r>
-          </a:p>
-          <a:p>
-            <a:pPr marL="530352" lvl="1" indent="0">
-              <a:buNone/>
-            </a:pPr>
-            <a:r>
-              <a:rPr lang="de-DE" sz="2400" dirty="0"/>
-              <a:t>1.2    Warum braucht man einen Prototypen?</a:t>
-            </a:r>
-          </a:p>
-          <a:p>
-            <a:pPr marL="530352" lvl="1" indent="0">
-              <a:buNone/>
-            </a:pPr>
-            <a:r>
-              <a:rPr lang="de-DE" sz="2400" dirty="0"/>
-              <a:t>1.3    Gibt es eine bestimmte Reihenfolge?</a:t>
-            </a:r>
-          </a:p>
-          <a:p>
-            <a:pPr marL="0" indent="0">
-              <a:buNone/>
-            </a:pPr>
-            <a:r>
-              <a:rPr lang="de-DE" sz="2400" dirty="0"/>
-              <a:t>2.   Prozess bis zum Prototypen</a:t>
-            </a:r>
-          </a:p>
-          <a:p>
-            <a:pPr marL="0" indent="0">
-              <a:buNone/>
-            </a:pPr>
-            <a:r>
-              <a:rPr lang="de-DE" sz="2400" dirty="0"/>
-              <a:t>3.   Prototyp</a:t>
-            </a:r>
-          </a:p>
-          <a:p>
-            <a:endParaRPr lang="de-DE" sz="2400" dirty="0"/>
+            <a:r>
+              <a:rPr lang="de-DE" dirty="0"/>
+              <a:t>28.02.2023 | Prototyp Gruppe 4 | Maksim Hermann</a:t>
+            </a:r>
           </a:p>
         </p:txBody>
       </p:sp>
     </p:spTree>
     <p:extLst>
       <p:ext uri="{BB962C8B-B14F-4D97-AF65-F5344CB8AC3E}">
-        <p14:creationId xmlns:p14="http://schemas.microsoft.com/office/powerpoint/2010/main" val="2960241047"/>
+        <p14:creationId xmlns:p14="http://schemas.microsoft.com/office/powerpoint/2010/main" val="2074140643"/>
       </p:ext>
     </p:extLst>
   </p:cSld>
@@ -4125,7 +4874,890 @@
 </p:sld>
 </file>
 
-<file path=ppt/slides/slide3.xml><?xml version="1.0" encoding="utf-8"?>
+<file path=ppt/slides/slide12.xml><?xml version="1.0" encoding="utf-8"?>
+<p:sld xmlns:a="http://schemas.openxmlformats.org/drawingml/2006/main" xmlns:r="http://schemas.openxmlformats.org/officeDocument/2006/relationships" xmlns:p="http://schemas.openxmlformats.org/presentationml/2006/main">
+  <p:cSld>
+    <p:spTree>
+      <p:nvGrpSpPr>
+        <p:cNvPr id="1" name=""/>
+        <p:cNvGrpSpPr/>
+        <p:nvPr/>
+      </p:nvGrpSpPr>
+      <p:grpSpPr>
+        <a:xfrm>
+          <a:off x="0" y="0"/>
+          <a:ext cx="0" cy="0"/>
+          <a:chOff x="0" y="0"/>
+          <a:chExt cx="0" cy="0"/>
+        </a:xfrm>
+      </p:grpSpPr>
+      <p:sp>
+        <p:nvSpPr>
+          <p:cNvPr id="2" name="Titel 1">
+            <a:extLst>
+              <a:ext uri="{FF2B5EF4-FFF2-40B4-BE49-F238E27FC236}">
+                <a16:creationId xmlns:a16="http://schemas.microsoft.com/office/drawing/2014/main" id="{2C1497C9-0FF2-834F-2950-EE438F5513E8}"/>
+              </a:ext>
+            </a:extLst>
+          </p:cNvPr>
+          <p:cNvSpPr>
+            <a:spLocks noGrp="1"/>
+          </p:cNvSpPr>
+          <p:nvPr>
+            <p:ph type="title"/>
+          </p:nvPr>
+        </p:nvSpPr>
+        <p:spPr/>
+        <p:txBody>
+          <a:bodyPr/>
+          <a:lstStyle/>
+          <a:p>
+            <a:r>
+              <a:rPr lang="de-DE" dirty="0"/>
+              <a:t>2.3 Grundlagen unseres Prototypens</a:t>
+            </a:r>
+          </a:p>
+        </p:txBody>
+      </p:sp>
+      <p:sp>
+        <p:nvSpPr>
+          <p:cNvPr id="3" name="Inhaltsplatzhalter 2">
+            <a:extLst>
+              <a:ext uri="{FF2B5EF4-FFF2-40B4-BE49-F238E27FC236}">
+                <a16:creationId xmlns:a16="http://schemas.microsoft.com/office/drawing/2014/main" id="{84D8FF89-0796-4244-64C9-895A2C9A1A98}"/>
+              </a:ext>
+            </a:extLst>
+          </p:cNvPr>
+          <p:cNvSpPr>
+            <a:spLocks noGrp="1"/>
+          </p:cNvSpPr>
+          <p:nvPr>
+            <p:ph idx="1"/>
+          </p:nvPr>
+        </p:nvSpPr>
+        <p:spPr/>
+        <p:txBody>
+          <a:bodyPr>
+            <a:normAutofit/>
+          </a:bodyPr>
+          <a:lstStyle/>
+          <a:p>
+            <a:r>
+              <a:rPr lang="de-DE" sz="2400" dirty="0"/>
+              <a:t>Django Projekt</a:t>
+            </a:r>
+          </a:p>
+          <a:p>
+            <a:pPr lvl="1"/>
+            <a:r>
+              <a:rPr lang="de-DE" sz="2400" dirty="0"/>
+              <a:t>HTML</a:t>
+            </a:r>
+          </a:p>
+          <a:p>
+            <a:pPr lvl="1"/>
+            <a:r>
+              <a:rPr lang="de-DE" sz="2400" dirty="0"/>
+              <a:t>CSS</a:t>
+            </a:r>
+          </a:p>
+          <a:p>
+            <a:endParaRPr lang="de-DE" sz="2400" dirty="0"/>
+          </a:p>
+          <a:p>
+            <a:r>
+              <a:rPr lang="de-DE" sz="2400" dirty="0" err="1"/>
+              <a:t>Github</a:t>
+            </a:r>
+            <a:r>
+              <a:rPr lang="de-DE" sz="2400" dirty="0"/>
+              <a:t>-Repository</a:t>
+            </a:r>
+          </a:p>
+          <a:p>
+            <a:endParaRPr lang="de-DE" sz="2400" dirty="0"/>
+          </a:p>
+          <a:p>
+            <a:r>
+              <a:rPr lang="de-DE" sz="2400" dirty="0"/>
+              <a:t>Lokales Testen</a:t>
+            </a:r>
+          </a:p>
+        </p:txBody>
+      </p:sp>
+      <p:sp>
+        <p:nvSpPr>
+          <p:cNvPr id="4" name="Rechteck 3">
+            <a:extLst>
+              <a:ext uri="{FF2B5EF4-FFF2-40B4-BE49-F238E27FC236}">
+                <a16:creationId xmlns:a16="http://schemas.microsoft.com/office/drawing/2014/main" id="{5D6C6590-99B3-8D6F-DB3A-12130F956AE3}"/>
+              </a:ext>
+            </a:extLst>
+          </p:cNvPr>
+          <p:cNvSpPr/>
+          <p:nvPr/>
+        </p:nvSpPr>
+        <p:spPr>
+          <a:xfrm>
+            <a:off x="641022" y="1400471"/>
+            <a:ext cx="11550978" cy="70112"/>
+          </a:xfrm>
+          <a:prstGeom prst="rect">
+            <a:avLst/>
+          </a:prstGeom>
+          <a:solidFill>
+            <a:srgbClr val="44546A"/>
+          </a:solidFill>
+          <a:ln>
+            <a:solidFill>
+              <a:srgbClr val="44546A"/>
+            </a:solidFill>
+          </a:ln>
+        </p:spPr>
+        <p:style>
+          <a:lnRef idx="2">
+            <a:schemeClr val="accent1">
+              <a:shade val="50000"/>
+            </a:schemeClr>
+          </a:lnRef>
+          <a:fillRef idx="1">
+            <a:schemeClr val="accent1"/>
+          </a:fillRef>
+          <a:effectRef idx="0">
+            <a:schemeClr val="accent1"/>
+          </a:effectRef>
+          <a:fontRef idx="minor">
+            <a:schemeClr val="lt1"/>
+          </a:fontRef>
+        </p:style>
+        <p:txBody>
+          <a:bodyPr rtlCol="0" anchor="ctr"/>
+          <a:lstStyle/>
+          <a:p>
+            <a:pPr algn="ctr"/>
+            <a:endParaRPr lang="de-DE"/>
+          </a:p>
+        </p:txBody>
+      </p:sp>
+      <p:sp>
+        <p:nvSpPr>
+          <p:cNvPr id="5" name="Fußzeilenplatzhalter 4">
+            <a:extLst>
+              <a:ext uri="{FF2B5EF4-FFF2-40B4-BE49-F238E27FC236}">
+                <a16:creationId xmlns:a16="http://schemas.microsoft.com/office/drawing/2014/main" id="{646A8B0B-896D-2B48-11CF-A83D3AF8DA79}"/>
+              </a:ext>
+            </a:extLst>
+          </p:cNvPr>
+          <p:cNvSpPr>
+            <a:spLocks noGrp="1"/>
+          </p:cNvSpPr>
+          <p:nvPr>
+            <p:ph type="ftr" sz="quarter" idx="11"/>
+          </p:nvPr>
+        </p:nvSpPr>
+        <p:spPr/>
+        <p:txBody>
+          <a:bodyPr/>
+          <a:lstStyle/>
+          <a:p>
+            <a:r>
+              <a:rPr lang="de-DE" dirty="0"/>
+              <a:t>28.02.2023 | Prototyp Gruppe 4 | Maksim Hermann</a:t>
+            </a:r>
+          </a:p>
+        </p:txBody>
+      </p:sp>
+      <p:pic>
+        <p:nvPicPr>
+          <p:cNvPr id="7" name="Grafik 6">
+            <a:extLst>
+              <a:ext uri="{FF2B5EF4-FFF2-40B4-BE49-F238E27FC236}">
+                <a16:creationId xmlns:a16="http://schemas.microsoft.com/office/drawing/2014/main" id="{E60C61DD-2BE3-4327-AA10-B12048A5D1BA}"/>
+              </a:ext>
+            </a:extLst>
+          </p:cNvPr>
+          <p:cNvPicPr>
+            <a:picLocks noChangeAspect="1"/>
+          </p:cNvPicPr>
+          <p:nvPr/>
+        </p:nvPicPr>
+        <p:blipFill>
+          <a:blip r:embed="rId2">
+            <a:extLst>
+              <a:ext uri="{28A0092B-C50C-407E-A947-70E740481C1C}">
+                <a14:useLocalDpi xmlns:a14="http://schemas.microsoft.com/office/drawing/2010/main" val="0"/>
+              </a:ext>
+            </a:extLst>
+          </a:blip>
+          <a:stretch>
+            <a:fillRect/>
+          </a:stretch>
+        </p:blipFill>
+        <p:spPr>
+          <a:xfrm>
+            <a:off x="7645814" y="4401997"/>
+            <a:ext cx="1122685" cy="1122685"/>
+          </a:xfrm>
+          <a:prstGeom prst="rect">
+            <a:avLst/>
+          </a:prstGeom>
+        </p:spPr>
+      </p:pic>
+      <p:pic>
+        <p:nvPicPr>
+          <p:cNvPr id="9" name="Grafik 8">
+            <a:extLst>
+              <a:ext uri="{FF2B5EF4-FFF2-40B4-BE49-F238E27FC236}">
+                <a16:creationId xmlns:a16="http://schemas.microsoft.com/office/drawing/2014/main" id="{6BC5657D-825D-40DA-472E-45FC3BDCCEF9}"/>
+              </a:ext>
+            </a:extLst>
+          </p:cNvPr>
+          <p:cNvPicPr>
+            <a:picLocks noChangeAspect="1"/>
+          </p:cNvPicPr>
+          <p:nvPr/>
+        </p:nvPicPr>
+        <p:blipFill>
+          <a:blip r:embed="rId3">
+            <a:extLst>
+              <a:ext uri="{28A0092B-C50C-407E-A947-70E740481C1C}">
+                <a14:useLocalDpi xmlns:a14="http://schemas.microsoft.com/office/drawing/2010/main" val="0"/>
+              </a:ext>
+            </a:extLst>
+          </a:blip>
+          <a:stretch>
+            <a:fillRect/>
+          </a:stretch>
+        </p:blipFill>
+        <p:spPr>
+          <a:xfrm>
+            <a:off x="5994785" y="1980880"/>
+            <a:ext cx="1859280" cy="1859280"/>
+          </a:xfrm>
+          <a:prstGeom prst="rect">
+            <a:avLst/>
+          </a:prstGeom>
+        </p:spPr>
+      </p:pic>
+      <p:pic>
+        <p:nvPicPr>
+          <p:cNvPr id="11" name="Grafik 10">
+            <a:extLst>
+              <a:ext uri="{FF2B5EF4-FFF2-40B4-BE49-F238E27FC236}">
+                <a16:creationId xmlns:a16="http://schemas.microsoft.com/office/drawing/2014/main" id="{7EB828C8-405E-77F5-C9BC-B571B97B1B61}"/>
+              </a:ext>
+            </a:extLst>
+          </p:cNvPr>
+          <p:cNvPicPr>
+            <a:picLocks noChangeAspect="1"/>
+          </p:cNvPicPr>
+          <p:nvPr/>
+        </p:nvPicPr>
+        <p:blipFill rotWithShape="1">
+          <a:blip r:embed="rId4">
+            <a:extLst>
+              <a:ext uri="{28A0092B-C50C-407E-A947-70E740481C1C}">
+                <a14:useLocalDpi xmlns:a14="http://schemas.microsoft.com/office/drawing/2010/main" val="0"/>
+              </a:ext>
+            </a:extLst>
+          </a:blip>
+          <a:srcRect l="52151"/>
+          <a:stretch/>
+        </p:blipFill>
+        <p:spPr>
+          <a:xfrm>
+            <a:off x="8768499" y="1980880"/>
+            <a:ext cx="574040" cy="776806"/>
+          </a:xfrm>
+          <a:prstGeom prst="rect">
+            <a:avLst/>
+          </a:prstGeom>
+        </p:spPr>
+      </p:pic>
+      <p:pic>
+        <p:nvPicPr>
+          <p:cNvPr id="13" name="Grafik 12">
+            <a:extLst>
+              <a:ext uri="{FF2B5EF4-FFF2-40B4-BE49-F238E27FC236}">
+                <a16:creationId xmlns:a16="http://schemas.microsoft.com/office/drawing/2014/main" id="{D2FE802D-5A33-19EB-3D8C-865BDC60AFEB}"/>
+              </a:ext>
+            </a:extLst>
+          </p:cNvPr>
+          <p:cNvPicPr>
+            <a:picLocks noChangeAspect="1"/>
+          </p:cNvPicPr>
+          <p:nvPr/>
+        </p:nvPicPr>
+        <p:blipFill rotWithShape="1">
+          <a:blip r:embed="rId4">
+            <a:extLst>
+              <a:ext uri="{28A0092B-C50C-407E-A947-70E740481C1C}">
+                <a14:useLocalDpi xmlns:a14="http://schemas.microsoft.com/office/drawing/2010/main" val="0"/>
+              </a:ext>
+            </a:extLst>
+          </a:blip>
+          <a:srcRect r="50000"/>
+          <a:stretch/>
+        </p:blipFill>
+        <p:spPr>
+          <a:xfrm>
+            <a:off x="9428342" y="2738163"/>
+            <a:ext cx="630024" cy="815881"/>
+          </a:xfrm>
+          <a:prstGeom prst="rect">
+            <a:avLst/>
+          </a:prstGeom>
+        </p:spPr>
+      </p:pic>
+      <p:pic>
+        <p:nvPicPr>
+          <p:cNvPr id="8" name="Grafik 7">
+            <a:extLst>
+              <a:ext uri="{FF2B5EF4-FFF2-40B4-BE49-F238E27FC236}">
+                <a16:creationId xmlns:a16="http://schemas.microsoft.com/office/drawing/2014/main" id="{A8A15109-7962-DA0B-4B5A-8DA860D7C0B1}"/>
+              </a:ext>
+            </a:extLst>
+          </p:cNvPr>
+          <p:cNvPicPr>
+            <a:picLocks noChangeAspect="1"/>
+          </p:cNvPicPr>
+          <p:nvPr/>
+        </p:nvPicPr>
+        <p:blipFill>
+          <a:blip r:embed="rId5">
+            <a:extLst>
+              <a:ext uri="{28A0092B-C50C-407E-A947-70E740481C1C}">
+                <a14:useLocalDpi xmlns:a14="http://schemas.microsoft.com/office/drawing/2010/main" val="0"/>
+              </a:ext>
+            </a:extLst>
+          </a:blip>
+          <a:stretch>
+            <a:fillRect/>
+          </a:stretch>
+        </p:blipFill>
+        <p:spPr>
+          <a:xfrm>
+            <a:off x="5679773" y="2184137"/>
+            <a:ext cx="630024" cy="630024"/>
+          </a:xfrm>
+          <a:prstGeom prst="rect">
+            <a:avLst/>
+          </a:prstGeom>
+        </p:spPr>
+      </p:pic>
+    </p:spTree>
+    <p:extLst>
+      <p:ext uri="{BB962C8B-B14F-4D97-AF65-F5344CB8AC3E}">
+        <p14:creationId xmlns:p14="http://schemas.microsoft.com/office/powerpoint/2010/main" val="2345567458"/>
+      </p:ext>
+    </p:extLst>
+  </p:cSld>
+  <p:clrMapOvr>
+    <a:masterClrMapping/>
+  </p:clrMapOvr>
+  <p:transition spd="slow">
+    <p:push dir="u"/>
+  </p:transition>
+</p:sld>
+</file>
+
+<file path=ppt/slides/slide13.xml><?xml version="1.0" encoding="utf-8"?>
+<p:sld xmlns:a="http://schemas.openxmlformats.org/drawingml/2006/main" xmlns:r="http://schemas.openxmlformats.org/officeDocument/2006/relationships" xmlns:p="http://schemas.openxmlformats.org/presentationml/2006/main">
+  <p:cSld>
+    <p:spTree>
+      <p:nvGrpSpPr>
+        <p:cNvPr id="1" name=""/>
+        <p:cNvGrpSpPr/>
+        <p:nvPr/>
+      </p:nvGrpSpPr>
+      <p:grpSpPr>
+        <a:xfrm>
+          <a:off x="0" y="0"/>
+          <a:ext cx="0" cy="0"/>
+          <a:chOff x="0" y="0"/>
+          <a:chExt cx="0" cy="0"/>
+        </a:xfrm>
+      </p:grpSpPr>
+      <p:sp>
+        <p:nvSpPr>
+          <p:cNvPr id="2" name="Titel 1">
+            <a:extLst>
+              <a:ext uri="{FF2B5EF4-FFF2-40B4-BE49-F238E27FC236}">
+                <a16:creationId xmlns:a16="http://schemas.microsoft.com/office/drawing/2014/main" id="{2C1497C9-0FF2-834F-2950-EE438F5513E8}"/>
+              </a:ext>
+            </a:extLst>
+          </p:cNvPr>
+          <p:cNvSpPr>
+            <a:spLocks noGrp="1"/>
+          </p:cNvSpPr>
+          <p:nvPr>
+            <p:ph type="title"/>
+          </p:nvPr>
+        </p:nvSpPr>
+        <p:spPr/>
+        <p:txBody>
+          <a:bodyPr/>
+          <a:lstStyle/>
+          <a:p>
+            <a:r>
+              <a:rPr lang="de-DE" dirty="0"/>
+              <a:t>2.4 Ordnerstruktur</a:t>
+            </a:r>
+          </a:p>
+        </p:txBody>
+      </p:sp>
+      <p:sp>
+        <p:nvSpPr>
+          <p:cNvPr id="4" name="Rechteck 3">
+            <a:extLst>
+              <a:ext uri="{FF2B5EF4-FFF2-40B4-BE49-F238E27FC236}">
+                <a16:creationId xmlns:a16="http://schemas.microsoft.com/office/drawing/2014/main" id="{5D6C6590-99B3-8D6F-DB3A-12130F956AE3}"/>
+              </a:ext>
+            </a:extLst>
+          </p:cNvPr>
+          <p:cNvSpPr/>
+          <p:nvPr/>
+        </p:nvSpPr>
+        <p:spPr>
+          <a:xfrm>
+            <a:off x="641022" y="1400471"/>
+            <a:ext cx="11550978" cy="70112"/>
+          </a:xfrm>
+          <a:prstGeom prst="rect">
+            <a:avLst/>
+          </a:prstGeom>
+          <a:solidFill>
+            <a:srgbClr val="44546A"/>
+          </a:solidFill>
+          <a:ln>
+            <a:solidFill>
+              <a:srgbClr val="44546A"/>
+            </a:solidFill>
+          </a:ln>
+        </p:spPr>
+        <p:style>
+          <a:lnRef idx="2">
+            <a:schemeClr val="accent1">
+              <a:shade val="50000"/>
+            </a:schemeClr>
+          </a:lnRef>
+          <a:fillRef idx="1">
+            <a:schemeClr val="accent1"/>
+          </a:fillRef>
+          <a:effectRef idx="0">
+            <a:schemeClr val="accent1"/>
+          </a:effectRef>
+          <a:fontRef idx="minor">
+            <a:schemeClr val="lt1"/>
+          </a:fontRef>
+        </p:style>
+        <p:txBody>
+          <a:bodyPr rtlCol="0" anchor="ctr"/>
+          <a:lstStyle/>
+          <a:p>
+            <a:pPr algn="ctr"/>
+            <a:endParaRPr lang="de-DE"/>
+          </a:p>
+        </p:txBody>
+      </p:sp>
+      <p:sp>
+        <p:nvSpPr>
+          <p:cNvPr id="5" name="Fußzeilenplatzhalter 4">
+            <a:extLst>
+              <a:ext uri="{FF2B5EF4-FFF2-40B4-BE49-F238E27FC236}">
+                <a16:creationId xmlns:a16="http://schemas.microsoft.com/office/drawing/2014/main" id="{5B0D3C13-F607-BBF1-700F-C05197C7B0A8}"/>
+              </a:ext>
+            </a:extLst>
+          </p:cNvPr>
+          <p:cNvSpPr>
+            <a:spLocks noGrp="1"/>
+          </p:cNvSpPr>
+          <p:nvPr>
+            <p:ph type="ftr" sz="quarter" idx="11"/>
+          </p:nvPr>
+        </p:nvSpPr>
+        <p:spPr/>
+        <p:txBody>
+          <a:bodyPr/>
+          <a:lstStyle/>
+          <a:p>
+            <a:r>
+              <a:rPr lang="de-DE" dirty="0"/>
+              <a:t>28.02.2023 | Prototyp Gruppe 4 | Maksim Hermann</a:t>
+            </a:r>
+          </a:p>
+        </p:txBody>
+      </p:sp>
+      <p:sp>
+        <p:nvSpPr>
+          <p:cNvPr id="9" name="Inhaltsplatzhalter 8">
+            <a:extLst>
+              <a:ext uri="{FF2B5EF4-FFF2-40B4-BE49-F238E27FC236}">
+                <a16:creationId xmlns:a16="http://schemas.microsoft.com/office/drawing/2014/main" id="{B3C16339-B6AE-4F08-B233-DC6D55AC9E11}"/>
+              </a:ext>
+            </a:extLst>
+          </p:cNvPr>
+          <p:cNvSpPr>
+            <a:spLocks noGrp="1"/>
+          </p:cNvSpPr>
+          <p:nvPr>
+            <p:ph idx="1"/>
+          </p:nvPr>
+        </p:nvSpPr>
+        <p:spPr>
+          <a:xfrm>
+            <a:off x="1371600" y="1642369"/>
+            <a:ext cx="9601200" cy="4705165"/>
+          </a:xfrm>
+        </p:spPr>
+        <p:txBody>
+          <a:bodyPr/>
+          <a:lstStyle/>
+          <a:p>
+            <a:pPr marL="0" indent="0">
+              <a:buNone/>
+            </a:pPr>
+            <a:r>
+              <a:rPr lang="de-DE" dirty="0"/>
+              <a:t>D</a:t>
+            </a:r>
+          </a:p>
+          <a:p>
+            <a:pPr marL="0" indent="0">
+              <a:buNone/>
+            </a:pPr>
+            <a:r>
+              <a:rPr lang="de-DE" dirty="0"/>
+              <a:t>Login</a:t>
+            </a:r>
+          </a:p>
+          <a:p>
+            <a:pPr marL="0" indent="0">
+              <a:buNone/>
+            </a:pPr>
+            <a:r>
+              <a:rPr lang="de-DE" dirty="0"/>
+              <a:t>      </a:t>
+            </a:r>
+            <a:r>
+              <a:rPr lang="de-DE" dirty="0" err="1"/>
+              <a:t>static</a:t>
+            </a:r>
+            <a:endParaRPr lang="de-DE" dirty="0"/>
+          </a:p>
+          <a:p>
+            <a:pPr marL="0" indent="0">
+              <a:buNone/>
+            </a:pPr>
+            <a:r>
+              <a:rPr lang="de-DE" dirty="0"/>
+              <a:t>             	image.png</a:t>
+            </a:r>
+          </a:p>
+          <a:p>
+            <a:pPr marL="0" indent="0">
+              <a:buNone/>
+            </a:pPr>
+            <a:r>
+              <a:rPr lang="de-DE" dirty="0"/>
+              <a:t>	styles.css</a:t>
+            </a:r>
+          </a:p>
+          <a:p>
+            <a:pPr marL="0" indent="0">
+              <a:buNone/>
+            </a:pPr>
+            <a:r>
+              <a:rPr lang="de-DE" dirty="0"/>
+              <a:t>      </a:t>
+            </a:r>
+            <a:r>
+              <a:rPr lang="de-DE" dirty="0" err="1"/>
+              <a:t>templats</a:t>
+            </a:r>
+            <a:endParaRPr lang="de-DE" dirty="0"/>
+          </a:p>
+          <a:p>
+            <a:pPr marL="0" indent="0">
+              <a:buNone/>
+            </a:pPr>
+            <a:r>
+              <a:rPr lang="de-DE" dirty="0"/>
+              <a:t>	login.html</a:t>
+            </a:r>
+          </a:p>
+          <a:p>
+            <a:pPr marL="0" indent="0">
+              <a:buNone/>
+            </a:pPr>
+            <a:r>
+              <a:rPr lang="de-DE" dirty="0" err="1"/>
+              <a:t>Reset</a:t>
+            </a:r>
+            <a:r>
+              <a:rPr lang="de-DE" dirty="0"/>
+              <a:t> </a:t>
+            </a:r>
+            <a:r>
+              <a:rPr lang="de-DE" dirty="0" err="1"/>
+              <a:t>pw</a:t>
+            </a:r>
+            <a:endParaRPr lang="de-DE" dirty="0"/>
+          </a:p>
+          <a:p>
+            <a:pPr marL="0" indent="0">
+              <a:buNone/>
+            </a:pPr>
+            <a:r>
+              <a:rPr lang="de-DE" dirty="0"/>
+              <a:t>Registration</a:t>
+            </a:r>
+          </a:p>
+          <a:p>
+            <a:pPr marL="0" indent="0">
+              <a:buNone/>
+            </a:pPr>
+            <a:r>
+              <a:rPr lang="de-DE" dirty="0" err="1"/>
+              <a:t>gesamtübersicht</a:t>
+            </a:r>
+            <a:endParaRPr lang="de-DE" dirty="0"/>
+          </a:p>
+        </p:txBody>
+      </p:sp>
+      <p:pic>
+        <p:nvPicPr>
+          <p:cNvPr id="10" name="Inhaltsplatzhalter 6">
+            <a:extLst>
+              <a:ext uri="{FF2B5EF4-FFF2-40B4-BE49-F238E27FC236}">
+                <a16:creationId xmlns:a16="http://schemas.microsoft.com/office/drawing/2014/main" id="{6C7C0DB7-F9FF-A7A5-1E23-983F1236C45F}"/>
+              </a:ext>
+            </a:extLst>
+          </p:cNvPr>
+          <p:cNvPicPr>
+            <a:picLocks noChangeAspect="1"/>
+          </p:cNvPicPr>
+          <p:nvPr/>
+        </p:nvPicPr>
+        <p:blipFill>
+          <a:blip r:embed="rId2">
+            <a:extLst>
+              <a:ext uri="{28A0092B-C50C-407E-A947-70E740481C1C}">
+                <a14:useLocalDpi xmlns:a14="http://schemas.microsoft.com/office/drawing/2010/main" val="0"/>
+              </a:ext>
+            </a:extLst>
+          </a:blip>
+          <a:stretch>
+            <a:fillRect/>
+          </a:stretch>
+        </p:blipFill>
+        <p:spPr>
+          <a:xfrm>
+            <a:off x="966985" y="1982946"/>
+            <a:ext cx="404615" cy="404615"/>
+          </a:xfrm>
+          <a:prstGeom prst="rect">
+            <a:avLst/>
+          </a:prstGeom>
+        </p:spPr>
+      </p:pic>
+      <p:pic>
+        <p:nvPicPr>
+          <p:cNvPr id="11" name="Inhaltsplatzhalter 6">
+            <a:extLst>
+              <a:ext uri="{FF2B5EF4-FFF2-40B4-BE49-F238E27FC236}">
+                <a16:creationId xmlns:a16="http://schemas.microsoft.com/office/drawing/2014/main" id="{5474AE0B-D451-2C25-9EAC-033057DA7B29}"/>
+              </a:ext>
+            </a:extLst>
+          </p:cNvPr>
+          <p:cNvPicPr>
+            <a:picLocks noChangeAspect="1"/>
+          </p:cNvPicPr>
+          <p:nvPr/>
+        </p:nvPicPr>
+        <p:blipFill>
+          <a:blip r:embed="rId2">
+            <a:extLst>
+              <a:ext uri="{28A0092B-C50C-407E-A947-70E740481C1C}">
+                <a14:useLocalDpi xmlns:a14="http://schemas.microsoft.com/office/drawing/2010/main" val="0"/>
+              </a:ext>
+            </a:extLst>
+          </a:blip>
+          <a:stretch>
+            <a:fillRect/>
+          </a:stretch>
+        </p:blipFill>
+        <p:spPr>
+          <a:xfrm>
+            <a:off x="1371600" y="2387561"/>
+            <a:ext cx="404615" cy="404615"/>
+          </a:xfrm>
+          <a:prstGeom prst="rect">
+            <a:avLst/>
+          </a:prstGeom>
+        </p:spPr>
+      </p:pic>
+      <p:pic>
+        <p:nvPicPr>
+          <p:cNvPr id="12" name="Inhaltsplatzhalter 6">
+            <a:extLst>
+              <a:ext uri="{FF2B5EF4-FFF2-40B4-BE49-F238E27FC236}">
+                <a16:creationId xmlns:a16="http://schemas.microsoft.com/office/drawing/2014/main" id="{9EF4B8E7-B8E6-5EE3-686C-EE16210CFF0E}"/>
+              </a:ext>
+            </a:extLst>
+          </p:cNvPr>
+          <p:cNvPicPr>
+            <a:picLocks noChangeAspect="1"/>
+          </p:cNvPicPr>
+          <p:nvPr/>
+        </p:nvPicPr>
+        <p:blipFill>
+          <a:blip r:embed="rId2">
+            <a:extLst>
+              <a:ext uri="{28A0092B-C50C-407E-A947-70E740481C1C}">
+                <a14:useLocalDpi xmlns:a14="http://schemas.microsoft.com/office/drawing/2010/main" val="0"/>
+              </a:ext>
+            </a:extLst>
+          </a:blip>
+          <a:stretch>
+            <a:fillRect/>
+          </a:stretch>
+        </p:blipFill>
+        <p:spPr>
+          <a:xfrm>
+            <a:off x="1371600" y="3813551"/>
+            <a:ext cx="404615" cy="404615"/>
+          </a:xfrm>
+          <a:prstGeom prst="rect">
+            <a:avLst/>
+          </a:prstGeom>
+        </p:spPr>
+      </p:pic>
+      <p:pic>
+        <p:nvPicPr>
+          <p:cNvPr id="13" name="Inhaltsplatzhalter 6">
+            <a:extLst>
+              <a:ext uri="{FF2B5EF4-FFF2-40B4-BE49-F238E27FC236}">
+                <a16:creationId xmlns:a16="http://schemas.microsoft.com/office/drawing/2014/main" id="{570E6EFF-2036-47F0-D5B1-84507BCA2F94}"/>
+              </a:ext>
+            </a:extLst>
+          </p:cNvPr>
+          <p:cNvPicPr>
+            <a:picLocks noChangeAspect="1"/>
+          </p:cNvPicPr>
+          <p:nvPr/>
+        </p:nvPicPr>
+        <p:blipFill>
+          <a:blip r:embed="rId2">
+            <a:extLst>
+              <a:ext uri="{28A0092B-C50C-407E-A947-70E740481C1C}">
+                <a14:useLocalDpi xmlns:a14="http://schemas.microsoft.com/office/drawing/2010/main" val="0"/>
+              </a:ext>
+            </a:extLst>
+          </a:blip>
+          <a:stretch>
+            <a:fillRect/>
+          </a:stretch>
+        </p:blipFill>
+        <p:spPr>
+          <a:xfrm>
+            <a:off x="966985" y="4675927"/>
+            <a:ext cx="404615" cy="404615"/>
+          </a:xfrm>
+          <a:prstGeom prst="rect">
+            <a:avLst/>
+          </a:prstGeom>
+        </p:spPr>
+      </p:pic>
+      <p:pic>
+        <p:nvPicPr>
+          <p:cNvPr id="14" name="Inhaltsplatzhalter 6">
+            <a:extLst>
+              <a:ext uri="{FF2B5EF4-FFF2-40B4-BE49-F238E27FC236}">
+                <a16:creationId xmlns:a16="http://schemas.microsoft.com/office/drawing/2014/main" id="{3CC96C91-A284-F3A4-23E4-08FE3B6869A7}"/>
+              </a:ext>
+            </a:extLst>
+          </p:cNvPr>
+          <p:cNvPicPr>
+            <a:picLocks noChangeAspect="1"/>
+          </p:cNvPicPr>
+          <p:nvPr/>
+        </p:nvPicPr>
+        <p:blipFill>
+          <a:blip r:embed="rId2">
+            <a:extLst>
+              <a:ext uri="{28A0092B-C50C-407E-A947-70E740481C1C}">
+                <a14:useLocalDpi xmlns:a14="http://schemas.microsoft.com/office/drawing/2010/main" val="0"/>
+              </a:ext>
+            </a:extLst>
+          </a:blip>
+          <a:stretch>
+            <a:fillRect/>
+          </a:stretch>
+        </p:blipFill>
+        <p:spPr>
+          <a:xfrm>
+            <a:off x="966984" y="5186394"/>
+            <a:ext cx="404615" cy="404615"/>
+          </a:xfrm>
+          <a:prstGeom prst="rect">
+            <a:avLst/>
+          </a:prstGeom>
+        </p:spPr>
+      </p:pic>
+      <p:pic>
+        <p:nvPicPr>
+          <p:cNvPr id="15" name="Inhaltsplatzhalter 6">
+            <a:extLst>
+              <a:ext uri="{FF2B5EF4-FFF2-40B4-BE49-F238E27FC236}">
+                <a16:creationId xmlns:a16="http://schemas.microsoft.com/office/drawing/2014/main" id="{8823F495-7ABA-189B-E9CA-ADF6FC1E08B9}"/>
+              </a:ext>
+            </a:extLst>
+          </p:cNvPr>
+          <p:cNvPicPr>
+            <a:picLocks noChangeAspect="1"/>
+          </p:cNvPicPr>
+          <p:nvPr/>
+        </p:nvPicPr>
+        <p:blipFill>
+          <a:blip r:embed="rId2">
+            <a:extLst>
+              <a:ext uri="{28A0092B-C50C-407E-A947-70E740481C1C}">
+                <a14:useLocalDpi xmlns:a14="http://schemas.microsoft.com/office/drawing/2010/main" val="0"/>
+              </a:ext>
+            </a:extLst>
+          </a:blip>
+          <a:stretch>
+            <a:fillRect/>
+          </a:stretch>
+        </p:blipFill>
+        <p:spPr>
+          <a:xfrm>
+            <a:off x="966983" y="5668305"/>
+            <a:ext cx="404615" cy="404615"/>
+          </a:xfrm>
+          <a:prstGeom prst="rect">
+            <a:avLst/>
+          </a:prstGeom>
+        </p:spPr>
+      </p:pic>
+    </p:spTree>
+    <p:extLst>
+      <p:ext uri="{BB962C8B-B14F-4D97-AF65-F5344CB8AC3E}">
+        <p14:creationId xmlns:p14="http://schemas.microsoft.com/office/powerpoint/2010/main" val="3139741942"/>
+      </p:ext>
+    </p:extLst>
+  </p:cSld>
+  <p:clrMapOvr>
+    <a:masterClrMapping/>
+  </p:clrMapOvr>
+  <p:transition spd="slow">
+    <p:push dir="u"/>
+  </p:transition>
+</p:sld>
+</file>
+
+<file path=ppt/slides/slide14.xml><?xml version="1.0" encoding="utf-8"?>
 <p:sld xmlns:a="http://schemas.openxmlformats.org/drawingml/2006/main" xmlns:r="http://schemas.openxmlformats.org/officeDocument/2006/relationships" xmlns:p="http://schemas.openxmlformats.org/presentationml/2006/main">
   <p:cSld>
     <p:spTree>
@@ -4144,10 +5776,10 @@
       </p:grpSpPr>
       <p:grpSp>
         <p:nvGrpSpPr>
-          <p:cNvPr id="6" name="Gruppieren 5">
+          <p:cNvPr id="4" name="Gruppieren 3">
             <a:extLst>
               <a:ext uri="{FF2B5EF4-FFF2-40B4-BE49-F238E27FC236}">
-                <a16:creationId xmlns:a16="http://schemas.microsoft.com/office/drawing/2014/main" id="{E5387802-1AA9-E808-F282-55A7A5717C69}"/>
+                <a16:creationId xmlns:a16="http://schemas.microsoft.com/office/drawing/2014/main" id="{A37AFB3D-A332-0217-D750-15F03EFA2B45}"/>
               </a:ext>
             </a:extLst>
           </p:cNvPr>
@@ -4156,18 +5788,18 @@
         </p:nvGrpSpPr>
         <p:grpSpPr>
           <a:xfrm>
-            <a:off x="787179" y="2253310"/>
-            <a:ext cx="11346511" cy="461665"/>
-            <a:chOff x="787179" y="2237408"/>
-            <a:chExt cx="11346511" cy="461665"/>
+            <a:off x="762109" y="5348092"/>
+            <a:ext cx="11346511" cy="523220"/>
+            <a:chOff x="787179" y="2165083"/>
+            <a:chExt cx="11346511" cy="523220"/>
           </a:xfrm>
         </p:grpSpPr>
         <p:sp>
           <p:nvSpPr>
-            <p:cNvPr id="4" name="Rechteck 3">
+            <p:cNvPr id="6" name="Rechteck 5">
               <a:extLst>
                 <a:ext uri="{FF2B5EF4-FFF2-40B4-BE49-F238E27FC236}">
-                  <a16:creationId xmlns:a16="http://schemas.microsoft.com/office/drawing/2014/main" id="{74E1355A-9863-96C5-BB76-2A87F19763C2}"/>
+                  <a16:creationId xmlns:a16="http://schemas.microsoft.com/office/drawing/2014/main" id="{2AA76AEE-6F09-1477-A75B-D3AD02D7FB6B}"/>
                 </a:ext>
               </a:extLst>
             </p:cNvPr>
@@ -4176,8 +5808,8 @@
           </p:nvSpPr>
           <p:spPr>
             <a:xfrm>
-              <a:off x="787179" y="2337684"/>
-              <a:ext cx="11346511" cy="278295"/>
+              <a:off x="787179" y="2237408"/>
+              <a:ext cx="11346511" cy="378571"/>
             </a:xfrm>
             <a:prstGeom prst="rect">
               <a:avLst/>
@@ -4216,10 +5848,10 @@
         </p:sp>
         <p:sp>
           <p:nvSpPr>
-            <p:cNvPr id="5" name="Textfeld 4">
+            <p:cNvPr id="7" name="Textfeld 6">
               <a:extLst>
                 <a:ext uri="{FF2B5EF4-FFF2-40B4-BE49-F238E27FC236}">
-                  <a16:creationId xmlns:a16="http://schemas.microsoft.com/office/drawing/2014/main" id="{EBAC443B-7813-01C8-3675-BAEEE36D1808}"/>
+                  <a16:creationId xmlns:a16="http://schemas.microsoft.com/office/drawing/2014/main" id="{5893D9C1-DA64-6E86-D232-0FAFAA8DAA1E}"/>
                 </a:ext>
               </a:extLst>
             </p:cNvPr>
@@ -4228,8 +5860,8 @@
           </p:nvSpPr>
           <p:spPr>
             <a:xfrm>
-              <a:off x="787179" y="2237408"/>
-              <a:ext cx="572494" cy="461665"/>
+              <a:off x="787179" y="2165083"/>
+              <a:ext cx="572494" cy="523220"/>
             </a:xfrm>
             <a:prstGeom prst="rect">
               <a:avLst/>
@@ -4243,7 +5875,7 @@
             <a:lstStyle/>
             <a:p>
               <a:r>
-                <a:rPr lang="de-DE" sz="2400" dirty="0">
+                <a:rPr lang="de-DE" sz="2800" dirty="0">
                   <a:solidFill>
                     <a:schemeClr val="bg1"/>
                   </a:solidFill>
@@ -4273,38 +5905,134 @@
         </p:nvSpPr>
         <p:spPr/>
         <p:txBody>
-          <a:bodyPr/>
-          <a:lstStyle/>
-          <a:p>
-            <a:r>
-              <a:rPr lang="de-DE" dirty="0"/>
-              <a:t>Inhaltsverzeichnis</a:t>
-            </a:r>
-          </a:p>
-        </p:txBody>
-      </p:sp>
-      <p:sp>
-        <p:nvSpPr>
-          <p:cNvPr id="3" name="Inhaltsplatzhalter 2">
-            <a:extLst>
-              <a:ext uri="{FF2B5EF4-FFF2-40B4-BE49-F238E27FC236}">
-                <a16:creationId xmlns:a16="http://schemas.microsoft.com/office/drawing/2014/main" id="{770778E3-77F7-B10A-265F-E591E9E536E4}"/>
-              </a:ext>
-            </a:extLst>
-          </p:cNvPr>
-          <p:cNvSpPr>
-            <a:spLocks noGrp="1"/>
-          </p:cNvSpPr>
-          <p:nvPr>
-            <p:ph idx="1"/>
-          </p:nvPr>
-        </p:nvSpPr>
-        <p:spPr/>
-        <p:txBody>
           <a:bodyPr>
             <a:normAutofit/>
           </a:bodyPr>
           <a:lstStyle/>
+          <a:p>
+            <a:r>
+              <a:rPr lang="de-DE" sz="4800" dirty="0"/>
+              <a:t>Inhaltsverzeichnis</a:t>
+            </a:r>
+          </a:p>
+        </p:txBody>
+      </p:sp>
+      <p:sp>
+        <p:nvSpPr>
+          <p:cNvPr id="3" name="Inhaltsplatzhalter 2">
+            <a:extLst>
+              <a:ext uri="{FF2B5EF4-FFF2-40B4-BE49-F238E27FC236}">
+                <a16:creationId xmlns:a16="http://schemas.microsoft.com/office/drawing/2014/main" id="{770778E3-77F7-B10A-265F-E591E9E536E4}"/>
+              </a:ext>
+            </a:extLst>
+          </p:cNvPr>
+          <p:cNvSpPr>
+            <a:spLocks noGrp="1"/>
+          </p:cNvSpPr>
+          <p:nvPr>
+            <p:ph idx="1"/>
+          </p:nvPr>
+        </p:nvSpPr>
+        <p:spPr>
+          <a:xfrm>
+            <a:off x="1371600" y="1762811"/>
+            <a:ext cx="9601200" cy="4675695"/>
+          </a:xfrm>
+        </p:spPr>
+        <p:txBody>
+          <a:bodyPr>
+            <a:normAutofit/>
+          </a:bodyPr>
+          <a:lstStyle/>
+          <a:p>
+            <a:pPr marL="0" indent="0">
+              <a:buNone/>
+            </a:pPr>
+            <a:r>
+              <a:rPr lang="de-DE" sz="2400" dirty="0">
+                <a:solidFill>
+                  <a:srgbClr val="44546A"/>
+                </a:solidFill>
+              </a:rPr>
+              <a:t>1.   Vorwissen</a:t>
+            </a:r>
+          </a:p>
+          <a:p>
+            <a:pPr marL="530352" lvl="1" indent="0">
+              <a:buNone/>
+            </a:pPr>
+            <a:r>
+              <a:rPr lang="de-DE" dirty="0"/>
+              <a:t>1.1    Was ist ein Prototyp?</a:t>
+            </a:r>
+          </a:p>
+          <a:p>
+            <a:pPr marL="530352" lvl="1" indent="0">
+              <a:buNone/>
+            </a:pPr>
+            <a:r>
+              <a:rPr lang="de-DE" dirty="0"/>
+              <a:t>1.2    Warum braucht man einen Prototypen?</a:t>
+            </a:r>
+          </a:p>
+          <a:p>
+            <a:pPr marL="530352" lvl="1" indent="0">
+              <a:buNone/>
+            </a:pPr>
+            <a:r>
+              <a:rPr lang="de-DE" dirty="0"/>
+              <a:t>1.3    Gibt es eine bestimmte Reihenfolge?</a:t>
+            </a:r>
+          </a:p>
+          <a:p>
+            <a:pPr marL="457200" indent="-457200">
+              <a:buAutoNum type="arabicPeriod" startAt="2"/>
+            </a:pPr>
+            <a:r>
+              <a:rPr lang="de-DE" sz="2400" dirty="0">
+                <a:solidFill>
+                  <a:srgbClr val="44546A"/>
+                </a:solidFill>
+              </a:rPr>
+              <a:t>Prozess bis zum Prototypen</a:t>
+            </a:r>
+          </a:p>
+          <a:p>
+            <a:pPr marL="530352" lvl="1" indent="0">
+              <a:buNone/>
+            </a:pPr>
+            <a:r>
+              <a:rPr lang="de-DE" dirty="0"/>
+              <a:t>2.1    Vorarbeit</a:t>
+            </a:r>
+          </a:p>
+          <a:p>
+            <a:pPr marL="530352" lvl="1" indent="0">
+              <a:buNone/>
+            </a:pPr>
+            <a:r>
+              <a:rPr lang="de-DE" dirty="0"/>
+              <a:t>2.2    Sketch</a:t>
+            </a:r>
+          </a:p>
+          <a:p>
+            <a:pPr marL="530352" lvl="1" indent="0">
+              <a:buNone/>
+            </a:pPr>
+            <a:r>
+              <a:rPr lang="de-DE" dirty="0"/>
+              <a:t>2.3    Grundlagen unseres Prototypens</a:t>
+            </a:r>
+          </a:p>
+          <a:p>
+            <a:pPr marL="530352" lvl="1" indent="0">
+              <a:buNone/>
+            </a:pPr>
+            <a:r>
+              <a:rPr lang="de-DE" dirty="0"/>
+              <a:t>2.4    Struktur</a:t>
+            </a:r>
+          </a:p>
           <a:p>
             <a:pPr marL="0" indent="0">
               <a:buNone/>
@@ -4315,63 +6043,100 @@
                   <a:schemeClr val="bg1"/>
                 </a:solidFill>
               </a:rPr>
-              <a:t>1.   Vorwissen</a:t>
-            </a:r>
-          </a:p>
-          <a:p>
-            <a:pPr marL="530352" lvl="1" indent="0">
-              <a:buNone/>
-            </a:pPr>
-            <a:r>
-              <a:rPr lang="de-DE" sz="2400" dirty="0"/>
-              <a:t>1.1    Was ist ein Prototyp?</a:t>
-            </a:r>
-          </a:p>
-          <a:p>
-            <a:pPr marL="530352" lvl="1" indent="0">
-              <a:buNone/>
-            </a:pPr>
-            <a:r>
-              <a:rPr lang="de-DE" sz="2400" dirty="0"/>
-              <a:t>1.2    Warum braucht man einen Prototypen?</a:t>
-            </a:r>
-          </a:p>
-          <a:p>
-            <a:pPr marL="530352" lvl="1" indent="0">
-              <a:buNone/>
-            </a:pPr>
-            <a:r>
-              <a:rPr lang="de-DE" sz="2400" dirty="0"/>
-              <a:t>1.3    Gibt es eine bestimmte Reihenfolge?</a:t>
-            </a:r>
-          </a:p>
-          <a:p>
-            <a:pPr marL="0" indent="0">
-              <a:buNone/>
-            </a:pPr>
-            <a:r>
-              <a:rPr lang="de-DE" sz="2400" dirty="0"/>
-              <a:t>2.   Prozess bis zum Prototypen</a:t>
-            </a:r>
-          </a:p>
-          <a:p>
-            <a:pPr marL="0" indent="0">
-              <a:buNone/>
-            </a:pPr>
-            <a:r>
-              <a:rPr lang="de-DE" sz="2400" dirty="0"/>
               <a:t>3.   Prototyp</a:t>
             </a:r>
           </a:p>
           <a:p>
             <a:endParaRPr lang="de-DE" sz="2400" dirty="0"/>
+          </a:p>
+        </p:txBody>
+      </p:sp>
+      <p:sp>
+        <p:nvSpPr>
+          <p:cNvPr id="5" name="Rechteck 4">
+            <a:extLst>
+              <a:ext uri="{FF2B5EF4-FFF2-40B4-BE49-F238E27FC236}">
+                <a16:creationId xmlns:a16="http://schemas.microsoft.com/office/drawing/2014/main" id="{9463CD00-C1C2-1A8C-C400-00BF2A4DB38A}"/>
+              </a:ext>
+            </a:extLst>
+          </p:cNvPr>
+          <p:cNvSpPr/>
+          <p:nvPr/>
+        </p:nvSpPr>
+        <p:spPr>
+          <a:xfrm>
+            <a:off x="641022" y="1400471"/>
+            <a:ext cx="11550978" cy="70112"/>
+          </a:xfrm>
+          <a:prstGeom prst="rect">
+            <a:avLst/>
+          </a:prstGeom>
+          <a:solidFill>
+            <a:srgbClr val="44546A"/>
+          </a:solidFill>
+          <a:ln>
+            <a:solidFill>
+              <a:srgbClr val="44546A"/>
+            </a:solidFill>
+          </a:ln>
+        </p:spPr>
+        <p:style>
+          <a:lnRef idx="2">
+            <a:schemeClr val="accent1">
+              <a:shade val="50000"/>
+            </a:schemeClr>
+          </a:lnRef>
+          <a:fillRef idx="1">
+            <a:schemeClr val="accent1"/>
+          </a:fillRef>
+          <a:effectRef idx="0">
+            <a:schemeClr val="accent1"/>
+          </a:effectRef>
+          <a:fontRef idx="minor">
+            <a:schemeClr val="lt1"/>
+          </a:fontRef>
+        </p:style>
+        <p:txBody>
+          <a:bodyPr rtlCol="0" anchor="ctr"/>
+          <a:lstStyle/>
+          <a:p>
+            <a:pPr algn="ctr"/>
+            <a:endParaRPr lang="de-DE"/>
+          </a:p>
+        </p:txBody>
+      </p:sp>
+      <p:sp>
+        <p:nvSpPr>
+          <p:cNvPr id="8" name="Fußzeilenplatzhalter 7">
+            <a:extLst>
+              <a:ext uri="{FF2B5EF4-FFF2-40B4-BE49-F238E27FC236}">
+                <a16:creationId xmlns:a16="http://schemas.microsoft.com/office/drawing/2014/main" id="{792F2892-7625-2729-B152-95F9C3D19B83}"/>
+              </a:ext>
+            </a:extLst>
+          </p:cNvPr>
+          <p:cNvSpPr>
+            <a:spLocks noGrp="1"/>
+          </p:cNvSpPr>
+          <p:nvPr>
+            <p:ph type="ftr" sz="quarter" idx="11"/>
+          </p:nvPr>
+        </p:nvSpPr>
+        <p:spPr/>
+        <p:txBody>
+          <a:bodyPr/>
+          <a:lstStyle/>
+          <a:p>
+            <a:r>
+              <a:rPr lang="de-DE" dirty="0"/>
+              <a:t>28.02.2023 | Prototyp Gruppe 4 | Maksim Hermann</a:t>
+            </a:r>
           </a:p>
         </p:txBody>
       </p:sp>
     </p:spTree>
     <p:extLst>
       <p:ext uri="{BB962C8B-B14F-4D97-AF65-F5344CB8AC3E}">
-        <p14:creationId xmlns:p14="http://schemas.microsoft.com/office/powerpoint/2010/main" val="2673638037"/>
+        <p14:creationId xmlns:p14="http://schemas.microsoft.com/office/powerpoint/2010/main" val="3025199942"/>
       </p:ext>
     </p:extLst>
   </p:cSld>
@@ -4384,7 +6149,7 @@
 </p:sld>
 </file>
 
-<file path=ppt/slides/slide4.xml><?xml version="1.0" encoding="utf-8"?>
+<file path=ppt/slides/slide15.xml><?xml version="1.0" encoding="utf-8"?>
 <p:sld xmlns:a="http://schemas.openxmlformats.org/drawingml/2006/main" xmlns:r="http://schemas.openxmlformats.org/officeDocument/2006/relationships" xmlns:p="http://schemas.openxmlformats.org/presentationml/2006/main">
   <p:cSld>
     <p:spTree>
@@ -4406,7 +6171,7 @@
           <p:cNvPr id="2" name="Titel 1">
             <a:extLst>
               <a:ext uri="{FF2B5EF4-FFF2-40B4-BE49-F238E27FC236}">
-                <a16:creationId xmlns:a16="http://schemas.microsoft.com/office/drawing/2014/main" id="{3BB14AE9-B2E3-D5A3-4869-129F4843B0F5}"/>
+                <a16:creationId xmlns:a16="http://schemas.microsoft.com/office/drawing/2014/main" id="{B5467E21-98A3-3B06-59F0-FB1237556A19}"/>
               </a:ext>
             </a:extLst>
           </p:cNvPr>
@@ -4424,17 +6189,17 @@
           <a:p>
             <a:r>
               <a:rPr lang="de-DE" dirty="0"/>
-              <a:t>Was ist ein Prototyp?</a:t>
-            </a:r>
-          </a:p>
-        </p:txBody>
-      </p:sp>
-      <p:sp>
-        <p:nvSpPr>
-          <p:cNvPr id="3" name="Inhaltsplatzhalter 2">
+              <a:t>VIELEN DANK!</a:t>
+            </a:r>
+          </a:p>
+        </p:txBody>
+      </p:sp>
+      <p:sp>
+        <p:nvSpPr>
+          <p:cNvPr id="4" name="Fußzeilenplatzhalter 7">
             <a:extLst>
               <a:ext uri="{FF2B5EF4-FFF2-40B4-BE49-F238E27FC236}">
-                <a16:creationId xmlns:a16="http://schemas.microsoft.com/office/drawing/2014/main" id="{ECF3A306-6423-9E71-1D0F-34B6BDB89A24}"/>
+                <a16:creationId xmlns:a16="http://schemas.microsoft.com/office/drawing/2014/main" id="{12F1BF92-87B6-9E73-44F8-6B9EE4CD1AB0}"/>
               </a:ext>
             </a:extLst>
           </p:cNvPr>
@@ -4442,22 +6207,31 @@
             <a:spLocks noGrp="1"/>
           </p:cNvSpPr>
           <p:nvPr>
-            <p:ph idx="1"/>
-          </p:nvPr>
-        </p:nvSpPr>
-        <p:spPr/>
+            <p:ph type="ftr" sz="quarter" idx="11"/>
+          </p:nvPr>
+        </p:nvSpPr>
+        <p:spPr>
+          <a:xfrm>
+            <a:off x="1371600" y="6453386"/>
+            <a:ext cx="7802794" cy="404614"/>
+          </a:xfrm>
+        </p:spPr>
         <p:txBody>
           <a:bodyPr/>
           <a:lstStyle/>
           <a:p>
-            <a:endParaRPr lang="de-DE"/>
+            <a:pPr algn="l"/>
+            <a:r>
+              <a:rPr lang="de-DE" dirty="0"/>
+              <a:t>28.02.2023 | Prototyp Gruppe 4 | Maksim Hermann</a:t>
+            </a:r>
           </a:p>
         </p:txBody>
       </p:sp>
     </p:spTree>
     <p:extLst>
       <p:ext uri="{BB962C8B-B14F-4D97-AF65-F5344CB8AC3E}">
-        <p14:creationId xmlns:p14="http://schemas.microsoft.com/office/powerpoint/2010/main" val="2515717183"/>
+        <p14:creationId xmlns:p14="http://schemas.microsoft.com/office/powerpoint/2010/main" val="2936095406"/>
       </p:ext>
     </p:extLst>
   </p:cSld>
@@ -4470,7 +6244,7 @@
 </p:sld>
 </file>
 
-<file path=ppt/slides/slide5.xml><?xml version="1.0" encoding="utf-8"?>
+<file path=ppt/slides/slide2.xml><?xml version="1.0" encoding="utf-8"?>
 <p:sld xmlns:a="http://schemas.openxmlformats.org/drawingml/2006/main" xmlns:r="http://schemas.openxmlformats.org/officeDocument/2006/relationships" xmlns:p="http://schemas.openxmlformats.org/presentationml/2006/main">
   <p:cSld>
     <p:spTree>
@@ -4492,7 +6266,7 @@
           <p:cNvPr id="2" name="Titel 1">
             <a:extLst>
               <a:ext uri="{FF2B5EF4-FFF2-40B4-BE49-F238E27FC236}">
-                <a16:creationId xmlns:a16="http://schemas.microsoft.com/office/drawing/2014/main" id="{62D9C4A3-5F6A-64BF-2224-3ABD457763FF}"/>
+                <a16:creationId xmlns:a16="http://schemas.microsoft.com/office/drawing/2014/main" id="{2517C278-9907-D5CA-128B-2C8EA1C67E8C}"/>
               </a:ext>
             </a:extLst>
           </p:cNvPr>
@@ -4501,6 +6275,212 @@
           </p:cNvSpPr>
           <p:nvPr>
             <p:ph type="title"/>
+          </p:nvPr>
+        </p:nvSpPr>
+        <p:spPr/>
+        <p:txBody>
+          <a:bodyPr>
+            <a:normAutofit/>
+          </a:bodyPr>
+          <a:lstStyle/>
+          <a:p>
+            <a:r>
+              <a:rPr lang="de-DE" sz="4800" dirty="0"/>
+              <a:t>Inhaltsverzeichnis</a:t>
+            </a:r>
+          </a:p>
+        </p:txBody>
+      </p:sp>
+      <p:sp>
+        <p:nvSpPr>
+          <p:cNvPr id="3" name="Inhaltsplatzhalter 2">
+            <a:extLst>
+              <a:ext uri="{FF2B5EF4-FFF2-40B4-BE49-F238E27FC236}">
+                <a16:creationId xmlns:a16="http://schemas.microsoft.com/office/drawing/2014/main" id="{770778E3-77F7-B10A-265F-E591E9E536E4}"/>
+              </a:ext>
+            </a:extLst>
+          </p:cNvPr>
+          <p:cNvSpPr>
+            <a:spLocks noGrp="1"/>
+          </p:cNvSpPr>
+          <p:nvPr>
+            <p:ph idx="1"/>
+          </p:nvPr>
+        </p:nvSpPr>
+        <p:spPr>
+          <a:xfrm>
+            <a:off x="1371600" y="1762811"/>
+            <a:ext cx="9601200" cy="4675695"/>
+          </a:xfrm>
+        </p:spPr>
+        <p:txBody>
+          <a:bodyPr>
+            <a:normAutofit/>
+          </a:bodyPr>
+          <a:lstStyle/>
+          <a:p>
+            <a:pPr marL="0" indent="0">
+              <a:buNone/>
+            </a:pPr>
+            <a:r>
+              <a:rPr lang="de-DE" sz="2400" dirty="0"/>
+              <a:t>1.   Vorwissen</a:t>
+            </a:r>
+          </a:p>
+          <a:p>
+            <a:pPr marL="530352" lvl="1" indent="0">
+              <a:buNone/>
+            </a:pPr>
+            <a:r>
+              <a:rPr lang="de-DE" dirty="0"/>
+              <a:t>1.1    Was ist ein Prototyp?</a:t>
+            </a:r>
+          </a:p>
+          <a:p>
+            <a:pPr marL="530352" lvl="1" indent="0">
+              <a:buNone/>
+            </a:pPr>
+            <a:r>
+              <a:rPr lang="de-DE" dirty="0"/>
+              <a:t>1.2    Warum braucht man einen Prototypen?</a:t>
+            </a:r>
+          </a:p>
+          <a:p>
+            <a:pPr marL="530352" lvl="1" indent="0">
+              <a:buNone/>
+            </a:pPr>
+            <a:r>
+              <a:rPr lang="de-DE" dirty="0"/>
+              <a:t>1.3    Gibt es eine bestimmte Reihenfolge?</a:t>
+            </a:r>
+          </a:p>
+          <a:p>
+            <a:pPr marL="457200" indent="-457200">
+              <a:buAutoNum type="arabicPeriod" startAt="2"/>
+            </a:pPr>
+            <a:r>
+              <a:rPr lang="de-DE" sz="2400" dirty="0"/>
+              <a:t>Prozess bis zum Prototypen</a:t>
+            </a:r>
+          </a:p>
+          <a:p>
+            <a:pPr marL="530352" lvl="1" indent="0">
+              <a:buNone/>
+            </a:pPr>
+            <a:r>
+              <a:rPr lang="de-DE" dirty="0"/>
+              <a:t>2.1    Vorarbeit</a:t>
+            </a:r>
+          </a:p>
+          <a:p>
+            <a:pPr marL="530352" lvl="1" indent="0">
+              <a:buNone/>
+            </a:pPr>
+            <a:r>
+              <a:rPr lang="de-DE" dirty="0"/>
+              <a:t>2.2    Sketch</a:t>
+            </a:r>
+          </a:p>
+          <a:p>
+            <a:pPr marL="530352" lvl="1" indent="0">
+              <a:buNone/>
+            </a:pPr>
+            <a:r>
+              <a:rPr lang="de-DE" dirty="0"/>
+              <a:t>2.3    Grundlagen unseres Prototypens</a:t>
+            </a:r>
+          </a:p>
+          <a:p>
+            <a:pPr marL="530352" lvl="1" indent="0">
+              <a:buNone/>
+            </a:pPr>
+            <a:r>
+              <a:rPr lang="de-DE" dirty="0"/>
+              <a:t>2.4    Struktur</a:t>
+            </a:r>
+          </a:p>
+          <a:p>
+            <a:pPr marL="0" indent="0">
+              <a:buNone/>
+            </a:pPr>
+            <a:r>
+              <a:rPr lang="de-DE" sz="2400" dirty="0"/>
+              <a:t>3.   Prototyp</a:t>
+            </a:r>
+          </a:p>
+          <a:p>
+            <a:endParaRPr lang="de-DE" sz="2400" dirty="0"/>
+          </a:p>
+        </p:txBody>
+      </p:sp>
+      <p:sp>
+        <p:nvSpPr>
+          <p:cNvPr id="5" name="Rechteck 4">
+            <a:extLst>
+              <a:ext uri="{FF2B5EF4-FFF2-40B4-BE49-F238E27FC236}">
+                <a16:creationId xmlns:a16="http://schemas.microsoft.com/office/drawing/2014/main" id="{9463CD00-C1C2-1A8C-C400-00BF2A4DB38A}"/>
+              </a:ext>
+            </a:extLst>
+          </p:cNvPr>
+          <p:cNvSpPr/>
+          <p:nvPr/>
+        </p:nvSpPr>
+        <p:spPr>
+          <a:xfrm>
+            <a:off x="641022" y="1400471"/>
+            <a:ext cx="11550978" cy="70112"/>
+          </a:xfrm>
+          <a:prstGeom prst="rect">
+            <a:avLst/>
+          </a:prstGeom>
+          <a:solidFill>
+            <a:srgbClr val="44546A"/>
+          </a:solidFill>
+          <a:ln>
+            <a:solidFill>
+              <a:srgbClr val="44546A"/>
+            </a:solidFill>
+          </a:ln>
+        </p:spPr>
+        <p:style>
+          <a:lnRef idx="2">
+            <a:schemeClr val="accent1">
+              <a:shade val="50000"/>
+            </a:schemeClr>
+          </a:lnRef>
+          <a:fillRef idx="1">
+            <a:schemeClr val="accent1"/>
+          </a:fillRef>
+          <a:effectRef idx="0">
+            <a:schemeClr val="accent1"/>
+          </a:effectRef>
+          <a:fontRef idx="minor">
+            <a:schemeClr val="lt1"/>
+          </a:fontRef>
+        </p:style>
+        <p:txBody>
+          <a:bodyPr rtlCol="0" anchor="ctr"/>
+          <a:lstStyle/>
+          <a:p>
+            <a:pPr algn="ctr"/>
+            <a:endParaRPr lang="de-DE"/>
+          </a:p>
+        </p:txBody>
+      </p:sp>
+      <p:sp>
+        <p:nvSpPr>
+          <p:cNvPr id="6" name="Fußzeilenplatzhalter 5">
+            <a:extLst>
+              <a:ext uri="{FF2B5EF4-FFF2-40B4-BE49-F238E27FC236}">
+                <a16:creationId xmlns:a16="http://schemas.microsoft.com/office/drawing/2014/main" id="{F634C0C9-63F8-5B03-5994-EE0DE258F540}"/>
+              </a:ext>
+            </a:extLst>
+          </p:cNvPr>
+          <p:cNvSpPr>
+            <a:spLocks noGrp="1"/>
+          </p:cNvSpPr>
+          <p:nvPr>
+            <p:ph type="ftr" sz="quarter" idx="11"/>
           </p:nvPr>
         </p:nvSpPr>
         <p:spPr/>
@@ -4510,40 +6490,15 @@
           <a:p>
             <a:r>
               <a:rPr lang="de-DE" dirty="0"/>
-              <a:t>Warum braucht man einen Prototypen?</a:t>
-            </a:r>
-          </a:p>
-        </p:txBody>
-      </p:sp>
-      <p:sp>
-        <p:nvSpPr>
-          <p:cNvPr id="3" name="Inhaltsplatzhalter 2">
-            <a:extLst>
-              <a:ext uri="{FF2B5EF4-FFF2-40B4-BE49-F238E27FC236}">
-                <a16:creationId xmlns:a16="http://schemas.microsoft.com/office/drawing/2014/main" id="{F9580804-B959-25B7-1EB9-4E6039E66F96}"/>
-              </a:ext>
-            </a:extLst>
-          </p:cNvPr>
-          <p:cNvSpPr>
-            <a:spLocks noGrp="1"/>
-          </p:cNvSpPr>
-          <p:nvPr>
-            <p:ph idx="1"/>
-          </p:nvPr>
-        </p:nvSpPr>
-        <p:spPr/>
-        <p:txBody>
-          <a:bodyPr/>
-          <a:lstStyle/>
-          <a:p>
-            <a:endParaRPr lang="de-DE"/>
+              <a:t>28.02.2023 | Prototyp Gruppe 4 | Maksim Hermann</a:t>
+            </a:r>
           </a:p>
         </p:txBody>
       </p:sp>
     </p:spTree>
     <p:extLst>
       <p:ext uri="{BB962C8B-B14F-4D97-AF65-F5344CB8AC3E}">
-        <p14:creationId xmlns:p14="http://schemas.microsoft.com/office/powerpoint/2010/main" val="2631587243"/>
+        <p14:creationId xmlns:p14="http://schemas.microsoft.com/office/powerpoint/2010/main" val="2960241047"/>
       </p:ext>
     </p:extLst>
   </p:cSld>
@@ -4556,93 +6511,7 @@
 </p:sld>
 </file>
 
-<file path=ppt/slides/slide6.xml><?xml version="1.0" encoding="utf-8"?>
-<p:sld xmlns:a="http://schemas.openxmlformats.org/drawingml/2006/main" xmlns:r="http://schemas.openxmlformats.org/officeDocument/2006/relationships" xmlns:p="http://schemas.openxmlformats.org/presentationml/2006/main">
-  <p:cSld>
-    <p:spTree>
-      <p:nvGrpSpPr>
-        <p:cNvPr id="1" name=""/>
-        <p:cNvGrpSpPr/>
-        <p:nvPr/>
-      </p:nvGrpSpPr>
-      <p:grpSpPr>
-        <a:xfrm>
-          <a:off x="0" y="0"/>
-          <a:ext cx="0" cy="0"/>
-          <a:chOff x="0" y="0"/>
-          <a:chExt cx="0" cy="0"/>
-        </a:xfrm>
-      </p:grpSpPr>
-      <p:sp>
-        <p:nvSpPr>
-          <p:cNvPr id="2" name="Titel 1">
-            <a:extLst>
-              <a:ext uri="{FF2B5EF4-FFF2-40B4-BE49-F238E27FC236}">
-                <a16:creationId xmlns:a16="http://schemas.microsoft.com/office/drawing/2014/main" id="{2C1497C9-0FF2-834F-2950-EE438F5513E8}"/>
-              </a:ext>
-            </a:extLst>
-          </p:cNvPr>
-          <p:cNvSpPr>
-            <a:spLocks noGrp="1"/>
-          </p:cNvSpPr>
-          <p:nvPr>
-            <p:ph type="title"/>
-          </p:nvPr>
-        </p:nvSpPr>
-        <p:spPr/>
-        <p:txBody>
-          <a:bodyPr/>
-          <a:lstStyle/>
-          <a:p>
-            <a:r>
-              <a:rPr lang="de-DE" dirty="0"/>
-              <a:t>Gibt es eine bestimmte Reihenfolge?</a:t>
-            </a:r>
-          </a:p>
-        </p:txBody>
-      </p:sp>
-      <p:sp>
-        <p:nvSpPr>
-          <p:cNvPr id="3" name="Inhaltsplatzhalter 2">
-            <a:extLst>
-              <a:ext uri="{FF2B5EF4-FFF2-40B4-BE49-F238E27FC236}">
-                <a16:creationId xmlns:a16="http://schemas.microsoft.com/office/drawing/2014/main" id="{84D8FF89-0796-4244-64C9-895A2C9A1A98}"/>
-              </a:ext>
-            </a:extLst>
-          </p:cNvPr>
-          <p:cNvSpPr>
-            <a:spLocks noGrp="1"/>
-          </p:cNvSpPr>
-          <p:nvPr>
-            <p:ph idx="1"/>
-          </p:nvPr>
-        </p:nvSpPr>
-        <p:spPr/>
-        <p:txBody>
-          <a:bodyPr/>
-          <a:lstStyle/>
-          <a:p>
-            <a:endParaRPr lang="de-DE"/>
-          </a:p>
-        </p:txBody>
-      </p:sp>
-    </p:spTree>
-    <p:extLst>
-      <p:ext uri="{BB962C8B-B14F-4D97-AF65-F5344CB8AC3E}">
-        <p14:creationId xmlns:p14="http://schemas.microsoft.com/office/powerpoint/2010/main" val="1547304804"/>
-      </p:ext>
-    </p:extLst>
-  </p:cSld>
-  <p:clrMapOvr>
-    <a:masterClrMapping/>
-  </p:clrMapOvr>
-  <p:transition spd="slow">
-    <p:push dir="u"/>
-  </p:transition>
-</p:sld>
-</file>
-
-<file path=ppt/slides/slide7.xml><?xml version="1.0" encoding="utf-8"?>
+<file path=ppt/slides/slide3.xml><?xml version="1.0" encoding="utf-8"?>
 <p:sld xmlns:a="http://schemas.openxmlformats.org/drawingml/2006/main" xmlns:r="http://schemas.openxmlformats.org/officeDocument/2006/relationships" xmlns:p="http://schemas.openxmlformats.org/presentationml/2006/main">
   <p:cSld>
     <p:spTree>
@@ -4661,10 +6530,10 @@
       </p:grpSpPr>
       <p:grpSp>
         <p:nvGrpSpPr>
-          <p:cNvPr id="6" name="Gruppieren 5">
+          <p:cNvPr id="4" name="Gruppieren 3">
             <a:extLst>
               <a:ext uri="{FF2B5EF4-FFF2-40B4-BE49-F238E27FC236}">
-                <a16:creationId xmlns:a16="http://schemas.microsoft.com/office/drawing/2014/main" id="{E5387802-1AA9-E808-F282-55A7A5717C69}"/>
+                <a16:creationId xmlns:a16="http://schemas.microsoft.com/office/drawing/2014/main" id="{A37AFB3D-A332-0217-D750-15F03EFA2B45}"/>
               </a:ext>
             </a:extLst>
           </p:cNvPr>
@@ -4673,18 +6542,18 @@
         </p:nvGrpSpPr>
         <p:grpSpPr>
           <a:xfrm>
-            <a:off x="787179" y="4066199"/>
-            <a:ext cx="11346511" cy="461665"/>
-            <a:chOff x="787179" y="2237408"/>
-            <a:chExt cx="11346511" cy="461665"/>
+            <a:off x="762109" y="1718767"/>
+            <a:ext cx="11346511" cy="523220"/>
+            <a:chOff x="787179" y="2165083"/>
+            <a:chExt cx="11346511" cy="523220"/>
           </a:xfrm>
         </p:grpSpPr>
         <p:sp>
           <p:nvSpPr>
-            <p:cNvPr id="4" name="Rechteck 3">
+            <p:cNvPr id="6" name="Rechteck 5">
               <a:extLst>
                 <a:ext uri="{FF2B5EF4-FFF2-40B4-BE49-F238E27FC236}">
-                  <a16:creationId xmlns:a16="http://schemas.microsoft.com/office/drawing/2014/main" id="{74E1355A-9863-96C5-BB76-2A87F19763C2}"/>
+                  <a16:creationId xmlns:a16="http://schemas.microsoft.com/office/drawing/2014/main" id="{2AA76AEE-6F09-1477-A75B-D3AD02D7FB6B}"/>
                 </a:ext>
               </a:extLst>
             </p:cNvPr>
@@ -4693,8 +6562,8 @@
           </p:nvSpPr>
           <p:spPr>
             <a:xfrm>
-              <a:off x="787179" y="2337684"/>
-              <a:ext cx="11346511" cy="278295"/>
+              <a:off x="787179" y="2237408"/>
+              <a:ext cx="11346511" cy="378571"/>
             </a:xfrm>
             <a:prstGeom prst="rect">
               <a:avLst/>
@@ -4733,10 +6602,10 @@
         </p:sp>
         <p:sp>
           <p:nvSpPr>
-            <p:cNvPr id="5" name="Textfeld 4">
+            <p:cNvPr id="7" name="Textfeld 6">
               <a:extLst>
                 <a:ext uri="{FF2B5EF4-FFF2-40B4-BE49-F238E27FC236}">
-                  <a16:creationId xmlns:a16="http://schemas.microsoft.com/office/drawing/2014/main" id="{EBAC443B-7813-01C8-3675-BAEEE36D1808}"/>
+                  <a16:creationId xmlns:a16="http://schemas.microsoft.com/office/drawing/2014/main" id="{5893D9C1-DA64-6E86-D232-0FAFAA8DAA1E}"/>
                 </a:ext>
               </a:extLst>
             </p:cNvPr>
@@ -4745,8 +6614,8 @@
           </p:nvSpPr>
           <p:spPr>
             <a:xfrm>
-              <a:off x="787179" y="2237408"/>
-              <a:ext cx="572494" cy="461665"/>
+              <a:off x="787179" y="2165083"/>
+              <a:ext cx="572494" cy="523220"/>
             </a:xfrm>
             <a:prstGeom prst="rect">
               <a:avLst/>
@@ -4760,7 +6629,7 @@
             <a:lstStyle/>
             <a:p>
               <a:r>
-                <a:rPr lang="de-DE" sz="2400" dirty="0">
+                <a:rPr lang="de-DE" sz="2800" dirty="0">
                   <a:solidFill>
                     <a:schemeClr val="bg1"/>
                   </a:solidFill>
@@ -4790,78 +6659,45 @@
         </p:nvSpPr>
         <p:spPr/>
         <p:txBody>
-          <a:bodyPr/>
-          <a:lstStyle/>
-          <a:p>
-            <a:r>
-              <a:rPr lang="de-DE" dirty="0"/>
-              <a:t>Inhaltsverzeichnis</a:t>
-            </a:r>
-          </a:p>
-        </p:txBody>
-      </p:sp>
-      <p:sp>
-        <p:nvSpPr>
-          <p:cNvPr id="3" name="Inhaltsplatzhalter 2">
-            <a:extLst>
-              <a:ext uri="{FF2B5EF4-FFF2-40B4-BE49-F238E27FC236}">
-                <a16:creationId xmlns:a16="http://schemas.microsoft.com/office/drawing/2014/main" id="{770778E3-77F7-B10A-265F-E591E9E536E4}"/>
-              </a:ext>
-            </a:extLst>
-          </p:cNvPr>
-          <p:cNvSpPr>
-            <a:spLocks noGrp="1"/>
-          </p:cNvSpPr>
-          <p:nvPr>
-            <p:ph idx="1"/>
-          </p:nvPr>
-        </p:nvSpPr>
-        <p:spPr/>
-        <p:txBody>
           <a:bodyPr>
             <a:normAutofit/>
           </a:bodyPr>
           <a:lstStyle/>
           <a:p>
-            <a:pPr marL="0" indent="0">
-              <a:buNone/>
-            </a:pPr>
-            <a:r>
-              <a:rPr lang="de-DE" sz="2400" dirty="0">
-                <a:solidFill>
-                  <a:srgbClr val="44546A"/>
-                </a:solidFill>
-              </a:rPr>
-              <a:t>1.   Vorwissen</a:t>
-            </a:r>
-          </a:p>
-          <a:p>
-            <a:pPr marL="530352" lvl="1" indent="0">
-              <a:buNone/>
-            </a:pPr>
-            <a:r>
-              <a:rPr lang="de-DE" sz="2400" dirty="0"/>
-              <a:t>1.1    Was ist ein Prototyp?</a:t>
-            </a:r>
-          </a:p>
-          <a:p>
-            <a:pPr marL="530352" lvl="1" indent="0">
-              <a:buNone/>
-            </a:pPr>
-            <a:r>
-              <a:rPr lang="de-DE" sz="2400" dirty="0"/>
-              <a:t>1.2    Warum braucht man einen Prototypen?</a:t>
-            </a:r>
-          </a:p>
-          <a:p>
-            <a:pPr marL="530352" lvl="1" indent="0">
-              <a:buNone/>
-            </a:pPr>
-            <a:r>
-              <a:rPr lang="de-DE" sz="2400" dirty="0"/>
-              <a:t>1.3    Gibt es eine bestimmte Reihenfolge?</a:t>
-            </a:r>
-          </a:p>
+            <a:r>
+              <a:rPr lang="de-DE" sz="4800" dirty="0"/>
+              <a:t>Inhaltsverzeichnis</a:t>
+            </a:r>
+          </a:p>
+        </p:txBody>
+      </p:sp>
+      <p:sp>
+        <p:nvSpPr>
+          <p:cNvPr id="3" name="Inhaltsplatzhalter 2">
+            <a:extLst>
+              <a:ext uri="{FF2B5EF4-FFF2-40B4-BE49-F238E27FC236}">
+                <a16:creationId xmlns:a16="http://schemas.microsoft.com/office/drawing/2014/main" id="{770778E3-77F7-B10A-265F-E591E9E536E4}"/>
+              </a:ext>
+            </a:extLst>
+          </p:cNvPr>
+          <p:cNvSpPr>
+            <a:spLocks noGrp="1"/>
+          </p:cNvSpPr>
+          <p:nvPr>
+            <p:ph idx="1"/>
+          </p:nvPr>
+        </p:nvSpPr>
+        <p:spPr>
+          <a:xfrm>
+            <a:off x="1371600" y="1762811"/>
+            <a:ext cx="9601200" cy="4675695"/>
+          </a:xfrm>
+        </p:spPr>
+        <p:txBody>
+          <a:bodyPr>
+            <a:normAutofit/>
+          </a:bodyPr>
+          <a:lstStyle/>
           <a:p>
             <a:pPr marL="0" indent="0">
               <a:buNone/>
@@ -4872,7 +6708,79 @@
                   <a:schemeClr val="bg1"/>
                 </a:solidFill>
               </a:rPr>
-              <a:t>2.   Prozess bis zum Prototypen</a:t>
+              <a:t>1.   Vorwissen</a:t>
+            </a:r>
+          </a:p>
+          <a:p>
+            <a:pPr marL="530352" lvl="1" indent="0">
+              <a:buNone/>
+            </a:pPr>
+            <a:r>
+              <a:rPr lang="de-DE" dirty="0"/>
+              <a:t>1.1    Was ist ein Prototyp?</a:t>
+            </a:r>
+          </a:p>
+          <a:p>
+            <a:pPr marL="530352" lvl="1" indent="0">
+              <a:buNone/>
+            </a:pPr>
+            <a:r>
+              <a:rPr lang="de-DE" dirty="0"/>
+              <a:t>1.2    Warum braucht man einen Prototypen?</a:t>
+            </a:r>
+          </a:p>
+          <a:p>
+            <a:pPr marL="530352" lvl="1" indent="0">
+              <a:buNone/>
+            </a:pPr>
+            <a:r>
+              <a:rPr lang="de-DE" dirty="0"/>
+              <a:t>1.3    Gibt es eine bestimmte Reihenfolge?</a:t>
+            </a:r>
+          </a:p>
+          <a:p>
+            <a:pPr marL="457200" indent="-457200">
+              <a:buAutoNum type="arabicPeriod" startAt="2"/>
+            </a:pPr>
+            <a:r>
+              <a:rPr lang="de-DE" sz="2400" dirty="0"/>
+              <a:t>Prozess bis zum Prototypen</a:t>
+            </a:r>
+          </a:p>
+          <a:p>
+            <a:pPr marL="530352" lvl="1" indent="0">
+              <a:buNone/>
+            </a:pPr>
+            <a:r>
+              <a:rPr lang="de-DE" dirty="0"/>
+              <a:t>2.1    Vorarbeit</a:t>
+            </a:r>
+          </a:p>
+          <a:p>
+            <a:pPr marL="530352" lvl="1" indent="0">
+              <a:buNone/>
+            </a:pPr>
+            <a:r>
+              <a:rPr lang="de-DE" dirty="0"/>
+              <a:t>2.2    Sketch</a:t>
+            </a:r>
+          </a:p>
+          <a:p>
+            <a:pPr marL="530352" lvl="1" indent="0">
+              <a:buNone/>
+            </a:pPr>
+            <a:r>
+              <a:rPr lang="de-DE" dirty="0"/>
+              <a:t>2.3    Grundlagen unseres Prototypens</a:t>
+            </a:r>
+          </a:p>
+          <a:p>
+            <a:pPr marL="530352" lvl="1" indent="0">
+              <a:buNone/>
+            </a:pPr>
+            <a:r>
+              <a:rPr lang="de-DE" dirty="0"/>
+              <a:t>2.4    Struktur</a:t>
             </a:r>
           </a:p>
           <a:p>
@@ -4886,13 +6794,95 @@
           </a:p>
           <a:p>
             <a:endParaRPr lang="de-DE" sz="2400" dirty="0"/>
+          </a:p>
+        </p:txBody>
+      </p:sp>
+      <p:sp>
+        <p:nvSpPr>
+          <p:cNvPr id="5" name="Rechteck 4">
+            <a:extLst>
+              <a:ext uri="{FF2B5EF4-FFF2-40B4-BE49-F238E27FC236}">
+                <a16:creationId xmlns:a16="http://schemas.microsoft.com/office/drawing/2014/main" id="{9463CD00-C1C2-1A8C-C400-00BF2A4DB38A}"/>
+              </a:ext>
+            </a:extLst>
+          </p:cNvPr>
+          <p:cNvSpPr/>
+          <p:nvPr/>
+        </p:nvSpPr>
+        <p:spPr>
+          <a:xfrm>
+            <a:off x="641022" y="1400471"/>
+            <a:ext cx="11550978" cy="70112"/>
+          </a:xfrm>
+          <a:prstGeom prst="rect">
+            <a:avLst/>
+          </a:prstGeom>
+          <a:solidFill>
+            <a:srgbClr val="44546A"/>
+          </a:solidFill>
+          <a:ln>
+            <a:solidFill>
+              <a:srgbClr val="44546A"/>
+            </a:solidFill>
+          </a:ln>
+        </p:spPr>
+        <p:style>
+          <a:lnRef idx="2">
+            <a:schemeClr val="accent1">
+              <a:shade val="50000"/>
+            </a:schemeClr>
+          </a:lnRef>
+          <a:fillRef idx="1">
+            <a:schemeClr val="accent1"/>
+          </a:fillRef>
+          <a:effectRef idx="0">
+            <a:schemeClr val="accent1"/>
+          </a:effectRef>
+          <a:fontRef idx="minor">
+            <a:schemeClr val="lt1"/>
+          </a:fontRef>
+        </p:style>
+        <p:txBody>
+          <a:bodyPr rtlCol="0" anchor="ctr"/>
+          <a:lstStyle/>
+          <a:p>
+            <a:pPr algn="ctr"/>
+            <a:endParaRPr lang="de-DE"/>
+          </a:p>
+        </p:txBody>
+      </p:sp>
+      <p:sp>
+        <p:nvSpPr>
+          <p:cNvPr id="8" name="Fußzeilenplatzhalter 7">
+            <a:extLst>
+              <a:ext uri="{FF2B5EF4-FFF2-40B4-BE49-F238E27FC236}">
+                <a16:creationId xmlns:a16="http://schemas.microsoft.com/office/drawing/2014/main" id="{1EF96FBB-661D-C35D-886D-2D8598354FF4}"/>
+              </a:ext>
+            </a:extLst>
+          </p:cNvPr>
+          <p:cNvSpPr>
+            <a:spLocks noGrp="1"/>
+          </p:cNvSpPr>
+          <p:nvPr>
+            <p:ph type="ftr" sz="quarter" idx="11"/>
+          </p:nvPr>
+        </p:nvSpPr>
+        <p:spPr/>
+        <p:txBody>
+          <a:bodyPr/>
+          <a:lstStyle/>
+          <a:p>
+            <a:r>
+              <a:rPr lang="de-DE" dirty="0"/>
+              <a:t>28.02.2023 | Prototyp Gruppe 4 | Maksim Hermann</a:t>
+            </a:r>
           </a:p>
         </p:txBody>
       </p:sp>
     </p:spTree>
     <p:extLst>
       <p:ext uri="{BB962C8B-B14F-4D97-AF65-F5344CB8AC3E}">
-        <p14:creationId xmlns:p14="http://schemas.microsoft.com/office/powerpoint/2010/main" val="1394141972"/>
+        <p14:creationId xmlns:p14="http://schemas.microsoft.com/office/powerpoint/2010/main" val="758527963"/>
       </p:ext>
     </p:extLst>
   </p:cSld>
@@ -4905,7 +6895,7 @@
 </p:sld>
 </file>
 
-<file path=ppt/slides/slide8.xml><?xml version="1.0" encoding="utf-8"?>
+<file path=ppt/slides/slide4.xml><?xml version="1.0" encoding="utf-8"?>
 <p:sld xmlns:a="http://schemas.openxmlformats.org/drawingml/2006/main" xmlns:r="http://schemas.openxmlformats.org/officeDocument/2006/relationships" xmlns:p="http://schemas.openxmlformats.org/presentationml/2006/main">
   <p:cSld>
     <p:spTree>
@@ -4927,7 +6917,7 @@
           <p:cNvPr id="2" name="Titel 1">
             <a:extLst>
               <a:ext uri="{FF2B5EF4-FFF2-40B4-BE49-F238E27FC236}">
-                <a16:creationId xmlns:a16="http://schemas.microsoft.com/office/drawing/2014/main" id="{2C1497C9-0FF2-834F-2950-EE438F5513E8}"/>
+                <a16:creationId xmlns:a16="http://schemas.microsoft.com/office/drawing/2014/main" id="{3BB14AE9-B2E3-D5A3-4869-129F4843B0F5}"/>
               </a:ext>
             </a:extLst>
           </p:cNvPr>
@@ -4945,7 +6935,7 @@
           <a:p>
             <a:r>
               <a:rPr lang="de-DE" dirty="0"/>
-              <a:t>Prozess bis zum Prototypen</a:t>
+              <a:t>1.1 Was ist ein Prototyp?</a:t>
             </a:r>
           </a:p>
         </p:txBody>
@@ -4955,7 +6945,7 @@
           <p:cNvPr id="3" name="Inhaltsplatzhalter 2">
             <a:extLst>
               <a:ext uri="{FF2B5EF4-FFF2-40B4-BE49-F238E27FC236}">
-                <a16:creationId xmlns:a16="http://schemas.microsoft.com/office/drawing/2014/main" id="{84D8FF89-0796-4244-64C9-895A2C9A1A98}"/>
+                <a16:creationId xmlns:a16="http://schemas.microsoft.com/office/drawing/2014/main" id="{ECF3A306-6423-9E71-1D0F-34B6BDB89A24}"/>
               </a:ext>
             </a:extLst>
           </p:cNvPr>
@@ -4964,6 +6954,144 @@
           </p:cNvSpPr>
           <p:nvPr>
             <p:ph idx="1"/>
+          </p:nvPr>
+        </p:nvSpPr>
+        <p:spPr/>
+        <p:txBody>
+          <a:bodyPr>
+            <a:normAutofit lnSpcReduction="10000"/>
+          </a:bodyPr>
+          <a:lstStyle/>
+          <a:p>
+            <a:r>
+              <a:rPr lang="de-DE" sz="2400" dirty="0"/>
+              <a:t>Vereinfachtes Versuchsmodell</a:t>
+            </a:r>
+          </a:p>
+          <a:p>
+            <a:endParaRPr lang="de-DE" sz="2400" dirty="0"/>
+          </a:p>
+          <a:p>
+            <a:r>
+              <a:rPr lang="de-DE" sz="2400" dirty="0"/>
+              <a:t>Präsentationsmittel</a:t>
+            </a:r>
+          </a:p>
+          <a:p>
+            <a:endParaRPr lang="de-DE" sz="2400" dirty="0"/>
+          </a:p>
+          <a:p>
+            <a:r>
+              <a:rPr lang="de-DE" sz="2400" dirty="0"/>
+              <a:t>Verschieden Arten von Prototypen</a:t>
+            </a:r>
+          </a:p>
+          <a:p>
+            <a:pPr lvl="1"/>
+            <a:r>
+              <a:rPr lang="de-DE" sz="2400" dirty="0"/>
+              <a:t>Exploratives </a:t>
+            </a:r>
+            <a:r>
+              <a:rPr lang="de-DE" sz="2400" dirty="0" err="1"/>
+              <a:t>Prototyping</a:t>
+            </a:r>
+            <a:endParaRPr lang="de-DE" sz="2400" dirty="0"/>
+          </a:p>
+          <a:p>
+            <a:pPr lvl="1"/>
+            <a:r>
+              <a:rPr lang="de-DE" sz="2400" dirty="0"/>
+              <a:t>Experimentelles </a:t>
+            </a:r>
+            <a:r>
+              <a:rPr lang="de-DE" sz="2400" dirty="0" err="1"/>
+              <a:t>Prototyping</a:t>
+            </a:r>
+            <a:endParaRPr lang="de-DE" sz="2400" dirty="0"/>
+          </a:p>
+          <a:p>
+            <a:pPr lvl="1"/>
+            <a:r>
+              <a:rPr lang="de-DE" sz="2400" dirty="0"/>
+              <a:t>Evolutionäres </a:t>
+            </a:r>
+            <a:r>
+              <a:rPr lang="de-DE" sz="2400" dirty="0" err="1"/>
+              <a:t>Prototyping</a:t>
+            </a:r>
+            <a:endParaRPr lang="de-DE" sz="2400" dirty="0"/>
+          </a:p>
+        </p:txBody>
+      </p:sp>
+      <p:sp>
+        <p:nvSpPr>
+          <p:cNvPr id="5" name="Rechteck 4">
+            <a:extLst>
+              <a:ext uri="{FF2B5EF4-FFF2-40B4-BE49-F238E27FC236}">
+                <a16:creationId xmlns:a16="http://schemas.microsoft.com/office/drawing/2014/main" id="{9FBE77C2-563B-6926-47AB-F9ED91EDD630}"/>
+              </a:ext>
+            </a:extLst>
+          </p:cNvPr>
+          <p:cNvSpPr/>
+          <p:nvPr/>
+        </p:nvSpPr>
+        <p:spPr>
+          <a:xfrm>
+            <a:off x="641022" y="1400471"/>
+            <a:ext cx="11550978" cy="70112"/>
+          </a:xfrm>
+          <a:prstGeom prst="rect">
+            <a:avLst/>
+          </a:prstGeom>
+          <a:solidFill>
+            <a:srgbClr val="44546A"/>
+          </a:solidFill>
+          <a:ln>
+            <a:solidFill>
+              <a:srgbClr val="44546A"/>
+            </a:solidFill>
+          </a:ln>
+        </p:spPr>
+        <p:style>
+          <a:lnRef idx="2">
+            <a:schemeClr val="accent1">
+              <a:shade val="50000"/>
+            </a:schemeClr>
+          </a:lnRef>
+          <a:fillRef idx="1">
+            <a:schemeClr val="accent1"/>
+          </a:fillRef>
+          <a:effectRef idx="0">
+            <a:schemeClr val="accent1"/>
+          </a:effectRef>
+          <a:fontRef idx="minor">
+            <a:schemeClr val="lt1"/>
+          </a:fontRef>
+        </p:style>
+        <p:txBody>
+          <a:bodyPr rtlCol="0" anchor="ctr"/>
+          <a:lstStyle/>
+          <a:p>
+            <a:pPr algn="ctr"/>
+            <a:endParaRPr lang="de-DE"/>
+          </a:p>
+        </p:txBody>
+      </p:sp>
+      <p:sp>
+        <p:nvSpPr>
+          <p:cNvPr id="6" name="Fußzeilenplatzhalter 5">
+            <a:extLst>
+              <a:ext uri="{FF2B5EF4-FFF2-40B4-BE49-F238E27FC236}">
+                <a16:creationId xmlns:a16="http://schemas.microsoft.com/office/drawing/2014/main" id="{255A02C8-273E-C64F-D6B4-73029CF0AE36}"/>
+              </a:ext>
+            </a:extLst>
+          </p:cNvPr>
+          <p:cNvSpPr>
+            <a:spLocks noGrp="1"/>
+          </p:cNvSpPr>
+          <p:nvPr>
+            <p:ph type="ftr" sz="quarter" idx="11"/>
           </p:nvPr>
         </p:nvSpPr>
         <p:spPr/>
@@ -4971,14 +7099,53 @@
           <a:bodyPr/>
           <a:lstStyle/>
           <a:p>
-            <a:endParaRPr lang="de-DE"/>
-          </a:p>
-        </p:txBody>
-      </p:sp>
+            <a:r>
+              <a:rPr lang="de-DE" dirty="0"/>
+              <a:t>28.02.2023 | Prototyp Gruppe 4 | Maksim Hermann</a:t>
+            </a:r>
+          </a:p>
+        </p:txBody>
+      </p:sp>
+      <p:pic>
+        <p:nvPicPr>
+          <p:cNvPr id="8" name="Grafik 7">
+            <a:extLst>
+              <a:ext uri="{FF2B5EF4-FFF2-40B4-BE49-F238E27FC236}">
+                <a16:creationId xmlns:a16="http://schemas.microsoft.com/office/drawing/2014/main" id="{2D5BC6B1-71D6-D23F-405F-44650A059817}"/>
+              </a:ext>
+            </a:extLst>
+          </p:cNvPr>
+          <p:cNvPicPr>
+            <a:picLocks noChangeAspect="1"/>
+          </p:cNvPicPr>
+          <p:nvPr/>
+        </p:nvPicPr>
+        <p:blipFill>
+          <a:blip r:embed="rId2">
+            <a:extLst>
+              <a:ext uri="{28A0092B-C50C-407E-A947-70E740481C1C}">
+                <a14:useLocalDpi xmlns:a14="http://schemas.microsoft.com/office/drawing/2010/main" val="0"/>
+              </a:ext>
+            </a:extLst>
+          </a:blip>
+          <a:stretch>
+            <a:fillRect/>
+          </a:stretch>
+        </p:blipFill>
+        <p:spPr>
+          <a:xfrm>
+            <a:off x="7816323" y="2968076"/>
+            <a:ext cx="1485900" cy="1485900"/>
+          </a:xfrm>
+          <a:prstGeom prst="rect">
+            <a:avLst/>
+          </a:prstGeom>
+        </p:spPr>
+      </p:pic>
     </p:spTree>
     <p:extLst>
       <p:ext uri="{BB962C8B-B14F-4D97-AF65-F5344CB8AC3E}">
-        <p14:creationId xmlns:p14="http://schemas.microsoft.com/office/powerpoint/2010/main" val="2752309581"/>
+        <p14:creationId xmlns:p14="http://schemas.microsoft.com/office/powerpoint/2010/main" val="2515717183"/>
       </p:ext>
     </p:extLst>
   </p:cSld>
@@ -4991,7 +7158,428 @@
 </p:sld>
 </file>
 
-<file path=ppt/slides/slide9.xml><?xml version="1.0" encoding="utf-8"?>
+<file path=ppt/slides/slide5.xml><?xml version="1.0" encoding="utf-8"?>
+<p:sld xmlns:a="http://schemas.openxmlformats.org/drawingml/2006/main" xmlns:r="http://schemas.openxmlformats.org/officeDocument/2006/relationships" xmlns:p="http://schemas.openxmlformats.org/presentationml/2006/main">
+  <p:cSld>
+    <p:spTree>
+      <p:nvGrpSpPr>
+        <p:cNvPr id="1" name=""/>
+        <p:cNvGrpSpPr/>
+        <p:nvPr/>
+      </p:nvGrpSpPr>
+      <p:grpSpPr>
+        <a:xfrm>
+          <a:off x="0" y="0"/>
+          <a:ext cx="0" cy="0"/>
+          <a:chOff x="0" y="0"/>
+          <a:chExt cx="0" cy="0"/>
+        </a:xfrm>
+      </p:grpSpPr>
+      <p:sp>
+        <p:nvSpPr>
+          <p:cNvPr id="2" name="Titel 1">
+            <a:extLst>
+              <a:ext uri="{FF2B5EF4-FFF2-40B4-BE49-F238E27FC236}">
+                <a16:creationId xmlns:a16="http://schemas.microsoft.com/office/drawing/2014/main" id="{62D9C4A3-5F6A-64BF-2224-3ABD457763FF}"/>
+              </a:ext>
+            </a:extLst>
+          </p:cNvPr>
+          <p:cNvSpPr>
+            <a:spLocks noGrp="1"/>
+          </p:cNvSpPr>
+          <p:nvPr>
+            <p:ph type="title"/>
+          </p:nvPr>
+        </p:nvSpPr>
+        <p:spPr>
+          <a:xfrm>
+            <a:off x="1371600" y="685800"/>
+            <a:ext cx="10515600" cy="1485900"/>
+          </a:xfrm>
+        </p:spPr>
+        <p:txBody>
+          <a:bodyPr/>
+          <a:lstStyle/>
+          <a:p>
+            <a:r>
+              <a:rPr lang="de-DE" dirty="0"/>
+              <a:t>1.2 Warum braucht man einen Prototypen?</a:t>
+            </a:r>
+          </a:p>
+        </p:txBody>
+      </p:sp>
+      <p:sp>
+        <p:nvSpPr>
+          <p:cNvPr id="3" name="Inhaltsplatzhalter 2">
+            <a:extLst>
+              <a:ext uri="{FF2B5EF4-FFF2-40B4-BE49-F238E27FC236}">
+                <a16:creationId xmlns:a16="http://schemas.microsoft.com/office/drawing/2014/main" id="{F9580804-B959-25B7-1EB9-4E6039E66F96}"/>
+              </a:ext>
+            </a:extLst>
+          </p:cNvPr>
+          <p:cNvSpPr>
+            <a:spLocks noGrp="1"/>
+          </p:cNvSpPr>
+          <p:nvPr>
+            <p:ph idx="1"/>
+          </p:nvPr>
+        </p:nvSpPr>
+        <p:spPr/>
+        <p:txBody>
+          <a:bodyPr>
+            <a:normAutofit/>
+          </a:bodyPr>
+          <a:lstStyle/>
+          <a:p>
+            <a:r>
+              <a:rPr lang="de-DE" sz="2400" dirty="0"/>
+              <a:t>Vorstellung für die Stakeholder</a:t>
+            </a:r>
+          </a:p>
+          <a:p>
+            <a:endParaRPr lang="de-DE" sz="2400" dirty="0"/>
+          </a:p>
+          <a:p>
+            <a:r>
+              <a:rPr lang="de-DE" sz="2400" dirty="0"/>
+              <a:t>Erste Funktionen werden getestet</a:t>
+            </a:r>
+          </a:p>
+          <a:p>
+            <a:endParaRPr lang="de-DE" sz="2400" dirty="0"/>
+          </a:p>
+          <a:p>
+            <a:r>
+              <a:rPr lang="de-DE" sz="2400" dirty="0"/>
+              <a:t>Fortschritt festhalten</a:t>
+            </a:r>
+          </a:p>
+        </p:txBody>
+      </p:sp>
+      <p:sp>
+        <p:nvSpPr>
+          <p:cNvPr id="4" name="Rechteck 3">
+            <a:extLst>
+              <a:ext uri="{FF2B5EF4-FFF2-40B4-BE49-F238E27FC236}">
+                <a16:creationId xmlns:a16="http://schemas.microsoft.com/office/drawing/2014/main" id="{8702F990-CA04-7223-84BF-9E278C4B0E4B}"/>
+              </a:ext>
+            </a:extLst>
+          </p:cNvPr>
+          <p:cNvSpPr/>
+          <p:nvPr/>
+        </p:nvSpPr>
+        <p:spPr>
+          <a:xfrm>
+            <a:off x="641022" y="1400471"/>
+            <a:ext cx="11550978" cy="70112"/>
+          </a:xfrm>
+          <a:prstGeom prst="rect">
+            <a:avLst/>
+          </a:prstGeom>
+          <a:solidFill>
+            <a:srgbClr val="44546A"/>
+          </a:solidFill>
+          <a:ln>
+            <a:solidFill>
+              <a:srgbClr val="44546A"/>
+            </a:solidFill>
+          </a:ln>
+        </p:spPr>
+        <p:style>
+          <a:lnRef idx="2">
+            <a:schemeClr val="accent1">
+              <a:shade val="50000"/>
+            </a:schemeClr>
+          </a:lnRef>
+          <a:fillRef idx="1">
+            <a:schemeClr val="accent1"/>
+          </a:fillRef>
+          <a:effectRef idx="0">
+            <a:schemeClr val="accent1"/>
+          </a:effectRef>
+          <a:fontRef idx="minor">
+            <a:schemeClr val="lt1"/>
+          </a:fontRef>
+        </p:style>
+        <p:txBody>
+          <a:bodyPr rtlCol="0" anchor="ctr"/>
+          <a:lstStyle/>
+          <a:p>
+            <a:pPr algn="ctr"/>
+            <a:endParaRPr lang="de-DE"/>
+          </a:p>
+        </p:txBody>
+      </p:sp>
+      <p:sp>
+        <p:nvSpPr>
+          <p:cNvPr id="5" name="Fußzeilenplatzhalter 4">
+            <a:extLst>
+              <a:ext uri="{FF2B5EF4-FFF2-40B4-BE49-F238E27FC236}">
+                <a16:creationId xmlns:a16="http://schemas.microsoft.com/office/drawing/2014/main" id="{04A55052-1428-48C0-694A-92D6BD7B405A}"/>
+              </a:ext>
+            </a:extLst>
+          </p:cNvPr>
+          <p:cNvSpPr>
+            <a:spLocks noGrp="1"/>
+          </p:cNvSpPr>
+          <p:nvPr>
+            <p:ph type="ftr" sz="quarter" idx="11"/>
+          </p:nvPr>
+        </p:nvSpPr>
+        <p:spPr/>
+        <p:txBody>
+          <a:bodyPr/>
+          <a:lstStyle/>
+          <a:p>
+            <a:r>
+              <a:rPr lang="de-DE" dirty="0"/>
+              <a:t>28.02.2023 | Prototyp Gruppe 4 | Maksim Hermann</a:t>
+            </a:r>
+          </a:p>
+        </p:txBody>
+      </p:sp>
+      <p:pic>
+        <p:nvPicPr>
+          <p:cNvPr id="7" name="Grafik 6">
+            <a:extLst>
+              <a:ext uri="{FF2B5EF4-FFF2-40B4-BE49-F238E27FC236}">
+                <a16:creationId xmlns:a16="http://schemas.microsoft.com/office/drawing/2014/main" id="{E8E06210-4D02-6B31-E8A9-348AC11581A5}"/>
+              </a:ext>
+            </a:extLst>
+          </p:cNvPr>
+          <p:cNvPicPr>
+            <a:picLocks noChangeAspect="1"/>
+          </p:cNvPicPr>
+          <p:nvPr/>
+        </p:nvPicPr>
+        <p:blipFill>
+          <a:blip r:embed="rId2">
+            <a:alphaModFix/>
+            <a:biLevel thresh="25000"/>
+            <a:extLst>
+              <a:ext uri="{BEBA8EAE-BF5A-486C-A8C5-ECC9F3942E4B}">
+                <a14:imgProps xmlns:a14="http://schemas.microsoft.com/office/drawing/2010/main">
+                  <a14:imgLayer r:embed="rId3">
+                    <a14:imgEffect>
+                      <a14:saturation sat="400000"/>
+                    </a14:imgEffect>
+                  </a14:imgLayer>
+                </a14:imgProps>
+              </a:ext>
+              <a:ext uri="{28A0092B-C50C-407E-A947-70E740481C1C}">
+                <a14:useLocalDpi xmlns:a14="http://schemas.microsoft.com/office/drawing/2010/main" val="0"/>
+              </a:ext>
+            </a:extLst>
+          </a:blip>
+          <a:stretch>
+            <a:fillRect/>
+          </a:stretch>
+        </p:blipFill>
+        <p:spPr>
+          <a:xfrm>
+            <a:off x="8232313" y="3224191"/>
+            <a:ext cx="2877820" cy="2877820"/>
+          </a:xfrm>
+          <a:prstGeom prst="rect">
+            <a:avLst/>
+          </a:prstGeom>
+        </p:spPr>
+      </p:pic>
+    </p:spTree>
+    <p:extLst>
+      <p:ext uri="{BB962C8B-B14F-4D97-AF65-F5344CB8AC3E}">
+        <p14:creationId xmlns:p14="http://schemas.microsoft.com/office/powerpoint/2010/main" val="2631587243"/>
+      </p:ext>
+    </p:extLst>
+  </p:cSld>
+  <p:clrMapOvr>
+    <a:masterClrMapping/>
+  </p:clrMapOvr>
+  <p:transition spd="slow">
+    <p:push dir="u"/>
+  </p:transition>
+</p:sld>
+</file>
+
+<file path=ppt/slides/slide6.xml><?xml version="1.0" encoding="utf-8"?>
+<p:sld xmlns:a="http://schemas.openxmlformats.org/drawingml/2006/main" xmlns:r="http://schemas.openxmlformats.org/officeDocument/2006/relationships" xmlns:p="http://schemas.openxmlformats.org/presentationml/2006/main">
+  <p:cSld>
+    <p:spTree>
+      <p:nvGrpSpPr>
+        <p:cNvPr id="1" name=""/>
+        <p:cNvGrpSpPr/>
+        <p:nvPr/>
+      </p:nvGrpSpPr>
+      <p:grpSpPr>
+        <a:xfrm>
+          <a:off x="0" y="0"/>
+          <a:ext cx="0" cy="0"/>
+          <a:chOff x="0" y="0"/>
+          <a:chExt cx="0" cy="0"/>
+        </a:xfrm>
+      </p:grpSpPr>
+      <p:sp>
+        <p:nvSpPr>
+          <p:cNvPr id="2" name="Titel 1">
+            <a:extLst>
+              <a:ext uri="{FF2B5EF4-FFF2-40B4-BE49-F238E27FC236}">
+                <a16:creationId xmlns:a16="http://schemas.microsoft.com/office/drawing/2014/main" id="{2C1497C9-0FF2-834F-2950-EE438F5513E8}"/>
+              </a:ext>
+            </a:extLst>
+          </p:cNvPr>
+          <p:cNvSpPr>
+            <a:spLocks noGrp="1"/>
+          </p:cNvSpPr>
+          <p:nvPr>
+            <p:ph type="title"/>
+          </p:nvPr>
+        </p:nvSpPr>
+        <p:spPr>
+          <a:xfrm>
+            <a:off x="1371600" y="685800"/>
+            <a:ext cx="10179378" cy="1485900"/>
+          </a:xfrm>
+        </p:spPr>
+        <p:txBody>
+          <a:bodyPr/>
+          <a:lstStyle/>
+          <a:p>
+            <a:r>
+              <a:rPr lang="de-DE" dirty="0"/>
+              <a:t>1.3 Gibt es eine bestimmte Reihenfolge?</a:t>
+            </a:r>
+          </a:p>
+        </p:txBody>
+      </p:sp>
+      <p:sp>
+        <p:nvSpPr>
+          <p:cNvPr id="4" name="Rechteck 3">
+            <a:extLst>
+              <a:ext uri="{FF2B5EF4-FFF2-40B4-BE49-F238E27FC236}">
+                <a16:creationId xmlns:a16="http://schemas.microsoft.com/office/drawing/2014/main" id="{FBA53AFA-1D26-A663-193C-877EC981A73E}"/>
+              </a:ext>
+            </a:extLst>
+          </p:cNvPr>
+          <p:cNvSpPr/>
+          <p:nvPr/>
+        </p:nvSpPr>
+        <p:spPr>
+          <a:xfrm>
+            <a:off x="641022" y="1400471"/>
+            <a:ext cx="11550978" cy="70112"/>
+          </a:xfrm>
+          <a:prstGeom prst="rect">
+            <a:avLst/>
+          </a:prstGeom>
+          <a:solidFill>
+            <a:srgbClr val="44546A"/>
+          </a:solidFill>
+          <a:ln>
+            <a:solidFill>
+              <a:srgbClr val="44546A"/>
+            </a:solidFill>
+          </a:ln>
+        </p:spPr>
+        <p:style>
+          <a:lnRef idx="2">
+            <a:schemeClr val="accent1">
+              <a:shade val="50000"/>
+            </a:schemeClr>
+          </a:lnRef>
+          <a:fillRef idx="1">
+            <a:schemeClr val="accent1"/>
+          </a:fillRef>
+          <a:effectRef idx="0">
+            <a:schemeClr val="accent1"/>
+          </a:effectRef>
+          <a:fontRef idx="minor">
+            <a:schemeClr val="lt1"/>
+          </a:fontRef>
+        </p:style>
+        <p:txBody>
+          <a:bodyPr rtlCol="0" anchor="ctr"/>
+          <a:lstStyle/>
+          <a:p>
+            <a:pPr algn="ctr"/>
+            <a:endParaRPr lang="de-DE"/>
+          </a:p>
+        </p:txBody>
+      </p:sp>
+      <p:sp>
+        <p:nvSpPr>
+          <p:cNvPr id="5" name="Fußzeilenplatzhalter 4">
+            <a:extLst>
+              <a:ext uri="{FF2B5EF4-FFF2-40B4-BE49-F238E27FC236}">
+                <a16:creationId xmlns:a16="http://schemas.microsoft.com/office/drawing/2014/main" id="{2FD8A6C9-0AB1-B4B3-EA44-14A8ED06FC5C}"/>
+              </a:ext>
+            </a:extLst>
+          </p:cNvPr>
+          <p:cNvSpPr>
+            <a:spLocks noGrp="1"/>
+          </p:cNvSpPr>
+          <p:nvPr>
+            <p:ph type="ftr" sz="quarter" idx="11"/>
+          </p:nvPr>
+        </p:nvSpPr>
+        <p:spPr/>
+        <p:txBody>
+          <a:bodyPr/>
+          <a:lstStyle/>
+          <a:p>
+            <a:r>
+              <a:rPr lang="de-DE" dirty="0"/>
+              <a:t>28.02.2023 | Prototyp Gruppe 4 | Maksim Hermann</a:t>
+            </a:r>
+          </a:p>
+        </p:txBody>
+      </p:sp>
+      <p:pic>
+        <p:nvPicPr>
+          <p:cNvPr id="11" name="Grafik 10">
+            <a:extLst>
+              <a:ext uri="{FF2B5EF4-FFF2-40B4-BE49-F238E27FC236}">
+                <a16:creationId xmlns:a16="http://schemas.microsoft.com/office/drawing/2014/main" id="{92A72B18-9E51-98A0-BA2B-0271504B8C6B}"/>
+              </a:ext>
+            </a:extLst>
+          </p:cNvPr>
+          <p:cNvPicPr>
+            <a:picLocks noChangeAspect="1"/>
+          </p:cNvPicPr>
+          <p:nvPr/>
+        </p:nvPicPr>
+        <p:blipFill>
+          <a:blip r:embed="rId2"/>
+          <a:stretch>
+            <a:fillRect/>
+          </a:stretch>
+        </p:blipFill>
+        <p:spPr>
+          <a:xfrm>
+            <a:off x="1083336" y="2071966"/>
+            <a:ext cx="10666350" cy="3654903"/>
+          </a:xfrm>
+          <a:prstGeom prst="rect">
+            <a:avLst/>
+          </a:prstGeom>
+        </p:spPr>
+      </p:pic>
+    </p:spTree>
+    <p:extLst>
+      <p:ext uri="{BB962C8B-B14F-4D97-AF65-F5344CB8AC3E}">
+        <p14:creationId xmlns:p14="http://schemas.microsoft.com/office/powerpoint/2010/main" val="1547304804"/>
+      </p:ext>
+    </p:extLst>
+  </p:cSld>
+  <p:clrMapOvr>
+    <a:masterClrMapping/>
+  </p:clrMapOvr>
+  <p:transition spd="slow">
+    <p:push dir="u"/>
+  </p:transition>
+</p:sld>
+</file>
+
+<file path=ppt/slides/slide7.xml><?xml version="1.0" encoding="utf-8"?>
 <p:sld xmlns:a="http://schemas.openxmlformats.org/drawingml/2006/main" xmlns:r="http://schemas.openxmlformats.org/officeDocument/2006/relationships" xmlns:p="http://schemas.openxmlformats.org/presentationml/2006/main">
   <p:cSld>
     <p:spTree>
@@ -5010,10 +7598,10 @@
       </p:grpSpPr>
       <p:grpSp>
         <p:nvGrpSpPr>
-          <p:cNvPr id="6" name="Gruppieren 5">
+          <p:cNvPr id="4" name="Gruppieren 3">
             <a:extLst>
               <a:ext uri="{FF2B5EF4-FFF2-40B4-BE49-F238E27FC236}">
-                <a16:creationId xmlns:a16="http://schemas.microsoft.com/office/drawing/2014/main" id="{E5387802-1AA9-E808-F282-55A7A5717C69}"/>
+                <a16:creationId xmlns:a16="http://schemas.microsoft.com/office/drawing/2014/main" id="{A37AFB3D-A332-0217-D750-15F03EFA2B45}"/>
               </a:ext>
             </a:extLst>
           </p:cNvPr>
@@ -5022,18 +7610,18 @@
         </p:nvGrpSpPr>
         <p:grpSpPr>
           <a:xfrm>
-            <a:off x="787179" y="4559180"/>
-            <a:ext cx="11346511" cy="461665"/>
-            <a:chOff x="787179" y="2237408"/>
-            <a:chExt cx="11346511" cy="461665"/>
+            <a:off x="762109" y="3349607"/>
+            <a:ext cx="11346511" cy="523220"/>
+            <a:chOff x="787179" y="2165083"/>
+            <a:chExt cx="11346511" cy="523220"/>
           </a:xfrm>
         </p:grpSpPr>
         <p:sp>
           <p:nvSpPr>
-            <p:cNvPr id="4" name="Rechteck 3">
+            <p:cNvPr id="6" name="Rechteck 5">
               <a:extLst>
                 <a:ext uri="{FF2B5EF4-FFF2-40B4-BE49-F238E27FC236}">
-                  <a16:creationId xmlns:a16="http://schemas.microsoft.com/office/drawing/2014/main" id="{74E1355A-9863-96C5-BB76-2A87F19763C2}"/>
+                  <a16:creationId xmlns:a16="http://schemas.microsoft.com/office/drawing/2014/main" id="{2AA76AEE-6F09-1477-A75B-D3AD02D7FB6B}"/>
                 </a:ext>
               </a:extLst>
             </p:cNvPr>
@@ -5042,8 +7630,8 @@
           </p:nvSpPr>
           <p:spPr>
             <a:xfrm>
-              <a:off x="787179" y="2337684"/>
-              <a:ext cx="11346511" cy="278295"/>
+              <a:off x="787179" y="2237408"/>
+              <a:ext cx="11346511" cy="378571"/>
             </a:xfrm>
             <a:prstGeom prst="rect">
               <a:avLst/>
@@ -5082,10 +7670,10 @@
         </p:sp>
         <p:sp>
           <p:nvSpPr>
-            <p:cNvPr id="5" name="Textfeld 4">
+            <p:cNvPr id="7" name="Textfeld 6">
               <a:extLst>
                 <a:ext uri="{FF2B5EF4-FFF2-40B4-BE49-F238E27FC236}">
-                  <a16:creationId xmlns:a16="http://schemas.microsoft.com/office/drawing/2014/main" id="{EBAC443B-7813-01C8-3675-BAEEE36D1808}"/>
+                  <a16:creationId xmlns:a16="http://schemas.microsoft.com/office/drawing/2014/main" id="{5893D9C1-DA64-6E86-D232-0FAFAA8DAA1E}"/>
                 </a:ext>
               </a:extLst>
             </p:cNvPr>
@@ -5094,8 +7682,8 @@
           </p:nvSpPr>
           <p:spPr>
             <a:xfrm>
-              <a:off x="787179" y="2237408"/>
-              <a:ext cx="572494" cy="461665"/>
+              <a:off x="787179" y="2165083"/>
+              <a:ext cx="572494" cy="523220"/>
             </a:xfrm>
             <a:prstGeom prst="rect">
               <a:avLst/>
@@ -5109,7 +7697,7 @@
             <a:lstStyle/>
             <a:p>
               <a:r>
-                <a:rPr lang="de-DE" sz="2400" dirty="0">
+                <a:rPr lang="de-DE" sz="2800" dirty="0">
                   <a:solidFill>
                     <a:schemeClr val="bg1"/>
                   </a:solidFill>
@@ -5139,11 +7727,13 @@
         </p:nvSpPr>
         <p:spPr/>
         <p:txBody>
-          <a:bodyPr/>
+          <a:bodyPr>
+            <a:normAutofit/>
+          </a:bodyPr>
           <a:lstStyle/>
           <a:p>
             <a:r>
-              <a:rPr lang="de-DE" dirty="0"/>
+              <a:rPr lang="de-DE" sz="4800" dirty="0"/>
               <a:t>Inhaltsverzeichnis</a:t>
             </a:r>
           </a:p>
@@ -5165,7 +7755,12 @@
             <p:ph idx="1"/>
           </p:nvPr>
         </p:nvSpPr>
-        <p:spPr/>
+        <p:spPr>
+          <a:xfrm>
+            <a:off x="1371600" y="1762811"/>
+            <a:ext cx="9601200" cy="4675695"/>
+          </a:xfrm>
+        </p:spPr>
         <p:txBody>
           <a:bodyPr>
             <a:normAutofit/>
@@ -5189,7 +7784,7 @@
               <a:buNone/>
             </a:pPr>
             <a:r>
-              <a:rPr lang="de-DE" sz="2400" dirty="0"/>
+              <a:rPr lang="de-DE" dirty="0"/>
               <a:t>1.1    Was ist ein Prototyp?</a:t>
             </a:r>
           </a:p>
@@ -5198,7 +7793,7 @@
               <a:buNone/>
             </a:pPr>
             <a:r>
-              <a:rPr lang="de-DE" sz="2400" dirty="0"/>
+              <a:rPr lang="de-DE" dirty="0"/>
               <a:t>1.2    Warum braucht man einen Prototypen?</a:t>
             </a:r>
           </a:p>
@@ -5207,26 +7802,13 @@
               <a:buNone/>
             </a:pPr>
             <a:r>
-              <a:rPr lang="de-DE" sz="2400" dirty="0"/>
+              <a:rPr lang="de-DE" dirty="0"/>
               <a:t>1.3    Gibt es eine bestimmte Reihenfolge?</a:t>
             </a:r>
           </a:p>
           <a:p>
-            <a:pPr marL="0" indent="0">
-              <a:buNone/>
-            </a:pPr>
-            <a:r>
-              <a:rPr lang="de-DE" sz="2400" dirty="0">
-                <a:solidFill>
-                  <a:srgbClr val="44546A"/>
-                </a:solidFill>
-              </a:rPr>
-              <a:t>2.   Prozess bis zum Prototypen</a:t>
-            </a:r>
-          </a:p>
-          <a:p>
-            <a:pPr marL="0" indent="0">
-              <a:buNone/>
+            <a:pPr marL="457200" indent="-457200">
+              <a:buAutoNum type="arabicPeriod" startAt="2"/>
             </a:pPr>
             <a:r>
               <a:rPr lang="de-DE" sz="2400" dirty="0">
@@ -5234,18 +7816,637 @@
                   <a:schemeClr val="bg1"/>
                 </a:solidFill>
               </a:rPr>
+              <a:t>Prozess bis zum Prototypen</a:t>
+            </a:r>
+          </a:p>
+          <a:p>
+            <a:pPr marL="530352" lvl="1" indent="0">
+              <a:buNone/>
+            </a:pPr>
+            <a:r>
+              <a:rPr lang="de-DE" dirty="0"/>
+              <a:t>2.1    Vorarbeit</a:t>
+            </a:r>
+          </a:p>
+          <a:p>
+            <a:pPr marL="530352" lvl="1" indent="0">
+              <a:buNone/>
+            </a:pPr>
+            <a:r>
+              <a:rPr lang="de-DE" dirty="0"/>
+              <a:t>2.2    Sketch</a:t>
+            </a:r>
+          </a:p>
+          <a:p>
+            <a:pPr marL="530352" lvl="1" indent="0">
+              <a:buNone/>
+            </a:pPr>
+            <a:r>
+              <a:rPr lang="de-DE" dirty="0"/>
+              <a:t>2.3    Grundlagen unseres Prototypens</a:t>
+            </a:r>
+          </a:p>
+          <a:p>
+            <a:pPr marL="530352" lvl="1" indent="0">
+              <a:buNone/>
+            </a:pPr>
+            <a:r>
+              <a:rPr lang="de-DE" dirty="0"/>
+              <a:t>2.4    Ordnerstruktur</a:t>
+            </a:r>
+          </a:p>
+          <a:p>
+            <a:pPr marL="0" indent="0">
+              <a:buNone/>
+            </a:pPr>
+            <a:r>
+              <a:rPr lang="de-DE" sz="2400" dirty="0"/>
               <a:t>3.   Prototyp</a:t>
             </a:r>
           </a:p>
           <a:p>
             <a:endParaRPr lang="de-DE" sz="2400" dirty="0"/>
+          </a:p>
+        </p:txBody>
+      </p:sp>
+      <p:sp>
+        <p:nvSpPr>
+          <p:cNvPr id="5" name="Rechteck 4">
+            <a:extLst>
+              <a:ext uri="{FF2B5EF4-FFF2-40B4-BE49-F238E27FC236}">
+                <a16:creationId xmlns:a16="http://schemas.microsoft.com/office/drawing/2014/main" id="{9463CD00-C1C2-1A8C-C400-00BF2A4DB38A}"/>
+              </a:ext>
+            </a:extLst>
+          </p:cNvPr>
+          <p:cNvSpPr/>
+          <p:nvPr/>
+        </p:nvSpPr>
+        <p:spPr>
+          <a:xfrm>
+            <a:off x="641022" y="1400471"/>
+            <a:ext cx="11550978" cy="70112"/>
+          </a:xfrm>
+          <a:prstGeom prst="rect">
+            <a:avLst/>
+          </a:prstGeom>
+          <a:solidFill>
+            <a:srgbClr val="44546A"/>
+          </a:solidFill>
+          <a:ln>
+            <a:solidFill>
+              <a:srgbClr val="44546A"/>
+            </a:solidFill>
+          </a:ln>
+        </p:spPr>
+        <p:style>
+          <a:lnRef idx="2">
+            <a:schemeClr val="accent1">
+              <a:shade val="50000"/>
+            </a:schemeClr>
+          </a:lnRef>
+          <a:fillRef idx="1">
+            <a:schemeClr val="accent1"/>
+          </a:fillRef>
+          <a:effectRef idx="0">
+            <a:schemeClr val="accent1"/>
+          </a:effectRef>
+          <a:fontRef idx="minor">
+            <a:schemeClr val="lt1"/>
+          </a:fontRef>
+        </p:style>
+        <p:txBody>
+          <a:bodyPr rtlCol="0" anchor="ctr"/>
+          <a:lstStyle/>
+          <a:p>
+            <a:pPr algn="ctr"/>
+            <a:endParaRPr lang="de-DE"/>
+          </a:p>
+        </p:txBody>
+      </p:sp>
+      <p:sp>
+        <p:nvSpPr>
+          <p:cNvPr id="8" name="Fußzeilenplatzhalter 7">
+            <a:extLst>
+              <a:ext uri="{FF2B5EF4-FFF2-40B4-BE49-F238E27FC236}">
+                <a16:creationId xmlns:a16="http://schemas.microsoft.com/office/drawing/2014/main" id="{FD5E11C2-77D9-6B55-B70A-1BB9A2A1F2CE}"/>
+              </a:ext>
+            </a:extLst>
+          </p:cNvPr>
+          <p:cNvSpPr>
+            <a:spLocks noGrp="1"/>
+          </p:cNvSpPr>
+          <p:nvPr>
+            <p:ph type="ftr" sz="quarter" idx="11"/>
+          </p:nvPr>
+        </p:nvSpPr>
+        <p:spPr/>
+        <p:txBody>
+          <a:bodyPr/>
+          <a:lstStyle/>
+          <a:p>
+            <a:r>
+              <a:rPr lang="de-DE" dirty="0"/>
+              <a:t>28.02.2023 | Prototyp Gruppe 4 | Maksim Hermann</a:t>
+            </a:r>
           </a:p>
         </p:txBody>
       </p:sp>
     </p:spTree>
     <p:extLst>
       <p:ext uri="{BB962C8B-B14F-4D97-AF65-F5344CB8AC3E}">
-        <p14:creationId xmlns:p14="http://schemas.microsoft.com/office/powerpoint/2010/main" val="1947904075"/>
+        <p14:creationId xmlns:p14="http://schemas.microsoft.com/office/powerpoint/2010/main" val="412200662"/>
+      </p:ext>
+    </p:extLst>
+  </p:cSld>
+  <p:clrMapOvr>
+    <a:masterClrMapping/>
+  </p:clrMapOvr>
+  <p:transition spd="slow">
+    <p:push dir="u"/>
+  </p:transition>
+</p:sld>
+</file>
+
+<file path=ppt/slides/slide8.xml><?xml version="1.0" encoding="utf-8"?>
+<p:sld xmlns:a="http://schemas.openxmlformats.org/drawingml/2006/main" xmlns:r="http://schemas.openxmlformats.org/officeDocument/2006/relationships" xmlns:p="http://schemas.openxmlformats.org/presentationml/2006/main">
+  <p:cSld>
+    <p:spTree>
+      <p:nvGrpSpPr>
+        <p:cNvPr id="1" name=""/>
+        <p:cNvGrpSpPr/>
+        <p:nvPr/>
+      </p:nvGrpSpPr>
+      <p:grpSpPr>
+        <a:xfrm>
+          <a:off x="0" y="0"/>
+          <a:ext cx="0" cy="0"/>
+          <a:chOff x="0" y="0"/>
+          <a:chExt cx="0" cy="0"/>
+        </a:xfrm>
+      </p:grpSpPr>
+      <p:sp>
+        <p:nvSpPr>
+          <p:cNvPr id="2" name="Titel 1">
+            <a:extLst>
+              <a:ext uri="{FF2B5EF4-FFF2-40B4-BE49-F238E27FC236}">
+                <a16:creationId xmlns:a16="http://schemas.microsoft.com/office/drawing/2014/main" id="{2C1497C9-0FF2-834F-2950-EE438F5513E8}"/>
+              </a:ext>
+            </a:extLst>
+          </p:cNvPr>
+          <p:cNvSpPr>
+            <a:spLocks noGrp="1"/>
+          </p:cNvSpPr>
+          <p:nvPr>
+            <p:ph type="title"/>
+          </p:nvPr>
+        </p:nvSpPr>
+        <p:spPr/>
+        <p:txBody>
+          <a:bodyPr/>
+          <a:lstStyle/>
+          <a:p>
+            <a:r>
+              <a:rPr lang="de-DE" dirty="0"/>
+              <a:t>2.1 Vorarbeit</a:t>
+            </a:r>
+          </a:p>
+        </p:txBody>
+      </p:sp>
+      <p:sp>
+        <p:nvSpPr>
+          <p:cNvPr id="3" name="Inhaltsplatzhalter 2">
+            <a:extLst>
+              <a:ext uri="{FF2B5EF4-FFF2-40B4-BE49-F238E27FC236}">
+                <a16:creationId xmlns:a16="http://schemas.microsoft.com/office/drawing/2014/main" id="{84D8FF89-0796-4244-64C9-895A2C9A1A98}"/>
+              </a:ext>
+            </a:extLst>
+          </p:cNvPr>
+          <p:cNvSpPr>
+            <a:spLocks noGrp="1"/>
+          </p:cNvSpPr>
+          <p:nvPr>
+            <p:ph idx="1"/>
+          </p:nvPr>
+        </p:nvSpPr>
+        <p:spPr/>
+        <p:txBody>
+          <a:bodyPr>
+            <a:normAutofit/>
+          </a:bodyPr>
+          <a:lstStyle/>
+          <a:p>
+            <a:r>
+              <a:rPr lang="de-DE" sz="2400" dirty="0"/>
+              <a:t>Besprechungen zwischen durch</a:t>
+            </a:r>
+          </a:p>
+          <a:p>
+            <a:endParaRPr lang="de-DE" sz="2400" dirty="0"/>
+          </a:p>
+          <a:p>
+            <a:r>
+              <a:rPr lang="de-DE" sz="2400" dirty="0"/>
+              <a:t>Pflichtenheft</a:t>
+            </a:r>
+          </a:p>
+          <a:p>
+            <a:pPr lvl="1"/>
+            <a:r>
+              <a:rPr lang="de-DE" sz="2400" dirty="0"/>
+              <a:t>Definition der Funktionen und Eigenschaften</a:t>
+            </a:r>
+          </a:p>
+          <a:p>
+            <a:pPr lvl="1"/>
+            <a:r>
+              <a:rPr lang="de-DE" sz="2400" dirty="0"/>
+              <a:t>klare Struktur</a:t>
+            </a:r>
+          </a:p>
+          <a:p>
+            <a:pPr lvl="1"/>
+            <a:endParaRPr lang="de-DE" sz="2400" dirty="0"/>
+          </a:p>
+          <a:p>
+            <a:r>
+              <a:rPr lang="de-DE" sz="2400" dirty="0"/>
+              <a:t>Sketch</a:t>
+            </a:r>
+          </a:p>
+        </p:txBody>
+      </p:sp>
+      <p:sp>
+        <p:nvSpPr>
+          <p:cNvPr id="4" name="Rechteck 3">
+            <a:extLst>
+              <a:ext uri="{FF2B5EF4-FFF2-40B4-BE49-F238E27FC236}">
+                <a16:creationId xmlns:a16="http://schemas.microsoft.com/office/drawing/2014/main" id="{5D6C6590-99B3-8D6F-DB3A-12130F956AE3}"/>
+              </a:ext>
+            </a:extLst>
+          </p:cNvPr>
+          <p:cNvSpPr/>
+          <p:nvPr/>
+        </p:nvSpPr>
+        <p:spPr>
+          <a:xfrm>
+            <a:off x="641022" y="1400471"/>
+            <a:ext cx="11550978" cy="70112"/>
+          </a:xfrm>
+          <a:prstGeom prst="rect">
+            <a:avLst/>
+          </a:prstGeom>
+          <a:solidFill>
+            <a:srgbClr val="44546A"/>
+          </a:solidFill>
+          <a:ln>
+            <a:solidFill>
+              <a:srgbClr val="44546A"/>
+            </a:solidFill>
+          </a:ln>
+        </p:spPr>
+        <p:style>
+          <a:lnRef idx="2">
+            <a:schemeClr val="accent1">
+              <a:shade val="50000"/>
+            </a:schemeClr>
+          </a:lnRef>
+          <a:fillRef idx="1">
+            <a:schemeClr val="accent1"/>
+          </a:fillRef>
+          <a:effectRef idx="0">
+            <a:schemeClr val="accent1"/>
+          </a:effectRef>
+          <a:fontRef idx="minor">
+            <a:schemeClr val="lt1"/>
+          </a:fontRef>
+        </p:style>
+        <p:txBody>
+          <a:bodyPr rtlCol="0" anchor="ctr"/>
+          <a:lstStyle/>
+          <a:p>
+            <a:pPr algn="ctr"/>
+            <a:endParaRPr lang="de-DE"/>
+          </a:p>
+        </p:txBody>
+      </p:sp>
+      <p:sp>
+        <p:nvSpPr>
+          <p:cNvPr id="5" name="Fußzeilenplatzhalter 4">
+            <a:extLst>
+              <a:ext uri="{FF2B5EF4-FFF2-40B4-BE49-F238E27FC236}">
+                <a16:creationId xmlns:a16="http://schemas.microsoft.com/office/drawing/2014/main" id="{B3CB0018-6558-22C3-4B90-5F0683A1E33C}"/>
+              </a:ext>
+            </a:extLst>
+          </p:cNvPr>
+          <p:cNvSpPr>
+            <a:spLocks noGrp="1"/>
+          </p:cNvSpPr>
+          <p:nvPr>
+            <p:ph type="ftr" sz="quarter" idx="11"/>
+          </p:nvPr>
+        </p:nvSpPr>
+        <p:spPr/>
+        <p:txBody>
+          <a:bodyPr/>
+          <a:lstStyle/>
+          <a:p>
+            <a:r>
+              <a:rPr lang="de-DE" dirty="0"/>
+              <a:t>28.02.2023 | Prototyp Gruppe 4 | Maksim Hermann</a:t>
+            </a:r>
+          </a:p>
+        </p:txBody>
+      </p:sp>
+      <p:pic>
+        <p:nvPicPr>
+          <p:cNvPr id="7" name="Grafik 6">
+            <a:extLst>
+              <a:ext uri="{FF2B5EF4-FFF2-40B4-BE49-F238E27FC236}">
+                <a16:creationId xmlns:a16="http://schemas.microsoft.com/office/drawing/2014/main" id="{87198794-6ADC-63C1-6507-0190D77C846D}"/>
+              </a:ext>
+            </a:extLst>
+          </p:cNvPr>
+          <p:cNvPicPr>
+            <a:picLocks noChangeAspect="1"/>
+          </p:cNvPicPr>
+          <p:nvPr/>
+        </p:nvPicPr>
+        <p:blipFill>
+          <a:blip r:embed="rId2">
+            <a:extLst>
+              <a:ext uri="{28A0092B-C50C-407E-A947-70E740481C1C}">
+                <a14:useLocalDpi xmlns:a14="http://schemas.microsoft.com/office/drawing/2010/main" val="0"/>
+              </a:ext>
+            </a:extLst>
+          </a:blip>
+          <a:stretch>
+            <a:fillRect/>
+          </a:stretch>
+        </p:blipFill>
+        <p:spPr>
+          <a:xfrm>
+            <a:off x="9174394" y="3429000"/>
+            <a:ext cx="1180795" cy="1180795"/>
+          </a:xfrm>
+          <a:prstGeom prst="rect">
+            <a:avLst/>
+          </a:prstGeom>
+        </p:spPr>
+      </p:pic>
+      <p:pic>
+        <p:nvPicPr>
+          <p:cNvPr id="9" name="Grafik 8">
+            <a:extLst>
+              <a:ext uri="{FF2B5EF4-FFF2-40B4-BE49-F238E27FC236}">
+                <a16:creationId xmlns:a16="http://schemas.microsoft.com/office/drawing/2014/main" id="{BE79B84C-5400-2507-8F0C-964614541921}"/>
+              </a:ext>
+            </a:extLst>
+          </p:cNvPr>
+          <p:cNvPicPr>
+            <a:picLocks noChangeAspect="1"/>
+          </p:cNvPicPr>
+          <p:nvPr/>
+        </p:nvPicPr>
+        <p:blipFill>
+          <a:blip r:embed="rId3">
+            <a:extLst>
+              <a:ext uri="{28A0092B-C50C-407E-A947-70E740481C1C}">
+                <a14:useLocalDpi xmlns:a14="http://schemas.microsoft.com/office/drawing/2010/main" val="0"/>
+              </a:ext>
+            </a:extLst>
+          </a:blip>
+          <a:stretch>
+            <a:fillRect/>
+          </a:stretch>
+        </p:blipFill>
+        <p:spPr>
+          <a:xfrm>
+            <a:off x="6594064" y="1884869"/>
+            <a:ext cx="1389080" cy="1389080"/>
+          </a:xfrm>
+          <a:prstGeom prst="rect">
+            <a:avLst/>
+          </a:prstGeom>
+        </p:spPr>
+      </p:pic>
+      <p:pic>
+        <p:nvPicPr>
+          <p:cNvPr id="11" name="Grafik 10">
+            <a:extLst>
+              <a:ext uri="{FF2B5EF4-FFF2-40B4-BE49-F238E27FC236}">
+                <a16:creationId xmlns:a16="http://schemas.microsoft.com/office/drawing/2014/main" id="{347295A6-10EC-252D-A563-9BD0769A5873}"/>
+              </a:ext>
+            </a:extLst>
+          </p:cNvPr>
+          <p:cNvPicPr>
+            <a:picLocks noChangeAspect="1"/>
+          </p:cNvPicPr>
+          <p:nvPr/>
+        </p:nvPicPr>
+        <p:blipFill>
+          <a:blip r:embed="rId4">
+            <a:extLst>
+              <a:ext uri="{28A0092B-C50C-407E-A947-70E740481C1C}">
+                <a14:useLocalDpi xmlns:a14="http://schemas.microsoft.com/office/drawing/2010/main" val="0"/>
+              </a:ext>
+            </a:extLst>
+          </a:blip>
+          <a:stretch>
+            <a:fillRect/>
+          </a:stretch>
+        </p:blipFill>
+        <p:spPr>
+          <a:xfrm>
+            <a:off x="5589630" y="4483853"/>
+            <a:ext cx="1415788" cy="1415788"/>
+          </a:xfrm>
+          <a:prstGeom prst="rect">
+            <a:avLst/>
+          </a:prstGeom>
+        </p:spPr>
+      </p:pic>
+    </p:spTree>
+    <p:extLst>
+      <p:ext uri="{BB962C8B-B14F-4D97-AF65-F5344CB8AC3E}">
+        <p14:creationId xmlns:p14="http://schemas.microsoft.com/office/powerpoint/2010/main" val="2752309581"/>
+      </p:ext>
+    </p:extLst>
+  </p:cSld>
+  <p:clrMapOvr>
+    <a:masterClrMapping/>
+  </p:clrMapOvr>
+  <p:transition spd="slow">
+    <p:push dir="u"/>
+  </p:transition>
+</p:sld>
+</file>
+
+<file path=ppt/slides/slide9.xml><?xml version="1.0" encoding="utf-8"?>
+<p:sld xmlns:a="http://schemas.openxmlformats.org/drawingml/2006/main" xmlns:r="http://schemas.openxmlformats.org/officeDocument/2006/relationships" xmlns:p="http://schemas.openxmlformats.org/presentationml/2006/main">
+  <p:cSld>
+    <p:spTree>
+      <p:nvGrpSpPr>
+        <p:cNvPr id="1" name=""/>
+        <p:cNvGrpSpPr/>
+        <p:nvPr/>
+      </p:nvGrpSpPr>
+      <p:grpSpPr>
+        <a:xfrm>
+          <a:off x="0" y="0"/>
+          <a:ext cx="0" cy="0"/>
+          <a:chOff x="0" y="0"/>
+          <a:chExt cx="0" cy="0"/>
+        </a:xfrm>
+      </p:grpSpPr>
+      <p:sp>
+        <p:nvSpPr>
+          <p:cNvPr id="2" name="Titel 1">
+            <a:extLst>
+              <a:ext uri="{FF2B5EF4-FFF2-40B4-BE49-F238E27FC236}">
+                <a16:creationId xmlns:a16="http://schemas.microsoft.com/office/drawing/2014/main" id="{2C1497C9-0FF2-834F-2950-EE438F5513E8}"/>
+              </a:ext>
+            </a:extLst>
+          </p:cNvPr>
+          <p:cNvSpPr>
+            <a:spLocks noGrp="1"/>
+          </p:cNvSpPr>
+          <p:nvPr>
+            <p:ph type="title"/>
+          </p:nvPr>
+        </p:nvSpPr>
+        <p:spPr/>
+        <p:txBody>
+          <a:bodyPr/>
+          <a:lstStyle/>
+          <a:p>
+            <a:r>
+              <a:rPr lang="de-DE" dirty="0"/>
+              <a:t>2.2 Sketch</a:t>
+            </a:r>
+          </a:p>
+        </p:txBody>
+      </p:sp>
+      <p:sp>
+        <p:nvSpPr>
+          <p:cNvPr id="4" name="Rechteck 3">
+            <a:extLst>
+              <a:ext uri="{FF2B5EF4-FFF2-40B4-BE49-F238E27FC236}">
+                <a16:creationId xmlns:a16="http://schemas.microsoft.com/office/drawing/2014/main" id="{5D6C6590-99B3-8D6F-DB3A-12130F956AE3}"/>
+              </a:ext>
+            </a:extLst>
+          </p:cNvPr>
+          <p:cNvSpPr/>
+          <p:nvPr/>
+        </p:nvSpPr>
+        <p:spPr>
+          <a:xfrm>
+            <a:off x="641022" y="1400471"/>
+            <a:ext cx="11550978" cy="70112"/>
+          </a:xfrm>
+          <a:prstGeom prst="rect">
+            <a:avLst/>
+          </a:prstGeom>
+          <a:solidFill>
+            <a:srgbClr val="44546A"/>
+          </a:solidFill>
+          <a:ln>
+            <a:solidFill>
+              <a:srgbClr val="44546A"/>
+            </a:solidFill>
+          </a:ln>
+        </p:spPr>
+        <p:style>
+          <a:lnRef idx="2">
+            <a:schemeClr val="accent1">
+              <a:shade val="50000"/>
+            </a:schemeClr>
+          </a:lnRef>
+          <a:fillRef idx="1">
+            <a:schemeClr val="accent1"/>
+          </a:fillRef>
+          <a:effectRef idx="0">
+            <a:schemeClr val="accent1"/>
+          </a:effectRef>
+          <a:fontRef idx="minor">
+            <a:schemeClr val="lt1"/>
+          </a:fontRef>
+        </p:style>
+        <p:txBody>
+          <a:bodyPr rtlCol="0" anchor="ctr"/>
+          <a:lstStyle/>
+          <a:p>
+            <a:pPr algn="ctr"/>
+            <a:endParaRPr lang="de-DE"/>
+          </a:p>
+        </p:txBody>
+      </p:sp>
+      <p:pic>
+        <p:nvPicPr>
+          <p:cNvPr id="5" name="Inhaltsplatzhalter 5">
+            <a:extLst>
+              <a:ext uri="{FF2B5EF4-FFF2-40B4-BE49-F238E27FC236}">
+                <a16:creationId xmlns:a16="http://schemas.microsoft.com/office/drawing/2014/main" id="{6ED0FFC0-F8AE-2D83-CF1B-45FD16E5E3CF}"/>
+              </a:ext>
+            </a:extLst>
+          </p:cNvPr>
+          <p:cNvPicPr>
+            <a:picLocks noChangeAspect="1"/>
+          </p:cNvPicPr>
+          <p:nvPr/>
+        </p:nvPicPr>
+        <p:blipFill rotWithShape="1">
+          <a:blip r:embed="rId2">
+            <a:extLst>
+              <a:ext uri="{28A0092B-C50C-407E-A947-70E740481C1C}">
+                <a14:useLocalDpi xmlns:a14="http://schemas.microsoft.com/office/drawing/2010/main" val="0"/>
+              </a:ext>
+            </a:extLst>
+          </a:blip>
+          <a:srcRect l="1" t="2248" r="86" b="20733"/>
+          <a:stretch/>
+        </p:blipFill>
+        <p:spPr>
+          <a:xfrm>
+            <a:off x="2037322" y="1555425"/>
+            <a:ext cx="8269755" cy="4926093"/>
+          </a:xfrm>
+          <a:prstGeom prst="rect">
+            <a:avLst/>
+          </a:prstGeom>
+        </p:spPr>
+      </p:pic>
+      <p:sp>
+        <p:nvSpPr>
+          <p:cNvPr id="6" name="Fußzeilenplatzhalter 5">
+            <a:extLst>
+              <a:ext uri="{FF2B5EF4-FFF2-40B4-BE49-F238E27FC236}">
+                <a16:creationId xmlns:a16="http://schemas.microsoft.com/office/drawing/2014/main" id="{D3DF6E9E-7AD6-03A5-C885-E6649D9ED4B7}"/>
+              </a:ext>
+            </a:extLst>
+          </p:cNvPr>
+          <p:cNvSpPr>
+            <a:spLocks noGrp="1"/>
+          </p:cNvSpPr>
+          <p:nvPr>
+            <p:ph type="ftr" sz="quarter" idx="11"/>
+          </p:nvPr>
+        </p:nvSpPr>
+        <p:spPr/>
+        <p:txBody>
+          <a:bodyPr/>
+          <a:lstStyle/>
+          <a:p>
+            <a:r>
+              <a:rPr lang="de-DE" dirty="0"/>
+              <a:t>28.02.2023 | Prototyp Gruppe 4 | Maksim Hermann</a:t>
+            </a:r>
+          </a:p>
+        </p:txBody>
+      </p:sp>
+    </p:spTree>
+    <p:extLst>
+      <p:ext uri="{BB962C8B-B14F-4D97-AF65-F5344CB8AC3E}">
+        <p14:creationId xmlns:p14="http://schemas.microsoft.com/office/powerpoint/2010/main" val="2979131288"/>
       </p:ext>
     </p:extLst>
   </p:cSld>
@@ -5514,4 +8715,299 @@
     </a:ext>
   </a:extLst>
 </a:theme>
+</file>
+
+<file path=ppt/theme/theme2.xml><?xml version="1.0" encoding="utf-8"?>
+<a:theme xmlns:a="http://schemas.openxmlformats.org/drawingml/2006/main" name="Office">
+  <a:themeElements>
+    <a:clrScheme name="Office">
+      <a:dk1>
+        <a:sysClr val="windowText" lastClr="000000"/>
+      </a:dk1>
+      <a:lt1>
+        <a:sysClr val="window" lastClr="FFFFFF"/>
+      </a:lt1>
+      <a:dk2>
+        <a:srgbClr val="44546A"/>
+      </a:dk2>
+      <a:lt2>
+        <a:srgbClr val="E7E6E6"/>
+      </a:lt2>
+      <a:accent1>
+        <a:srgbClr val="4472C4"/>
+      </a:accent1>
+      <a:accent2>
+        <a:srgbClr val="ED7D31"/>
+      </a:accent2>
+      <a:accent3>
+        <a:srgbClr val="A5A5A5"/>
+      </a:accent3>
+      <a:accent4>
+        <a:srgbClr val="FFC000"/>
+      </a:accent4>
+      <a:accent5>
+        <a:srgbClr val="5B9BD5"/>
+      </a:accent5>
+      <a:accent6>
+        <a:srgbClr val="70AD47"/>
+      </a:accent6>
+      <a:hlink>
+        <a:srgbClr val="0563C1"/>
+      </a:hlink>
+      <a:folHlink>
+        <a:srgbClr val="954F72"/>
+      </a:folHlink>
+    </a:clrScheme>
+    <a:fontScheme name="Office">
+      <a:majorFont>
+        <a:latin typeface="Calibri Light" panose="020F0302020204030204"/>
+        <a:ea typeface=""/>
+        <a:cs typeface=""/>
+        <a:font script="Jpan" typeface="游ゴシック Light"/>
+        <a:font script="Hang" typeface="맑은 고딕"/>
+        <a:font script="Hans" typeface="等线 Light"/>
+        <a:font script="Hant" typeface="新細明體"/>
+        <a:font script="Arab" typeface="Times New Roman"/>
+        <a:font script="Hebr" typeface="Times New Roman"/>
+        <a:font script="Thai" typeface="Angsana New"/>
+        <a:font script="Ethi" typeface="Nyala"/>
+        <a:font script="Beng" typeface="Vrinda"/>
+        <a:font script="Gujr" typeface="Shruti"/>
+        <a:font script="Khmr" typeface="MoolBoran"/>
+        <a:font script="Knda" typeface="Tunga"/>
+        <a:font script="Guru" typeface="Raavi"/>
+        <a:font script="Cans" typeface="Euphemia"/>
+        <a:font script="Cher" typeface="Plantagenet Cherokee"/>
+        <a:font script="Yiii" typeface="Microsoft Yi Baiti"/>
+        <a:font script="Tibt" typeface="Microsoft Himalaya"/>
+        <a:font script="Thaa" typeface="MV Boli"/>
+        <a:font script="Deva" typeface="Mangal"/>
+        <a:font script="Telu" typeface="Gautami"/>
+        <a:font script="Taml" typeface="Latha"/>
+        <a:font script="Syrc" typeface="Estrangelo Edessa"/>
+        <a:font script="Orya" typeface="Kalinga"/>
+        <a:font script="Mlym" typeface="Kartika"/>
+        <a:font script="Laoo" typeface="DokChampa"/>
+        <a:font script="Sinh" typeface="Iskoola Pota"/>
+        <a:font script="Mong" typeface="Mongolian Baiti"/>
+        <a:font script="Viet" typeface="Times New Roman"/>
+        <a:font script="Uigh" typeface="Microsoft Uighur"/>
+        <a:font script="Geor" typeface="Sylfaen"/>
+        <a:font script="Armn" typeface="Arial"/>
+        <a:font script="Bugi" typeface="Leelawadee UI"/>
+        <a:font script="Bopo" typeface="Microsoft JhengHei"/>
+        <a:font script="Java" typeface="Javanese Text"/>
+        <a:font script="Lisu" typeface="Segoe UI"/>
+        <a:font script="Mymr" typeface="Myanmar Text"/>
+        <a:font script="Nkoo" typeface="Ebrima"/>
+        <a:font script="Olck" typeface="Nirmala UI"/>
+        <a:font script="Osma" typeface="Ebrima"/>
+        <a:font script="Phag" typeface="Phagspa"/>
+        <a:font script="Syrn" typeface="Estrangelo Edessa"/>
+        <a:font script="Syrj" typeface="Estrangelo Edessa"/>
+        <a:font script="Syre" typeface="Estrangelo Edessa"/>
+        <a:font script="Sora" typeface="Nirmala UI"/>
+        <a:font script="Tale" typeface="Microsoft Tai Le"/>
+        <a:font script="Talu" typeface="Microsoft New Tai Lue"/>
+        <a:font script="Tfng" typeface="Ebrima"/>
+      </a:majorFont>
+      <a:minorFont>
+        <a:latin typeface="Calibri" panose="020F0502020204030204"/>
+        <a:ea typeface=""/>
+        <a:cs typeface=""/>
+        <a:font script="Jpan" typeface="游ゴシック"/>
+        <a:font script="Hang" typeface="맑은 고딕"/>
+        <a:font script="Hans" typeface="等线"/>
+        <a:font script="Hant" typeface="新細明體"/>
+        <a:font script="Arab" typeface="Arial"/>
+        <a:font script="Hebr" typeface="Arial"/>
+        <a:font script="Thai" typeface="Cordia New"/>
+        <a:font script="Ethi" typeface="Nyala"/>
+        <a:font script="Beng" typeface="Vrinda"/>
+        <a:font script="Gujr" typeface="Shruti"/>
+        <a:font script="Khmr" typeface="DaunPenh"/>
+        <a:font script="Knda" typeface="Tunga"/>
+        <a:font script="Guru" typeface="Raavi"/>
+        <a:font script="Cans" typeface="Euphemia"/>
+        <a:font script="Cher" typeface="Plantagenet Cherokee"/>
+        <a:font script="Yiii" typeface="Microsoft Yi Baiti"/>
+        <a:font script="Tibt" typeface="Microsoft Himalaya"/>
+        <a:font script="Thaa" typeface="MV Boli"/>
+        <a:font script="Deva" typeface="Mangal"/>
+        <a:font script="Telu" typeface="Gautami"/>
+        <a:font script="Taml" typeface="Latha"/>
+        <a:font script="Syrc" typeface="Estrangelo Edessa"/>
+        <a:font script="Orya" typeface="Kalinga"/>
+        <a:font script="Mlym" typeface="Kartika"/>
+        <a:font script="Laoo" typeface="DokChampa"/>
+        <a:font script="Sinh" typeface="Iskoola Pota"/>
+        <a:font script="Mong" typeface="Mongolian Baiti"/>
+        <a:font script="Viet" typeface="Arial"/>
+        <a:font script="Uigh" typeface="Microsoft Uighur"/>
+        <a:font script="Geor" typeface="Sylfaen"/>
+        <a:font script="Armn" typeface="Arial"/>
+        <a:font script="Bugi" typeface="Leelawadee UI"/>
+        <a:font script="Bopo" typeface="Microsoft JhengHei"/>
+        <a:font script="Java" typeface="Javanese Text"/>
+        <a:font script="Lisu" typeface="Segoe UI"/>
+        <a:font script="Mymr" typeface="Myanmar Text"/>
+        <a:font script="Nkoo" typeface="Ebrima"/>
+        <a:font script="Olck" typeface="Nirmala UI"/>
+        <a:font script="Osma" typeface="Ebrima"/>
+        <a:font script="Phag" typeface="Phagspa"/>
+        <a:font script="Syrn" typeface="Estrangelo Edessa"/>
+        <a:font script="Syrj" typeface="Estrangelo Edessa"/>
+        <a:font script="Syre" typeface="Estrangelo Edessa"/>
+        <a:font script="Sora" typeface="Nirmala UI"/>
+        <a:font script="Tale" typeface="Microsoft Tai Le"/>
+        <a:font script="Talu" typeface="Microsoft New Tai Lue"/>
+        <a:font script="Tfng" typeface="Ebrima"/>
+      </a:minorFont>
+    </a:fontScheme>
+    <a:fmtScheme name="Office">
+      <a:fillStyleLst>
+        <a:solidFill>
+          <a:schemeClr val="phClr"/>
+        </a:solidFill>
+        <a:gradFill rotWithShape="1">
+          <a:gsLst>
+            <a:gs pos="0">
+              <a:schemeClr val="phClr">
+                <a:lumMod val="110000"/>
+                <a:satMod val="105000"/>
+                <a:tint val="67000"/>
+              </a:schemeClr>
+            </a:gs>
+            <a:gs pos="50000">
+              <a:schemeClr val="phClr">
+                <a:lumMod val="105000"/>
+                <a:satMod val="103000"/>
+                <a:tint val="73000"/>
+              </a:schemeClr>
+            </a:gs>
+            <a:gs pos="100000">
+              <a:schemeClr val="phClr">
+                <a:lumMod val="105000"/>
+                <a:satMod val="109000"/>
+                <a:tint val="81000"/>
+              </a:schemeClr>
+            </a:gs>
+          </a:gsLst>
+          <a:lin ang="5400000" scaled="0"/>
+        </a:gradFill>
+        <a:gradFill rotWithShape="1">
+          <a:gsLst>
+            <a:gs pos="0">
+              <a:schemeClr val="phClr">
+                <a:satMod val="103000"/>
+                <a:lumMod val="102000"/>
+                <a:tint val="94000"/>
+              </a:schemeClr>
+            </a:gs>
+            <a:gs pos="50000">
+              <a:schemeClr val="phClr">
+                <a:satMod val="110000"/>
+                <a:lumMod val="100000"/>
+                <a:shade val="100000"/>
+              </a:schemeClr>
+            </a:gs>
+            <a:gs pos="100000">
+              <a:schemeClr val="phClr">
+                <a:lumMod val="99000"/>
+                <a:satMod val="120000"/>
+                <a:shade val="78000"/>
+              </a:schemeClr>
+            </a:gs>
+          </a:gsLst>
+          <a:lin ang="5400000" scaled="0"/>
+        </a:gradFill>
+      </a:fillStyleLst>
+      <a:lnStyleLst>
+        <a:ln w="6350" cap="flat" cmpd="sng" algn="ctr">
+          <a:solidFill>
+            <a:schemeClr val="phClr"/>
+          </a:solidFill>
+          <a:prstDash val="solid"/>
+          <a:miter lim="800000"/>
+        </a:ln>
+        <a:ln w="12700" cap="flat" cmpd="sng" algn="ctr">
+          <a:solidFill>
+            <a:schemeClr val="phClr"/>
+          </a:solidFill>
+          <a:prstDash val="solid"/>
+          <a:miter lim="800000"/>
+        </a:ln>
+        <a:ln w="19050" cap="flat" cmpd="sng" algn="ctr">
+          <a:solidFill>
+            <a:schemeClr val="phClr"/>
+          </a:solidFill>
+          <a:prstDash val="solid"/>
+          <a:miter lim="800000"/>
+        </a:ln>
+      </a:lnStyleLst>
+      <a:effectStyleLst>
+        <a:effectStyle>
+          <a:effectLst/>
+        </a:effectStyle>
+        <a:effectStyle>
+          <a:effectLst/>
+        </a:effectStyle>
+        <a:effectStyle>
+          <a:effectLst>
+            <a:outerShdw blurRad="57150" dist="19050" dir="5400000" algn="ctr" rotWithShape="0">
+              <a:srgbClr val="000000">
+                <a:alpha val="63000"/>
+              </a:srgbClr>
+            </a:outerShdw>
+          </a:effectLst>
+        </a:effectStyle>
+      </a:effectStyleLst>
+      <a:bgFillStyleLst>
+        <a:solidFill>
+          <a:schemeClr val="phClr"/>
+        </a:solidFill>
+        <a:solidFill>
+          <a:schemeClr val="phClr">
+            <a:tint val="95000"/>
+            <a:satMod val="170000"/>
+          </a:schemeClr>
+        </a:solidFill>
+        <a:gradFill rotWithShape="1">
+          <a:gsLst>
+            <a:gs pos="0">
+              <a:schemeClr val="phClr">
+                <a:tint val="93000"/>
+                <a:satMod val="150000"/>
+                <a:shade val="98000"/>
+                <a:lumMod val="102000"/>
+              </a:schemeClr>
+            </a:gs>
+            <a:gs pos="50000">
+              <a:schemeClr val="phClr">
+                <a:tint val="98000"/>
+                <a:satMod val="130000"/>
+                <a:shade val="90000"/>
+                <a:lumMod val="103000"/>
+              </a:schemeClr>
+            </a:gs>
+            <a:gs pos="100000">
+              <a:schemeClr val="phClr">
+                <a:shade val="63000"/>
+                <a:satMod val="120000"/>
+              </a:schemeClr>
+            </a:gs>
+          </a:gsLst>
+          <a:lin ang="5400000" scaled="0"/>
+        </a:gradFill>
+      </a:bgFillStyleLst>
+    </a:fmtScheme>
+  </a:themeElements>
+  <a:objectDefaults/>
+  <a:extraClrSchemeLst/>
+  <a:extLst>
+    <a:ext uri="{05A4C25C-085E-4340-85A3-A5531E510DB2}">
+      <thm15:themeFamily xmlns:thm15="http://schemas.microsoft.com/office/thememl/2012/main" name="Office Theme" id="{62F939B6-93AF-4DB8-9C6B-D6C7DFDC589F}" vid="{4A3C46E8-61CC-4603-A589-7422A47A8E4A}"/>
+    </a:ext>
+  </a:extLst>
+</a:theme>
 </file>
--- a/02_Milensteine/Meilenstein III/Gruppe3_MeilensteinIII_Prototyp.pptx
+++ b/02_Milensteine/Meilenstein III/Gruppe3_MeilensteinIII_Prototyp.pptx
@@ -5388,359 +5388,1168 @@
           </a:p>
         </p:txBody>
       </p:sp>
-      <p:sp>
-        <p:nvSpPr>
-          <p:cNvPr id="9" name="Inhaltsplatzhalter 8">
+      <p:grpSp>
+        <p:nvGrpSpPr>
+          <p:cNvPr id="75" name="Gruppieren 74">
             <a:extLst>
               <a:ext uri="{FF2B5EF4-FFF2-40B4-BE49-F238E27FC236}">
-                <a16:creationId xmlns:a16="http://schemas.microsoft.com/office/drawing/2014/main" id="{B3C16339-B6AE-4F08-B233-DC6D55AC9E11}"/>
+                <a16:creationId xmlns:a16="http://schemas.microsoft.com/office/drawing/2014/main" id="{55394950-AE1D-489F-2BCD-5F07525F3AA0}"/>
               </a:ext>
             </a:extLst>
           </p:cNvPr>
-          <p:cNvSpPr>
-            <a:spLocks noGrp="1"/>
-          </p:cNvSpPr>
-          <p:nvPr>
-            <p:ph idx="1"/>
-          </p:nvPr>
-        </p:nvSpPr>
-        <p:spPr>
+          <p:cNvGrpSpPr/>
+          <p:nvPr/>
+        </p:nvGrpSpPr>
+        <p:grpSpPr>
           <a:xfrm>
-            <a:off x="1371600" y="1642369"/>
-            <a:ext cx="9601200" cy="4705165"/>
+            <a:off x="2062424" y="1272815"/>
+            <a:ext cx="4916210" cy="5180571"/>
+            <a:chOff x="990709" y="1272815"/>
+            <a:chExt cx="4916210" cy="5180571"/>
           </a:xfrm>
-        </p:spPr>
-        <p:txBody>
-          <a:bodyPr/>
-          <a:lstStyle/>
-          <a:p>
-            <a:pPr marL="0" indent="0">
-              <a:buNone/>
-            </a:pPr>
-            <a:r>
-              <a:rPr lang="de-DE" dirty="0"/>
-              <a:t>D</a:t>
-            </a:r>
-          </a:p>
-          <a:p>
-            <a:pPr marL="0" indent="0">
-              <a:buNone/>
-            </a:pPr>
-            <a:r>
-              <a:rPr lang="de-DE" dirty="0"/>
-              <a:t>Login</a:t>
-            </a:r>
-          </a:p>
-          <a:p>
-            <a:pPr marL="0" indent="0">
-              <a:buNone/>
-            </a:pPr>
-            <a:r>
-              <a:rPr lang="de-DE" dirty="0"/>
-              <a:t>      </a:t>
-            </a:r>
-            <a:r>
-              <a:rPr lang="de-DE" dirty="0" err="1"/>
-              <a:t>static</a:t>
-            </a:r>
-            <a:endParaRPr lang="de-DE" dirty="0"/>
-          </a:p>
-          <a:p>
-            <a:pPr marL="0" indent="0">
-              <a:buNone/>
-            </a:pPr>
-            <a:r>
-              <a:rPr lang="de-DE" dirty="0"/>
-              <a:t>             	image.png</a:t>
-            </a:r>
-          </a:p>
-          <a:p>
-            <a:pPr marL="0" indent="0">
-              <a:buNone/>
-            </a:pPr>
-            <a:r>
-              <a:rPr lang="de-DE" dirty="0"/>
-              <a:t>	styles.css</a:t>
-            </a:r>
-          </a:p>
-          <a:p>
-            <a:pPr marL="0" indent="0">
-              <a:buNone/>
-            </a:pPr>
-            <a:r>
-              <a:rPr lang="de-DE" dirty="0"/>
-              <a:t>      </a:t>
-            </a:r>
-            <a:r>
-              <a:rPr lang="de-DE" dirty="0" err="1"/>
-              <a:t>templats</a:t>
-            </a:r>
-            <a:endParaRPr lang="de-DE" dirty="0"/>
-          </a:p>
-          <a:p>
-            <a:pPr marL="0" indent="0">
-              <a:buNone/>
-            </a:pPr>
-            <a:r>
-              <a:rPr lang="de-DE" dirty="0"/>
-              <a:t>	login.html</a:t>
-            </a:r>
-          </a:p>
-          <a:p>
-            <a:pPr marL="0" indent="0">
-              <a:buNone/>
-            </a:pPr>
-            <a:r>
-              <a:rPr lang="de-DE" dirty="0" err="1"/>
-              <a:t>Reset</a:t>
-            </a:r>
-            <a:r>
-              <a:rPr lang="de-DE" dirty="0"/>
-              <a:t> </a:t>
-            </a:r>
-            <a:r>
-              <a:rPr lang="de-DE" dirty="0" err="1"/>
-              <a:t>pw</a:t>
-            </a:r>
-            <a:endParaRPr lang="de-DE" dirty="0"/>
-          </a:p>
-          <a:p>
-            <a:pPr marL="0" indent="0">
-              <a:buNone/>
-            </a:pPr>
-            <a:r>
-              <a:rPr lang="de-DE" dirty="0"/>
-              <a:t>Registration</a:t>
-            </a:r>
-          </a:p>
-          <a:p>
-            <a:pPr marL="0" indent="0">
-              <a:buNone/>
-            </a:pPr>
-            <a:r>
-              <a:rPr lang="de-DE" dirty="0" err="1"/>
-              <a:t>gesamtübersicht</a:t>
-            </a:r>
-            <a:endParaRPr lang="de-DE" dirty="0"/>
-          </a:p>
-        </p:txBody>
-      </p:sp>
-      <p:pic>
-        <p:nvPicPr>
-          <p:cNvPr id="10" name="Inhaltsplatzhalter 6">
-            <a:extLst>
-              <a:ext uri="{FF2B5EF4-FFF2-40B4-BE49-F238E27FC236}">
-                <a16:creationId xmlns:a16="http://schemas.microsoft.com/office/drawing/2014/main" id="{6C7C0DB7-F9FF-A7A5-1E23-983F1236C45F}"/>
-              </a:ext>
-            </a:extLst>
-          </p:cNvPr>
-          <p:cNvPicPr>
-            <a:picLocks noChangeAspect="1"/>
-          </p:cNvPicPr>
-          <p:nvPr/>
-        </p:nvPicPr>
-        <p:blipFill>
-          <a:blip r:embed="rId2">
-            <a:extLst>
-              <a:ext uri="{28A0092B-C50C-407E-A947-70E740481C1C}">
-                <a14:useLocalDpi xmlns:a14="http://schemas.microsoft.com/office/drawing/2010/main" val="0"/>
-              </a:ext>
-            </a:extLst>
-          </a:blip>
-          <a:stretch>
-            <a:fillRect/>
-          </a:stretch>
-        </p:blipFill>
-        <p:spPr>
-          <a:xfrm>
-            <a:off x="966985" y="1982946"/>
-            <a:ext cx="404615" cy="404615"/>
-          </a:xfrm>
-          <a:prstGeom prst="rect">
-            <a:avLst/>
-          </a:prstGeom>
-        </p:spPr>
-      </p:pic>
-      <p:pic>
-        <p:nvPicPr>
-          <p:cNvPr id="11" name="Inhaltsplatzhalter 6">
-            <a:extLst>
-              <a:ext uri="{FF2B5EF4-FFF2-40B4-BE49-F238E27FC236}">
-                <a16:creationId xmlns:a16="http://schemas.microsoft.com/office/drawing/2014/main" id="{5474AE0B-D451-2C25-9EAC-033057DA7B29}"/>
-              </a:ext>
-            </a:extLst>
-          </p:cNvPr>
-          <p:cNvPicPr>
-            <a:picLocks noChangeAspect="1"/>
-          </p:cNvPicPr>
-          <p:nvPr/>
-        </p:nvPicPr>
-        <p:blipFill>
-          <a:blip r:embed="rId2">
-            <a:extLst>
-              <a:ext uri="{28A0092B-C50C-407E-A947-70E740481C1C}">
-                <a14:useLocalDpi xmlns:a14="http://schemas.microsoft.com/office/drawing/2010/main" val="0"/>
-              </a:ext>
-            </a:extLst>
-          </a:blip>
-          <a:stretch>
-            <a:fillRect/>
-          </a:stretch>
-        </p:blipFill>
-        <p:spPr>
-          <a:xfrm>
-            <a:off x="1371600" y="2387561"/>
-            <a:ext cx="404615" cy="404615"/>
-          </a:xfrm>
-          <a:prstGeom prst="rect">
-            <a:avLst/>
-          </a:prstGeom>
-        </p:spPr>
-      </p:pic>
-      <p:pic>
-        <p:nvPicPr>
-          <p:cNvPr id="12" name="Inhaltsplatzhalter 6">
-            <a:extLst>
-              <a:ext uri="{FF2B5EF4-FFF2-40B4-BE49-F238E27FC236}">
-                <a16:creationId xmlns:a16="http://schemas.microsoft.com/office/drawing/2014/main" id="{9EF4B8E7-B8E6-5EE3-686C-EE16210CFF0E}"/>
-              </a:ext>
-            </a:extLst>
-          </p:cNvPr>
-          <p:cNvPicPr>
-            <a:picLocks noChangeAspect="1"/>
-          </p:cNvPicPr>
-          <p:nvPr/>
-        </p:nvPicPr>
-        <p:blipFill>
-          <a:blip r:embed="rId2">
-            <a:extLst>
-              <a:ext uri="{28A0092B-C50C-407E-A947-70E740481C1C}">
-                <a14:useLocalDpi xmlns:a14="http://schemas.microsoft.com/office/drawing/2010/main" val="0"/>
-              </a:ext>
-            </a:extLst>
-          </a:blip>
-          <a:stretch>
-            <a:fillRect/>
-          </a:stretch>
-        </p:blipFill>
-        <p:spPr>
-          <a:xfrm>
-            <a:off x="1371600" y="3813551"/>
-            <a:ext cx="404615" cy="404615"/>
-          </a:xfrm>
-          <a:prstGeom prst="rect">
-            <a:avLst/>
-          </a:prstGeom>
-        </p:spPr>
-      </p:pic>
-      <p:pic>
-        <p:nvPicPr>
-          <p:cNvPr id="13" name="Inhaltsplatzhalter 6">
-            <a:extLst>
-              <a:ext uri="{FF2B5EF4-FFF2-40B4-BE49-F238E27FC236}">
-                <a16:creationId xmlns:a16="http://schemas.microsoft.com/office/drawing/2014/main" id="{570E6EFF-2036-47F0-D5B1-84507BCA2F94}"/>
-              </a:ext>
-            </a:extLst>
-          </p:cNvPr>
-          <p:cNvPicPr>
-            <a:picLocks noChangeAspect="1"/>
-          </p:cNvPicPr>
-          <p:nvPr/>
-        </p:nvPicPr>
-        <p:blipFill>
-          <a:blip r:embed="rId2">
-            <a:extLst>
-              <a:ext uri="{28A0092B-C50C-407E-A947-70E740481C1C}">
-                <a14:useLocalDpi xmlns:a14="http://schemas.microsoft.com/office/drawing/2010/main" val="0"/>
-              </a:ext>
-            </a:extLst>
-          </a:blip>
-          <a:stretch>
-            <a:fillRect/>
-          </a:stretch>
-        </p:blipFill>
-        <p:spPr>
-          <a:xfrm>
-            <a:off x="966985" y="4675927"/>
-            <a:ext cx="404615" cy="404615"/>
-          </a:xfrm>
-          <a:prstGeom prst="rect">
-            <a:avLst/>
-          </a:prstGeom>
-        </p:spPr>
-      </p:pic>
-      <p:pic>
-        <p:nvPicPr>
-          <p:cNvPr id="14" name="Inhaltsplatzhalter 6">
-            <a:extLst>
-              <a:ext uri="{FF2B5EF4-FFF2-40B4-BE49-F238E27FC236}">
-                <a16:creationId xmlns:a16="http://schemas.microsoft.com/office/drawing/2014/main" id="{3CC96C91-A284-F3A4-23E4-08FE3B6869A7}"/>
-              </a:ext>
-            </a:extLst>
-          </p:cNvPr>
-          <p:cNvPicPr>
-            <a:picLocks noChangeAspect="1"/>
-          </p:cNvPicPr>
-          <p:nvPr/>
-        </p:nvPicPr>
-        <p:blipFill>
-          <a:blip r:embed="rId2">
-            <a:extLst>
-              <a:ext uri="{28A0092B-C50C-407E-A947-70E740481C1C}">
-                <a14:useLocalDpi xmlns:a14="http://schemas.microsoft.com/office/drawing/2010/main" val="0"/>
-              </a:ext>
-            </a:extLst>
-          </a:blip>
-          <a:stretch>
-            <a:fillRect/>
-          </a:stretch>
-        </p:blipFill>
-        <p:spPr>
-          <a:xfrm>
-            <a:off x="966984" y="5186394"/>
-            <a:ext cx="404615" cy="404615"/>
-          </a:xfrm>
-          <a:prstGeom prst="rect">
-            <a:avLst/>
-          </a:prstGeom>
-        </p:spPr>
-      </p:pic>
-      <p:pic>
-        <p:nvPicPr>
-          <p:cNvPr id="15" name="Inhaltsplatzhalter 6">
-            <a:extLst>
-              <a:ext uri="{FF2B5EF4-FFF2-40B4-BE49-F238E27FC236}">
-                <a16:creationId xmlns:a16="http://schemas.microsoft.com/office/drawing/2014/main" id="{8823F495-7ABA-189B-E9CA-ADF6FC1E08B9}"/>
-              </a:ext>
-            </a:extLst>
-          </p:cNvPr>
-          <p:cNvPicPr>
-            <a:picLocks noChangeAspect="1"/>
-          </p:cNvPicPr>
-          <p:nvPr/>
-        </p:nvPicPr>
-        <p:blipFill>
-          <a:blip r:embed="rId2">
-            <a:extLst>
-              <a:ext uri="{28A0092B-C50C-407E-A947-70E740481C1C}">
-                <a14:useLocalDpi xmlns:a14="http://schemas.microsoft.com/office/drawing/2010/main" val="0"/>
-              </a:ext>
-            </a:extLst>
-          </a:blip>
-          <a:stretch>
-            <a:fillRect/>
-          </a:stretch>
-        </p:blipFill>
-        <p:spPr>
-          <a:xfrm>
-            <a:off x="966983" y="5668305"/>
-            <a:ext cx="404615" cy="404615"/>
-          </a:xfrm>
-          <a:prstGeom prst="rect">
-            <a:avLst/>
-          </a:prstGeom>
-        </p:spPr>
-      </p:pic>
+        </p:grpSpPr>
+        <p:grpSp>
+          <p:nvGrpSpPr>
+            <p:cNvPr id="65" name="Gruppieren 64">
+              <a:extLst>
+                <a:ext uri="{FF2B5EF4-FFF2-40B4-BE49-F238E27FC236}">
+                  <a16:creationId xmlns:a16="http://schemas.microsoft.com/office/drawing/2014/main" id="{57704BC6-2C77-62CE-D1E1-E8EC67B51075}"/>
+                </a:ext>
+              </a:extLst>
+            </p:cNvPr>
+            <p:cNvGrpSpPr/>
+            <p:nvPr/>
+          </p:nvGrpSpPr>
+          <p:grpSpPr>
+            <a:xfrm>
+              <a:off x="990709" y="1272815"/>
+              <a:ext cx="2275227" cy="5180571"/>
+              <a:chOff x="990709" y="1272815"/>
+              <a:chExt cx="2275227" cy="5180571"/>
+            </a:xfrm>
+          </p:grpSpPr>
+          <p:grpSp>
+            <p:nvGrpSpPr>
+              <p:cNvPr id="19" name="Gruppieren 18">
+                <a:extLst>
+                  <a:ext uri="{FF2B5EF4-FFF2-40B4-BE49-F238E27FC236}">
+                    <a16:creationId xmlns:a16="http://schemas.microsoft.com/office/drawing/2014/main" id="{FF65ED7C-B79E-410C-9690-542EEF58C96E}"/>
+                  </a:ext>
+                </a:extLst>
+              </p:cNvPr>
+              <p:cNvGrpSpPr/>
+              <p:nvPr/>
+            </p:nvGrpSpPr>
+            <p:grpSpPr>
+              <a:xfrm>
+                <a:off x="1719748" y="1807076"/>
+                <a:ext cx="1546188" cy="4646310"/>
+                <a:chOff x="924935" y="1728359"/>
+                <a:chExt cx="1546188" cy="4646310"/>
+              </a:xfrm>
+            </p:grpSpPr>
+            <p:pic>
+              <p:nvPicPr>
+                <p:cNvPr id="10" name="Inhaltsplatzhalter 6">
+                  <a:extLst>
+                    <a:ext uri="{FF2B5EF4-FFF2-40B4-BE49-F238E27FC236}">
+                      <a16:creationId xmlns:a16="http://schemas.microsoft.com/office/drawing/2014/main" id="{6C7C0DB7-F9FF-A7A5-1E23-983F1236C45F}"/>
+                    </a:ext>
+                  </a:extLst>
+                </p:cNvPr>
+                <p:cNvPicPr>
+                  <a:picLocks noChangeAspect="1"/>
+                </p:cNvPicPr>
+                <p:nvPr/>
+              </p:nvPicPr>
+              <p:blipFill>
+                <a:blip r:embed="rId2">
+                  <a:extLst>
+                    <a:ext uri="{28A0092B-C50C-407E-A947-70E740481C1C}">
+                      <a14:useLocalDpi xmlns:a14="http://schemas.microsoft.com/office/drawing/2010/main" val="0"/>
+                    </a:ext>
+                  </a:extLst>
+                </a:blip>
+                <a:stretch>
+                  <a:fillRect/>
+                </a:stretch>
+              </p:blipFill>
+              <p:spPr>
+                <a:xfrm>
+                  <a:off x="924935" y="1728359"/>
+                  <a:ext cx="488710" cy="488710"/>
+                </a:xfrm>
+                <a:prstGeom prst="rect">
+                  <a:avLst/>
+                </a:prstGeom>
+              </p:spPr>
+            </p:pic>
+            <p:pic>
+              <p:nvPicPr>
+                <p:cNvPr id="11" name="Inhaltsplatzhalter 6">
+                  <a:extLst>
+                    <a:ext uri="{FF2B5EF4-FFF2-40B4-BE49-F238E27FC236}">
+                      <a16:creationId xmlns:a16="http://schemas.microsoft.com/office/drawing/2014/main" id="{5474AE0B-D451-2C25-9EAC-033057DA7B29}"/>
+                    </a:ext>
+                  </a:extLst>
+                </p:cNvPr>
+                <p:cNvPicPr>
+                  <a:picLocks noChangeAspect="1"/>
+                </p:cNvPicPr>
+                <p:nvPr/>
+              </p:nvPicPr>
+              <p:blipFill>
+                <a:blip r:embed="rId2">
+                  <a:extLst>
+                    <a:ext uri="{28A0092B-C50C-407E-A947-70E740481C1C}">
+                      <a14:useLocalDpi xmlns:a14="http://schemas.microsoft.com/office/drawing/2010/main" val="0"/>
+                    </a:ext>
+                  </a:extLst>
+                </a:blip>
+                <a:stretch>
+                  <a:fillRect/>
+                </a:stretch>
+              </p:blipFill>
+              <p:spPr>
+                <a:xfrm>
+                  <a:off x="1413645" y="2208532"/>
+                  <a:ext cx="488710" cy="488710"/>
+                </a:xfrm>
+                <a:prstGeom prst="rect">
+                  <a:avLst/>
+                </a:prstGeom>
+              </p:spPr>
+            </p:pic>
+            <p:pic>
+              <p:nvPicPr>
+                <p:cNvPr id="12" name="Inhaltsplatzhalter 6">
+                  <a:extLst>
+                    <a:ext uri="{FF2B5EF4-FFF2-40B4-BE49-F238E27FC236}">
+                      <a16:creationId xmlns:a16="http://schemas.microsoft.com/office/drawing/2014/main" id="{9EF4B8E7-B8E6-5EE3-686C-EE16210CFF0E}"/>
+                    </a:ext>
+                  </a:extLst>
+                </p:cNvPr>
+                <p:cNvPicPr>
+                  <a:picLocks noChangeAspect="1"/>
+                </p:cNvPicPr>
+                <p:nvPr/>
+              </p:nvPicPr>
+              <p:blipFill>
+                <a:blip r:embed="rId2">
+                  <a:extLst>
+                    <a:ext uri="{28A0092B-C50C-407E-A947-70E740481C1C}">
+                      <a14:useLocalDpi xmlns:a14="http://schemas.microsoft.com/office/drawing/2010/main" val="0"/>
+                    </a:ext>
+                  </a:extLst>
+                </a:blip>
+                <a:stretch>
+                  <a:fillRect/>
+                </a:stretch>
+              </p:blipFill>
+              <p:spPr>
+                <a:xfrm>
+                  <a:off x="1413645" y="3832267"/>
+                  <a:ext cx="488710" cy="488710"/>
+                </a:xfrm>
+                <a:prstGeom prst="rect">
+                  <a:avLst/>
+                </a:prstGeom>
+              </p:spPr>
+            </p:pic>
+            <p:pic>
+              <p:nvPicPr>
+                <p:cNvPr id="13" name="Inhaltsplatzhalter 6">
+                  <a:extLst>
+                    <a:ext uri="{FF2B5EF4-FFF2-40B4-BE49-F238E27FC236}">
+                      <a16:creationId xmlns:a16="http://schemas.microsoft.com/office/drawing/2014/main" id="{570E6EFF-2036-47F0-D5B1-84507BCA2F94}"/>
+                    </a:ext>
+                  </a:extLst>
+                </p:cNvPr>
+                <p:cNvPicPr>
+                  <a:picLocks noChangeAspect="1"/>
+                </p:cNvPicPr>
+                <p:nvPr/>
+              </p:nvPicPr>
+              <p:blipFill>
+                <a:blip r:embed="rId2">
+                  <a:extLst>
+                    <a:ext uri="{28A0092B-C50C-407E-A947-70E740481C1C}">
+                      <a14:useLocalDpi xmlns:a14="http://schemas.microsoft.com/office/drawing/2010/main" val="0"/>
+                    </a:ext>
+                  </a:extLst>
+                </a:blip>
+                <a:stretch>
+                  <a:fillRect/>
+                </a:stretch>
+              </p:blipFill>
+              <p:spPr>
+                <a:xfrm>
+                  <a:off x="924935" y="4854125"/>
+                  <a:ext cx="488710" cy="488710"/>
+                </a:xfrm>
+                <a:prstGeom prst="rect">
+                  <a:avLst/>
+                </a:prstGeom>
+              </p:spPr>
+            </p:pic>
+            <p:pic>
+              <p:nvPicPr>
+                <p:cNvPr id="14" name="Inhaltsplatzhalter 6">
+                  <a:extLst>
+                    <a:ext uri="{FF2B5EF4-FFF2-40B4-BE49-F238E27FC236}">
+                      <a16:creationId xmlns:a16="http://schemas.microsoft.com/office/drawing/2014/main" id="{3CC96C91-A284-F3A4-23E4-08FE3B6869A7}"/>
+                    </a:ext>
+                  </a:extLst>
+                </p:cNvPr>
+                <p:cNvPicPr>
+                  <a:picLocks noChangeAspect="1"/>
+                </p:cNvPicPr>
+                <p:nvPr/>
+              </p:nvPicPr>
+              <p:blipFill>
+                <a:blip r:embed="rId2">
+                  <a:extLst>
+                    <a:ext uri="{28A0092B-C50C-407E-A947-70E740481C1C}">
+                      <a14:useLocalDpi xmlns:a14="http://schemas.microsoft.com/office/drawing/2010/main" val="0"/>
+                    </a:ext>
+                  </a:extLst>
+                </a:blip>
+                <a:stretch>
+                  <a:fillRect/>
+                </a:stretch>
+              </p:blipFill>
+              <p:spPr>
+                <a:xfrm>
+                  <a:off x="930390" y="5377069"/>
+                  <a:ext cx="488710" cy="488710"/>
+                </a:xfrm>
+                <a:prstGeom prst="rect">
+                  <a:avLst/>
+                </a:prstGeom>
+              </p:spPr>
+            </p:pic>
+            <p:pic>
+              <p:nvPicPr>
+                <p:cNvPr id="6" name="Grafik 5">
+                  <a:extLst>
+                    <a:ext uri="{FF2B5EF4-FFF2-40B4-BE49-F238E27FC236}">
+                      <a16:creationId xmlns:a16="http://schemas.microsoft.com/office/drawing/2014/main" id="{CDF97EA9-B3D6-0F5E-281C-52334497CD05}"/>
+                    </a:ext>
+                  </a:extLst>
+                </p:cNvPr>
+                <p:cNvPicPr>
+                  <a:picLocks noChangeAspect="1"/>
+                </p:cNvPicPr>
+                <p:nvPr/>
+              </p:nvPicPr>
+              <p:blipFill>
+                <a:blip r:embed="rId3">
+                  <a:extLst>
+                    <a:ext uri="{28A0092B-C50C-407E-A947-70E740481C1C}">
+                      <a14:useLocalDpi xmlns:a14="http://schemas.microsoft.com/office/drawing/2010/main" val="0"/>
+                    </a:ext>
+                  </a:extLst>
+                </a:blip>
+                <a:stretch>
+                  <a:fillRect/>
+                </a:stretch>
+              </p:blipFill>
+              <p:spPr>
+                <a:xfrm>
+                  <a:off x="1940437" y="2716851"/>
+                  <a:ext cx="488710" cy="488710"/>
+                </a:xfrm>
+                <a:prstGeom prst="rect">
+                  <a:avLst/>
+                </a:prstGeom>
+              </p:spPr>
+            </p:pic>
+            <p:pic>
+              <p:nvPicPr>
+                <p:cNvPr id="8" name="Grafik 7">
+                  <a:extLst>
+                    <a:ext uri="{FF2B5EF4-FFF2-40B4-BE49-F238E27FC236}">
+                      <a16:creationId xmlns:a16="http://schemas.microsoft.com/office/drawing/2014/main" id="{C9664CCC-EFDB-F094-B74A-D2A51B68B0E8}"/>
+                    </a:ext>
+                  </a:extLst>
+                </p:cNvPr>
+                <p:cNvPicPr>
+                  <a:picLocks noChangeAspect="1"/>
+                </p:cNvPicPr>
+                <p:nvPr/>
+              </p:nvPicPr>
+              <p:blipFill>
+                <a:blip r:embed="rId4">
+                  <a:extLst>
+                    <a:ext uri="{28A0092B-C50C-407E-A947-70E740481C1C}">
+                      <a14:useLocalDpi xmlns:a14="http://schemas.microsoft.com/office/drawing/2010/main" val="0"/>
+                    </a:ext>
+                  </a:extLst>
+                </a:blip>
+                <a:stretch>
+                  <a:fillRect/>
+                </a:stretch>
+              </p:blipFill>
+              <p:spPr>
+                <a:xfrm>
+                  <a:off x="1940437" y="3311413"/>
+                  <a:ext cx="530686" cy="530686"/>
+                </a:xfrm>
+                <a:prstGeom prst="rect">
+                  <a:avLst/>
+                </a:prstGeom>
+              </p:spPr>
+            </p:pic>
+            <p:pic>
+              <p:nvPicPr>
+                <p:cNvPr id="17" name="Grafik 16">
+                  <a:extLst>
+                    <a:ext uri="{FF2B5EF4-FFF2-40B4-BE49-F238E27FC236}">
+                      <a16:creationId xmlns:a16="http://schemas.microsoft.com/office/drawing/2014/main" id="{79ADB3A8-6476-0315-E929-6BB9398FB7E5}"/>
+                    </a:ext>
+                  </a:extLst>
+                </p:cNvPr>
+                <p:cNvPicPr>
+                  <a:picLocks noChangeAspect="1"/>
+                </p:cNvPicPr>
+                <p:nvPr/>
+              </p:nvPicPr>
+              <p:blipFill>
+                <a:blip r:embed="rId5">
+                  <a:extLst>
+                    <a:ext uri="{28A0092B-C50C-407E-A947-70E740481C1C}">
+                      <a14:useLocalDpi xmlns:a14="http://schemas.microsoft.com/office/drawing/2010/main" val="0"/>
+                    </a:ext>
+                  </a:extLst>
+                </a:blip>
+                <a:stretch>
+                  <a:fillRect/>
+                </a:stretch>
+              </p:blipFill>
+              <p:spPr>
+                <a:xfrm>
+                  <a:off x="1967072" y="4346435"/>
+                  <a:ext cx="488710" cy="488710"/>
+                </a:xfrm>
+                <a:prstGeom prst="rect">
+                  <a:avLst/>
+                </a:prstGeom>
+              </p:spPr>
+            </p:pic>
+            <p:pic>
+              <p:nvPicPr>
+                <p:cNvPr id="18" name="Inhaltsplatzhalter 6">
+                  <a:extLst>
+                    <a:ext uri="{FF2B5EF4-FFF2-40B4-BE49-F238E27FC236}">
+                      <a16:creationId xmlns:a16="http://schemas.microsoft.com/office/drawing/2014/main" id="{28088E99-9CE0-87A3-BFFC-6C3B88157ABF}"/>
+                    </a:ext>
+                  </a:extLst>
+                </p:cNvPr>
+                <p:cNvPicPr>
+                  <a:picLocks noChangeAspect="1"/>
+                </p:cNvPicPr>
+                <p:nvPr/>
+              </p:nvPicPr>
+              <p:blipFill>
+                <a:blip r:embed="rId2">
+                  <a:extLst>
+                    <a:ext uri="{28A0092B-C50C-407E-A947-70E740481C1C}">
+                      <a14:useLocalDpi xmlns:a14="http://schemas.microsoft.com/office/drawing/2010/main" val="0"/>
+                    </a:ext>
+                  </a:extLst>
+                </a:blip>
+                <a:stretch>
+                  <a:fillRect/>
+                </a:stretch>
+              </p:blipFill>
+              <p:spPr>
+                <a:xfrm>
+                  <a:off x="924935" y="5885959"/>
+                  <a:ext cx="488710" cy="488710"/>
+                </a:xfrm>
+                <a:prstGeom prst="rect">
+                  <a:avLst/>
+                </a:prstGeom>
+              </p:spPr>
+            </p:pic>
+          </p:grpSp>
+          <p:cxnSp>
+            <p:nvCxnSpPr>
+              <p:cNvPr id="22" name="Verbinder: gewinkelt 21">
+                <a:extLst>
+                  <a:ext uri="{FF2B5EF4-FFF2-40B4-BE49-F238E27FC236}">
+                    <a16:creationId xmlns:a16="http://schemas.microsoft.com/office/drawing/2014/main" id="{AF6CDC23-872D-6569-58AF-F4142C7B241B}"/>
+                  </a:ext>
+                </a:extLst>
+              </p:cNvPr>
+              <p:cNvCxnSpPr>
+                <a:cxnSpLocks/>
+                <a:stCxn id="10" idx="2"/>
+                <a:endCxn id="11" idx="1"/>
+              </p:cNvCxnSpPr>
+              <p:nvPr/>
+            </p:nvCxnSpPr>
+            <p:spPr>
+              <a:xfrm rot="16200000" flipH="1">
+                <a:off x="1968371" y="2291517"/>
+                <a:ext cx="235818" cy="244355"/>
+              </a:xfrm>
+              <a:prstGeom prst="bentConnector2">
+                <a:avLst/>
+              </a:prstGeom>
+              <a:ln w="22225">
+                <a:solidFill>
+                  <a:schemeClr val="tx1"/>
+                </a:solidFill>
+                <a:tailEnd type="triangle"/>
+              </a:ln>
+            </p:spPr>
+            <p:style>
+              <a:lnRef idx="3">
+                <a:schemeClr val="dk1"/>
+              </a:lnRef>
+              <a:fillRef idx="0">
+                <a:schemeClr val="dk1"/>
+              </a:fillRef>
+              <a:effectRef idx="2">
+                <a:schemeClr val="dk1"/>
+              </a:effectRef>
+              <a:fontRef idx="minor">
+                <a:schemeClr val="tx1"/>
+              </a:fontRef>
+            </p:style>
+          </p:cxnSp>
+          <p:cxnSp>
+            <p:nvCxnSpPr>
+              <p:cNvPr id="25" name="Verbinder: gewinkelt 24">
+                <a:extLst>
+                  <a:ext uri="{FF2B5EF4-FFF2-40B4-BE49-F238E27FC236}">
+                    <a16:creationId xmlns:a16="http://schemas.microsoft.com/office/drawing/2014/main" id="{A581FC8D-227A-AFC8-F1B2-581E5D269757}"/>
+                  </a:ext>
+                </a:extLst>
+              </p:cNvPr>
+              <p:cNvCxnSpPr>
+                <a:cxnSpLocks/>
+                <a:stCxn id="11" idx="2"/>
+                <a:endCxn id="6" idx="1"/>
+              </p:cNvCxnSpPr>
+              <p:nvPr/>
+            </p:nvCxnSpPr>
+            <p:spPr>
+              <a:xfrm rot="16200000" flipH="1">
+                <a:off x="2462049" y="2766722"/>
+                <a:ext cx="263964" cy="282437"/>
+              </a:xfrm>
+              <a:prstGeom prst="bentConnector2">
+                <a:avLst/>
+              </a:prstGeom>
+              <a:ln w="22225">
+                <a:solidFill>
+                  <a:schemeClr val="tx1"/>
+                </a:solidFill>
+                <a:tailEnd type="triangle"/>
+              </a:ln>
+            </p:spPr>
+            <p:style>
+              <a:lnRef idx="3">
+                <a:schemeClr val="dk1"/>
+              </a:lnRef>
+              <a:fillRef idx="0">
+                <a:schemeClr val="dk1"/>
+              </a:fillRef>
+              <a:effectRef idx="2">
+                <a:schemeClr val="dk1"/>
+              </a:effectRef>
+              <a:fontRef idx="minor">
+                <a:schemeClr val="tx1"/>
+              </a:fontRef>
+            </p:style>
+          </p:cxnSp>
+          <p:cxnSp>
+            <p:nvCxnSpPr>
+              <p:cNvPr id="28" name="Verbinder: gewinkelt 27">
+                <a:extLst>
+                  <a:ext uri="{FF2B5EF4-FFF2-40B4-BE49-F238E27FC236}">
+                    <a16:creationId xmlns:a16="http://schemas.microsoft.com/office/drawing/2014/main" id="{287717C3-65F3-2DB7-28D2-30EBC801020C}"/>
+                  </a:ext>
+                </a:extLst>
+              </p:cNvPr>
+              <p:cNvCxnSpPr>
+                <a:cxnSpLocks/>
+                <a:stCxn id="11" idx="2"/>
+                <a:endCxn id="8" idx="1"/>
+              </p:cNvCxnSpPr>
+              <p:nvPr/>
+            </p:nvCxnSpPr>
+            <p:spPr>
+              <a:xfrm rot="16200000" flipH="1">
+                <a:off x="2154274" y="3074497"/>
+                <a:ext cx="879514" cy="282437"/>
+              </a:xfrm>
+              <a:prstGeom prst="bentConnector2">
+                <a:avLst/>
+              </a:prstGeom>
+              <a:ln w="22225">
+                <a:solidFill>
+                  <a:schemeClr val="tx1"/>
+                </a:solidFill>
+                <a:tailEnd type="triangle"/>
+              </a:ln>
+            </p:spPr>
+            <p:style>
+              <a:lnRef idx="3">
+                <a:schemeClr val="dk1"/>
+              </a:lnRef>
+              <a:fillRef idx="0">
+                <a:schemeClr val="dk1"/>
+              </a:fillRef>
+              <a:effectRef idx="2">
+                <a:schemeClr val="dk1"/>
+              </a:effectRef>
+              <a:fontRef idx="minor">
+                <a:schemeClr val="tx1"/>
+              </a:fontRef>
+            </p:style>
+          </p:cxnSp>
+          <p:cxnSp>
+            <p:nvCxnSpPr>
+              <p:cNvPr id="31" name="Verbinder: gewinkelt 30">
+                <a:extLst>
+                  <a:ext uri="{FF2B5EF4-FFF2-40B4-BE49-F238E27FC236}">
+                    <a16:creationId xmlns:a16="http://schemas.microsoft.com/office/drawing/2014/main" id="{9A6D6928-92AB-3FDF-CBB4-7EB94B19EB2A}"/>
+                  </a:ext>
+                </a:extLst>
+              </p:cNvPr>
+              <p:cNvCxnSpPr>
+                <a:cxnSpLocks/>
+                <a:stCxn id="10" idx="2"/>
+                <a:endCxn id="12" idx="1"/>
+              </p:cNvCxnSpPr>
+              <p:nvPr/>
+            </p:nvCxnSpPr>
+            <p:spPr>
+              <a:xfrm rot="16200000" flipH="1">
+                <a:off x="1156504" y="3103384"/>
+                <a:ext cx="1859553" cy="244355"/>
+              </a:xfrm>
+              <a:prstGeom prst="bentConnector2">
+                <a:avLst/>
+              </a:prstGeom>
+              <a:ln w="22225">
+                <a:solidFill>
+                  <a:schemeClr val="tx1"/>
+                </a:solidFill>
+                <a:tailEnd type="triangle"/>
+              </a:ln>
+            </p:spPr>
+            <p:style>
+              <a:lnRef idx="3">
+                <a:schemeClr val="dk1"/>
+              </a:lnRef>
+              <a:fillRef idx="0">
+                <a:schemeClr val="dk1"/>
+              </a:fillRef>
+              <a:effectRef idx="2">
+                <a:schemeClr val="dk1"/>
+              </a:effectRef>
+              <a:fontRef idx="minor">
+                <a:schemeClr val="tx1"/>
+              </a:fontRef>
+            </p:style>
+          </p:cxnSp>
+          <p:cxnSp>
+            <p:nvCxnSpPr>
+              <p:cNvPr id="34" name="Verbinder: gewinkelt 33">
+                <a:extLst>
+                  <a:ext uri="{FF2B5EF4-FFF2-40B4-BE49-F238E27FC236}">
+                    <a16:creationId xmlns:a16="http://schemas.microsoft.com/office/drawing/2014/main" id="{6D21919D-FF1A-DC05-0E94-3123889EC3FB}"/>
+                  </a:ext>
+                </a:extLst>
+              </p:cNvPr>
+              <p:cNvCxnSpPr>
+                <a:cxnSpLocks/>
+                <a:stCxn id="12" idx="2"/>
+                <a:endCxn id="17" idx="1"/>
+              </p:cNvCxnSpPr>
+              <p:nvPr/>
+            </p:nvCxnSpPr>
+            <p:spPr>
+              <a:xfrm rot="16200000" flipH="1">
+                <a:off x="2472443" y="4380064"/>
+                <a:ext cx="269813" cy="309072"/>
+              </a:xfrm>
+              <a:prstGeom prst="bentConnector2">
+                <a:avLst/>
+              </a:prstGeom>
+              <a:ln w="22225">
+                <a:solidFill>
+                  <a:schemeClr val="tx1"/>
+                </a:solidFill>
+                <a:tailEnd type="triangle"/>
+              </a:ln>
+            </p:spPr>
+            <p:style>
+              <a:lnRef idx="3">
+                <a:schemeClr val="dk1"/>
+              </a:lnRef>
+              <a:fillRef idx="0">
+                <a:schemeClr val="dk1"/>
+              </a:fillRef>
+              <a:effectRef idx="2">
+                <a:schemeClr val="dk1"/>
+              </a:effectRef>
+              <a:fontRef idx="minor">
+                <a:schemeClr val="tx1"/>
+              </a:fontRef>
+            </p:style>
+          </p:cxnSp>
+          <p:sp>
+            <p:nvSpPr>
+              <p:cNvPr id="46" name="Textfeld 45">
+                <a:extLst>
+                  <a:ext uri="{FF2B5EF4-FFF2-40B4-BE49-F238E27FC236}">
+                    <a16:creationId xmlns:a16="http://schemas.microsoft.com/office/drawing/2014/main" id="{1C7A7D94-9BE0-9621-B64A-5AB037114C8C}"/>
+                  </a:ext>
+                </a:extLst>
+              </p:cNvPr>
+              <p:cNvSpPr txBox="1"/>
+              <p:nvPr/>
+            </p:nvSpPr>
+            <p:spPr>
+              <a:xfrm>
+                <a:off x="990709" y="1272815"/>
+                <a:ext cx="973393" cy="584775"/>
+              </a:xfrm>
+              <a:prstGeom prst="rect">
+                <a:avLst/>
+              </a:prstGeom>
+              <a:noFill/>
+            </p:spPr>
+            <p:txBody>
+              <a:bodyPr wrap="square" rtlCol="0">
+                <a:spAutoFit/>
+              </a:bodyPr>
+              <a:lstStyle/>
+              <a:p>
+                <a:r>
+                  <a:rPr lang="de-DE" sz="3200" b="1" dirty="0">
+                    <a:latin typeface="Barrio" panose="00000500000000000000" pitchFamily="2" charset="0"/>
+                  </a:rPr>
+                  <a:t>  …</a:t>
+                </a:r>
+              </a:p>
+            </p:txBody>
+          </p:sp>
+          <p:cxnSp>
+            <p:nvCxnSpPr>
+              <p:cNvPr id="47" name="Verbinder: gewinkelt 46">
+                <a:extLst>
+                  <a:ext uri="{FF2B5EF4-FFF2-40B4-BE49-F238E27FC236}">
+                    <a16:creationId xmlns:a16="http://schemas.microsoft.com/office/drawing/2014/main" id="{BF99C512-30D9-38D8-1360-76F5B3607C73}"/>
+                  </a:ext>
+                </a:extLst>
+              </p:cNvPr>
+              <p:cNvCxnSpPr>
+                <a:cxnSpLocks/>
+                <a:stCxn id="46" idx="2"/>
+                <a:endCxn id="10" idx="1"/>
+              </p:cNvCxnSpPr>
+              <p:nvPr/>
+            </p:nvCxnSpPr>
+            <p:spPr>
+              <a:xfrm rot="16200000" flipH="1">
+                <a:off x="1501657" y="1833339"/>
+                <a:ext cx="193841" cy="242342"/>
+              </a:xfrm>
+              <a:prstGeom prst="bentConnector2">
+                <a:avLst/>
+              </a:prstGeom>
+              <a:ln w="22225">
+                <a:solidFill>
+                  <a:schemeClr val="tx1"/>
+                </a:solidFill>
+                <a:tailEnd type="triangle"/>
+              </a:ln>
+            </p:spPr>
+            <p:style>
+              <a:lnRef idx="3">
+                <a:schemeClr val="dk1"/>
+              </a:lnRef>
+              <a:fillRef idx="0">
+                <a:schemeClr val="dk1"/>
+              </a:fillRef>
+              <a:effectRef idx="2">
+                <a:schemeClr val="dk1"/>
+              </a:effectRef>
+              <a:fontRef idx="minor">
+                <a:schemeClr val="tx1"/>
+              </a:fontRef>
+            </p:style>
+          </p:cxnSp>
+          <p:cxnSp>
+            <p:nvCxnSpPr>
+              <p:cNvPr id="52" name="Verbinder: gewinkelt 51">
+                <a:extLst>
+                  <a:ext uri="{FF2B5EF4-FFF2-40B4-BE49-F238E27FC236}">
+                    <a16:creationId xmlns:a16="http://schemas.microsoft.com/office/drawing/2014/main" id="{E45ED6AF-822B-A338-7F81-730593D17A86}"/>
+                  </a:ext>
+                </a:extLst>
+              </p:cNvPr>
+              <p:cNvCxnSpPr>
+                <a:cxnSpLocks/>
+                <a:stCxn id="46" idx="2"/>
+                <a:endCxn id="13" idx="1"/>
+              </p:cNvCxnSpPr>
+              <p:nvPr/>
+            </p:nvCxnSpPr>
+            <p:spPr>
+              <a:xfrm rot="16200000" flipH="1">
+                <a:off x="-61226" y="3396222"/>
+                <a:ext cx="3319607" cy="242342"/>
+              </a:xfrm>
+              <a:prstGeom prst="bentConnector2">
+                <a:avLst/>
+              </a:prstGeom>
+              <a:ln w="22225">
+                <a:solidFill>
+                  <a:schemeClr val="tx1"/>
+                </a:solidFill>
+                <a:tailEnd type="triangle"/>
+              </a:ln>
+            </p:spPr>
+            <p:style>
+              <a:lnRef idx="3">
+                <a:schemeClr val="dk1"/>
+              </a:lnRef>
+              <a:fillRef idx="0">
+                <a:schemeClr val="dk1"/>
+              </a:fillRef>
+              <a:effectRef idx="2">
+                <a:schemeClr val="dk1"/>
+              </a:effectRef>
+              <a:fontRef idx="minor">
+                <a:schemeClr val="tx1"/>
+              </a:fontRef>
+            </p:style>
+          </p:cxnSp>
+          <p:cxnSp>
+            <p:nvCxnSpPr>
+              <p:cNvPr id="55" name="Verbinder: gewinkelt 54">
+                <a:extLst>
+                  <a:ext uri="{FF2B5EF4-FFF2-40B4-BE49-F238E27FC236}">
+                    <a16:creationId xmlns:a16="http://schemas.microsoft.com/office/drawing/2014/main" id="{B47C360B-6B5E-9736-0598-82AB898E7355}"/>
+                  </a:ext>
+                </a:extLst>
+              </p:cNvPr>
+              <p:cNvCxnSpPr>
+                <a:cxnSpLocks/>
+                <a:stCxn id="46" idx="2"/>
+                <a:endCxn id="14" idx="1"/>
+              </p:cNvCxnSpPr>
+              <p:nvPr/>
+            </p:nvCxnSpPr>
+            <p:spPr>
+              <a:xfrm rot="16200000" flipH="1">
+                <a:off x="-319971" y="3654966"/>
+                <a:ext cx="3842551" cy="247797"/>
+              </a:xfrm>
+              <a:prstGeom prst="bentConnector2">
+                <a:avLst/>
+              </a:prstGeom>
+              <a:ln w="22225">
+                <a:solidFill>
+                  <a:schemeClr val="tx1"/>
+                </a:solidFill>
+                <a:tailEnd type="triangle"/>
+              </a:ln>
+            </p:spPr>
+            <p:style>
+              <a:lnRef idx="3">
+                <a:schemeClr val="dk1"/>
+              </a:lnRef>
+              <a:fillRef idx="0">
+                <a:schemeClr val="dk1"/>
+              </a:fillRef>
+              <a:effectRef idx="2">
+                <a:schemeClr val="dk1"/>
+              </a:effectRef>
+              <a:fontRef idx="minor">
+                <a:schemeClr val="tx1"/>
+              </a:fontRef>
+            </p:style>
+          </p:cxnSp>
+          <p:cxnSp>
+            <p:nvCxnSpPr>
+              <p:cNvPr id="58" name="Verbinder: gewinkelt 57">
+                <a:extLst>
+                  <a:ext uri="{FF2B5EF4-FFF2-40B4-BE49-F238E27FC236}">
+                    <a16:creationId xmlns:a16="http://schemas.microsoft.com/office/drawing/2014/main" id="{D6F38C68-2BB2-8A99-5539-A514980C7A87}"/>
+                  </a:ext>
+                </a:extLst>
+              </p:cNvPr>
+              <p:cNvCxnSpPr>
+                <a:cxnSpLocks/>
+                <a:stCxn id="46" idx="2"/>
+                <a:endCxn id="18" idx="1"/>
+              </p:cNvCxnSpPr>
+              <p:nvPr/>
+            </p:nvCxnSpPr>
+            <p:spPr>
+              <a:xfrm rot="16200000" flipH="1">
+                <a:off x="-577143" y="3912139"/>
+                <a:ext cx="4351441" cy="242342"/>
+              </a:xfrm>
+              <a:prstGeom prst="bentConnector2">
+                <a:avLst/>
+              </a:prstGeom>
+              <a:ln w="22225">
+                <a:solidFill>
+                  <a:schemeClr val="tx1"/>
+                </a:solidFill>
+                <a:tailEnd type="triangle"/>
+              </a:ln>
+            </p:spPr>
+            <p:style>
+              <a:lnRef idx="3">
+                <a:schemeClr val="dk1"/>
+              </a:lnRef>
+              <a:fillRef idx="0">
+                <a:schemeClr val="dk1"/>
+              </a:fillRef>
+              <a:effectRef idx="2">
+                <a:schemeClr val="dk1"/>
+              </a:effectRef>
+              <a:fontRef idx="minor">
+                <a:schemeClr val="tx1"/>
+              </a:fontRef>
+            </p:style>
+          </p:cxnSp>
+        </p:grpSp>
+        <p:sp>
+          <p:nvSpPr>
+            <p:cNvPr id="66" name="Textfeld 65">
+              <a:extLst>
+                <a:ext uri="{FF2B5EF4-FFF2-40B4-BE49-F238E27FC236}">
+                  <a16:creationId xmlns:a16="http://schemas.microsoft.com/office/drawing/2014/main" id="{0DC2A22F-4378-1760-1CA6-D15E865C0AC6}"/>
+                </a:ext>
+              </a:extLst>
+            </p:cNvPr>
+            <p:cNvSpPr txBox="1"/>
+            <p:nvPr/>
+          </p:nvSpPr>
+          <p:spPr>
+            <a:xfrm>
+              <a:off x="2213913" y="1820318"/>
+              <a:ext cx="2644878" cy="461665"/>
+            </a:xfrm>
+            <a:prstGeom prst="rect">
+              <a:avLst/>
+            </a:prstGeom>
+            <a:noFill/>
+          </p:spPr>
+          <p:txBody>
+            <a:bodyPr wrap="square" rtlCol="0">
+              <a:spAutoFit/>
+            </a:bodyPr>
+            <a:lstStyle/>
+            <a:p>
+              <a:r>
+                <a:rPr lang="de-DE" sz="2400" dirty="0" err="1"/>
+                <a:t>overview</a:t>
+              </a:r>
+              <a:endParaRPr lang="de-DE" dirty="0"/>
+            </a:p>
+          </p:txBody>
+        </p:sp>
+        <p:sp>
+          <p:nvSpPr>
+            <p:cNvPr id="67" name="Textfeld 66">
+              <a:extLst>
+                <a:ext uri="{FF2B5EF4-FFF2-40B4-BE49-F238E27FC236}">
+                  <a16:creationId xmlns:a16="http://schemas.microsoft.com/office/drawing/2014/main" id="{B700D6C8-9A3C-8324-97F2-6B5326A83437}"/>
+                </a:ext>
+              </a:extLst>
+            </p:cNvPr>
+            <p:cNvSpPr txBox="1"/>
+            <p:nvPr/>
+          </p:nvSpPr>
+          <p:spPr>
+            <a:xfrm>
+              <a:off x="2735250" y="2277552"/>
+              <a:ext cx="2644878" cy="461665"/>
+            </a:xfrm>
+            <a:prstGeom prst="rect">
+              <a:avLst/>
+            </a:prstGeom>
+            <a:noFill/>
+          </p:spPr>
+          <p:txBody>
+            <a:bodyPr wrap="square" rtlCol="0">
+              <a:spAutoFit/>
+            </a:bodyPr>
+            <a:lstStyle/>
+            <a:p>
+              <a:r>
+                <a:rPr lang="de-DE" sz="2400" dirty="0" err="1"/>
+                <a:t>static</a:t>
+              </a:r>
+              <a:endParaRPr lang="de-DE" dirty="0"/>
+            </a:p>
+          </p:txBody>
+        </p:sp>
+        <p:sp>
+          <p:nvSpPr>
+            <p:cNvPr id="68" name="Textfeld 67">
+              <a:extLst>
+                <a:ext uri="{FF2B5EF4-FFF2-40B4-BE49-F238E27FC236}">
+                  <a16:creationId xmlns:a16="http://schemas.microsoft.com/office/drawing/2014/main" id="{EF174FAF-2B4A-3220-98DE-5390B9399DEB}"/>
+                </a:ext>
+              </a:extLst>
+            </p:cNvPr>
+            <p:cNvSpPr txBox="1"/>
+            <p:nvPr/>
+          </p:nvSpPr>
+          <p:spPr>
+            <a:xfrm>
+              <a:off x="3250595" y="2790873"/>
+              <a:ext cx="2644878" cy="461665"/>
+            </a:xfrm>
+            <a:prstGeom prst="rect">
+              <a:avLst/>
+            </a:prstGeom>
+            <a:noFill/>
+          </p:spPr>
+          <p:txBody>
+            <a:bodyPr wrap="square" rtlCol="0">
+              <a:spAutoFit/>
+            </a:bodyPr>
+            <a:lstStyle/>
+            <a:p>
+              <a:r>
+                <a:rPr lang="de-DE" sz="2400" dirty="0"/>
+                <a:t>image.png</a:t>
+              </a:r>
+              <a:endParaRPr lang="de-DE" dirty="0"/>
+            </a:p>
+          </p:txBody>
+        </p:sp>
+        <p:sp>
+          <p:nvSpPr>
+            <p:cNvPr id="69" name="Textfeld 68">
+              <a:extLst>
+                <a:ext uri="{FF2B5EF4-FFF2-40B4-BE49-F238E27FC236}">
+                  <a16:creationId xmlns:a16="http://schemas.microsoft.com/office/drawing/2014/main" id="{20360B32-168E-71F6-627D-5C4033EC8D20}"/>
+                </a:ext>
+              </a:extLst>
+            </p:cNvPr>
+            <p:cNvSpPr txBox="1"/>
+            <p:nvPr/>
+          </p:nvSpPr>
+          <p:spPr>
+            <a:xfrm>
+              <a:off x="3262041" y="3409502"/>
+              <a:ext cx="2644878" cy="461665"/>
+            </a:xfrm>
+            <a:prstGeom prst="rect">
+              <a:avLst/>
+            </a:prstGeom>
+            <a:noFill/>
+          </p:spPr>
+          <p:txBody>
+            <a:bodyPr wrap="square" rtlCol="0">
+              <a:spAutoFit/>
+            </a:bodyPr>
+            <a:lstStyle/>
+            <a:p>
+              <a:r>
+                <a:rPr lang="de-DE" sz="2400" dirty="0"/>
+                <a:t>styles.css</a:t>
+              </a:r>
+              <a:endParaRPr lang="de-DE" dirty="0"/>
+            </a:p>
+          </p:txBody>
+        </p:sp>
+        <p:sp>
+          <p:nvSpPr>
+            <p:cNvPr id="70" name="Textfeld 69">
+              <a:extLst>
+                <a:ext uri="{FF2B5EF4-FFF2-40B4-BE49-F238E27FC236}">
+                  <a16:creationId xmlns:a16="http://schemas.microsoft.com/office/drawing/2014/main" id="{3E254F6B-6B9F-1A67-A675-6301F5E20C4F}"/>
+                </a:ext>
+              </a:extLst>
+            </p:cNvPr>
+            <p:cNvSpPr txBox="1"/>
+            <p:nvPr/>
+          </p:nvSpPr>
+          <p:spPr>
+            <a:xfrm>
+              <a:off x="2735250" y="3929422"/>
+              <a:ext cx="2644878" cy="461665"/>
+            </a:xfrm>
+            <a:prstGeom prst="rect">
+              <a:avLst/>
+            </a:prstGeom>
+            <a:noFill/>
+          </p:spPr>
+          <p:txBody>
+            <a:bodyPr wrap="square" rtlCol="0">
+              <a:spAutoFit/>
+            </a:bodyPr>
+            <a:lstStyle/>
+            <a:p>
+              <a:r>
+                <a:rPr lang="de-DE" sz="2400" dirty="0" err="1"/>
+                <a:t>templates</a:t>
+              </a:r>
+              <a:endParaRPr lang="de-DE" dirty="0"/>
+            </a:p>
+          </p:txBody>
+        </p:sp>
+        <p:sp>
+          <p:nvSpPr>
+            <p:cNvPr id="71" name="Textfeld 70">
+              <a:extLst>
+                <a:ext uri="{FF2B5EF4-FFF2-40B4-BE49-F238E27FC236}">
+                  <a16:creationId xmlns:a16="http://schemas.microsoft.com/office/drawing/2014/main" id="{EAD181AB-18AD-CED2-EB37-72466D5E86CE}"/>
+                </a:ext>
+              </a:extLst>
+            </p:cNvPr>
+            <p:cNvSpPr txBox="1"/>
+            <p:nvPr/>
+          </p:nvSpPr>
+          <p:spPr>
+            <a:xfrm>
+              <a:off x="3262041" y="4438674"/>
+              <a:ext cx="2644878" cy="461665"/>
+            </a:xfrm>
+            <a:prstGeom prst="rect">
+              <a:avLst/>
+            </a:prstGeom>
+            <a:noFill/>
+          </p:spPr>
+          <p:txBody>
+            <a:bodyPr wrap="square" rtlCol="0">
+              <a:spAutoFit/>
+            </a:bodyPr>
+            <a:lstStyle/>
+            <a:p>
+              <a:r>
+                <a:rPr lang="de-DE" sz="2400" dirty="0"/>
+                <a:t>overview.html</a:t>
+              </a:r>
+              <a:endParaRPr lang="de-DE" dirty="0"/>
+            </a:p>
+          </p:txBody>
+        </p:sp>
+        <p:sp>
+          <p:nvSpPr>
+            <p:cNvPr id="72" name="Textfeld 71">
+              <a:extLst>
+                <a:ext uri="{FF2B5EF4-FFF2-40B4-BE49-F238E27FC236}">
+                  <a16:creationId xmlns:a16="http://schemas.microsoft.com/office/drawing/2014/main" id="{708D17E7-2383-8F19-A85A-D245F185057E}"/>
+                </a:ext>
+              </a:extLst>
+            </p:cNvPr>
+            <p:cNvSpPr txBox="1"/>
+            <p:nvPr/>
+          </p:nvSpPr>
+          <p:spPr>
+            <a:xfrm>
+              <a:off x="2208458" y="4952650"/>
+              <a:ext cx="2644878" cy="461665"/>
+            </a:xfrm>
+            <a:prstGeom prst="rect">
+              <a:avLst/>
+            </a:prstGeom>
+            <a:noFill/>
+          </p:spPr>
+          <p:txBody>
+            <a:bodyPr wrap="square" rtlCol="0">
+              <a:spAutoFit/>
+            </a:bodyPr>
+            <a:lstStyle/>
+            <a:p>
+              <a:r>
+                <a:rPr lang="de-DE" sz="2400" dirty="0" err="1"/>
+                <a:t>login</a:t>
+              </a:r>
+              <a:endParaRPr lang="de-DE" dirty="0"/>
+            </a:p>
+          </p:txBody>
+        </p:sp>
+        <p:sp>
+          <p:nvSpPr>
+            <p:cNvPr id="73" name="Textfeld 72">
+              <a:extLst>
+                <a:ext uri="{FF2B5EF4-FFF2-40B4-BE49-F238E27FC236}">
+                  <a16:creationId xmlns:a16="http://schemas.microsoft.com/office/drawing/2014/main" id="{4D636C33-85FB-B927-8274-09A25E8EC80F}"/>
+                </a:ext>
+              </a:extLst>
+            </p:cNvPr>
+            <p:cNvSpPr txBox="1"/>
+            <p:nvPr/>
+          </p:nvSpPr>
+          <p:spPr>
+            <a:xfrm>
+              <a:off x="2219367" y="5470508"/>
+              <a:ext cx="2644878" cy="461665"/>
+            </a:xfrm>
+            <a:prstGeom prst="rect">
+              <a:avLst/>
+            </a:prstGeom>
+            <a:noFill/>
+          </p:spPr>
+          <p:txBody>
+            <a:bodyPr wrap="square" rtlCol="0">
+              <a:spAutoFit/>
+            </a:bodyPr>
+            <a:lstStyle/>
+            <a:p>
+              <a:r>
+                <a:rPr lang="de-DE" sz="2400" dirty="0" err="1"/>
+                <a:t>reset_pw</a:t>
+              </a:r>
+              <a:endParaRPr lang="de-DE" dirty="0"/>
+            </a:p>
+          </p:txBody>
+        </p:sp>
+        <p:sp>
+          <p:nvSpPr>
+            <p:cNvPr id="74" name="Textfeld 73">
+              <a:extLst>
+                <a:ext uri="{FF2B5EF4-FFF2-40B4-BE49-F238E27FC236}">
+                  <a16:creationId xmlns:a16="http://schemas.microsoft.com/office/drawing/2014/main" id="{0BCB1299-EC4B-2A7C-7143-F4BBE06F4503}"/>
+                </a:ext>
+              </a:extLst>
+            </p:cNvPr>
+            <p:cNvSpPr txBox="1"/>
+            <p:nvPr/>
+          </p:nvSpPr>
+          <p:spPr>
+            <a:xfrm>
+              <a:off x="2221755" y="5975568"/>
+              <a:ext cx="2644878" cy="461665"/>
+            </a:xfrm>
+            <a:prstGeom prst="rect">
+              <a:avLst/>
+            </a:prstGeom>
+            <a:noFill/>
+          </p:spPr>
+          <p:txBody>
+            <a:bodyPr wrap="square" rtlCol="0">
+              <a:spAutoFit/>
+            </a:bodyPr>
+            <a:lstStyle/>
+            <a:p>
+              <a:r>
+                <a:rPr lang="de-DE" sz="2400" dirty="0" err="1"/>
+                <a:t>new_pw</a:t>
+              </a:r>
+              <a:endParaRPr lang="de-DE" dirty="0"/>
+            </a:p>
+          </p:txBody>
+        </p:sp>
+      </p:grpSp>
     </p:spTree>
     <p:extLst>
       <p:ext uri="{BB962C8B-B14F-4D97-AF65-F5344CB8AC3E}">
